--- a/Presentation.pptx
+++ b/Presentation.pptx
@@ -5,21 +5,892 @@
     <p:sldMasterId id="2147483648" r:id="rId2"/>
     <p:sldMasterId id="2147483661" r:id="rId3"/>
   </p:sldMasterIdLst>
+  <p:notesMasterIdLst>
+    <p:notesMasterId r:id="rId4"/>
+  </p:notesMasterIdLst>
   <p:sldIdLst>
-    <p:sldId id="256" r:id="rId4"/>
-    <p:sldId id="257" r:id="rId5"/>
-    <p:sldId id="258" r:id="rId6"/>
-    <p:sldId id="259" r:id="rId7"/>
-    <p:sldId id="260" r:id="rId8"/>
-    <p:sldId id="261" r:id="rId9"/>
-    <p:sldId id="262" r:id="rId10"/>
-    <p:sldId id="263" r:id="rId11"/>
-    <p:sldId id="264" r:id="rId12"/>
-    <p:sldId id="265" r:id="rId13"/>
+    <p:sldId id="256" r:id="rId5"/>
+    <p:sldId id="257" r:id="rId6"/>
+    <p:sldId id="258" r:id="rId7"/>
+    <p:sldId id="259" r:id="rId8"/>
+    <p:sldId id="260" r:id="rId9"/>
+    <p:sldId id="261" r:id="rId10"/>
+    <p:sldId id="262" r:id="rId11"/>
+    <p:sldId id="263" r:id="rId12"/>
+    <p:sldId id="264" r:id="rId13"/>
+    <p:sldId id="265" r:id="rId14"/>
+    <p:sldId id="266" r:id="rId15"/>
+    <p:sldId id="267" r:id="rId16"/>
+    <p:sldId id="268" r:id="rId17"/>
   </p:sldIdLst>
   <p:sldSz cx="10080625" cy="7559675"/>
-  <p:notesSz cx="7559675" cy="10691812"/>
+  <p:notesSz cx="7772400" cy="10058400"/>
 </p:presentation>
+</file>
+
+<file path=ppt/notesMasters/notesMaster1.xml><?xml version="1.0" encoding="utf-8"?>
+<p:notesMaster xmlns:a="http://schemas.openxmlformats.org/drawingml/2006/main" xmlns:p="http://schemas.openxmlformats.org/presentationml/2006/main" xmlns:r="http://schemas.openxmlformats.org/officeDocument/2006/relationships" xmlns:p14="http://schemas.microsoft.com/office/powerpoint/2010/main" xmlns:p15="http://schemas.microsoft.com/office/powerpoint/2012/main" xmlns:mc="http://schemas.openxmlformats.org/markup-compatibility/2006">
+  <p:cSld>
+    <p:spTree>
+      <p:nvGrpSpPr>
+        <p:cNvPr id="1" name=""/>
+        <p:cNvGrpSpPr/>
+        <p:nvPr/>
+      </p:nvGrpSpPr>
+      <p:grpSpPr>
+        <a:xfrm>
+          <a:off x="0" y="0"/>
+          <a:ext cx="0" cy="0"/>
+          <a:chOff x="0" y="0"/>
+          <a:chExt cx="0" cy="0"/>
+        </a:xfrm>
+      </p:grpSpPr>
+      <p:sp>
+        <p:nvSpPr>
+          <p:cNvPr id="77" name="Rectangle 1"/>
+          <p:cNvSpPr/>
+          <p:nvPr/>
+        </p:nvSpPr>
+        <p:spPr>
+          <a:xfrm>
+            <a:off x="0" y="0"/>
+            <a:ext cx="7772400" cy="10058400"/>
+          </a:xfrm>
+          <a:prstGeom prst="rect">
+            <a:avLst/>
+          </a:prstGeom>
+          <a:solidFill>
+            <a:srgbClr val="ffffff"/>
+          </a:solidFill>
+          <a:ln w="9360">
+            <a:noFill/>
+          </a:ln>
+        </p:spPr>
+      </p:sp>
+      <p:sp>
+        <p:nvSpPr>
+          <p:cNvPr id="78" name="PlaceHolder 2"/>
+          <p:cNvSpPr>
+            <a:spLocks noGrp="1"/>
+          </p:cNvSpPr>
+          <p:nvPr>
+            <p:ph type="body"/>
+          </p:nvPr>
+        </p:nvSpPr>
+        <p:spPr>
+          <a:xfrm>
+            <a:off x="777960" y="4776840"/>
+            <a:ext cx="6216480" cy="4524480"/>
+          </a:xfrm>
+          <a:prstGeom prst="rect">
+            <a:avLst/>
+          </a:prstGeom>
+        </p:spPr>
+        <p:txBody>
+          <a:bodyPr lIns="0" rIns="0" tIns="0" bIns="0"/>
+          <a:p>
+            <a:r>
+              <a:rPr b="0" lang="en-US" sz="1200" spc="-1" strike="noStrike">
+                <a:solidFill>
+                  <a:srgbClr val="000000"/>
+                </a:solidFill>
+                <a:uFill>
+                  <a:solidFill>
+                    <a:srgbClr val="ffffff"/>
+                  </a:solidFill>
+                </a:uFill>
+                <a:latin typeface="Times New Roman"/>
+              </a:rPr>
+              <a:t>Click to edit the notes format</a:t>
+            </a:r>
+            <a:endParaRPr b="0" lang="en-US" sz="1200" spc="-1" strike="noStrike">
+              <a:solidFill>
+                <a:srgbClr val="000000"/>
+              </a:solidFill>
+              <a:uFill>
+                <a:solidFill>
+                  <a:srgbClr val="ffffff"/>
+                </a:solidFill>
+              </a:uFill>
+              <a:latin typeface="Times New Roman"/>
+            </a:endParaRPr>
+          </a:p>
+        </p:txBody>
+      </p:sp>
+      <p:sp>
+        <p:nvSpPr>
+          <p:cNvPr id="79" name="PlaceHolder 3"/>
+          <p:cNvSpPr>
+            <a:spLocks noGrp="1"/>
+          </p:cNvSpPr>
+          <p:nvPr>
+            <p:ph type="hdr"/>
+          </p:nvPr>
+        </p:nvSpPr>
+        <p:spPr>
+          <a:xfrm>
+            <a:off x="0" y="-360"/>
+            <a:ext cx="3371760" cy="501480"/>
+          </a:xfrm>
+          <a:prstGeom prst="rect">
+            <a:avLst/>
+          </a:prstGeom>
+        </p:spPr>
+        <p:txBody>
+          <a:bodyPr lIns="0" rIns="0" tIns="0" bIns="0"/>
+          <a:p>
+            <a:pPr>
+              <a:lnSpc>
+                <a:spcPct val="95000"/>
+              </a:lnSpc>
+            </a:pPr>
+            <a:r>
+              <a:rPr b="0" lang="en-US" sz="1400" spc="-1" strike="noStrike">
+                <a:solidFill>
+                  <a:srgbClr val="000000"/>
+                </a:solidFill>
+                <a:uFill>
+                  <a:solidFill>
+                    <a:srgbClr val="ffffff"/>
+                  </a:solidFill>
+                </a:uFill>
+                <a:latin typeface="Times New Roman"/>
+                <a:ea typeface="Arial Unicode MS"/>
+              </a:rPr>
+              <a:t> </a:t>
+            </a:r>
+            <a:endParaRPr b="0" lang="en-US" sz="1800" spc="-1" strike="noStrike">
+              <a:solidFill>
+                <a:srgbClr val="000000"/>
+              </a:solidFill>
+              <a:uFill>
+                <a:solidFill>
+                  <a:srgbClr val="ffffff"/>
+                </a:solidFill>
+              </a:uFill>
+              <a:latin typeface="Arial"/>
+            </a:endParaRPr>
+          </a:p>
+        </p:txBody>
+      </p:sp>
+      <p:sp>
+        <p:nvSpPr>
+          <p:cNvPr id="80" name="PlaceHolder 4"/>
+          <p:cNvSpPr>
+            <a:spLocks noGrp="1"/>
+          </p:cNvSpPr>
+          <p:nvPr>
+            <p:ph type="dt"/>
+          </p:nvPr>
+        </p:nvSpPr>
+        <p:spPr>
+          <a:xfrm>
+            <a:off x="4398480" y="-360"/>
+            <a:ext cx="3372120" cy="501480"/>
+          </a:xfrm>
+          <a:prstGeom prst="rect">
+            <a:avLst/>
+          </a:prstGeom>
+        </p:spPr>
+        <p:txBody>
+          <a:bodyPr lIns="0" rIns="0" tIns="0" bIns="0"/>
+          <a:p>
+            <a:pPr algn="r">
+              <a:lnSpc>
+                <a:spcPct val="95000"/>
+              </a:lnSpc>
+            </a:pPr>
+            <a:r>
+              <a:rPr b="0" lang="en-US" sz="1400" spc="-1" strike="noStrike">
+                <a:solidFill>
+                  <a:srgbClr val="000000"/>
+                </a:solidFill>
+                <a:uFill>
+                  <a:solidFill>
+                    <a:srgbClr val="ffffff"/>
+                  </a:solidFill>
+                </a:uFill>
+                <a:latin typeface="Times New Roman"/>
+                <a:ea typeface="Arial Unicode MS"/>
+              </a:rPr>
+              <a:t> </a:t>
+            </a:r>
+            <a:endParaRPr b="0" lang="en-US" sz="1800" spc="-1" strike="noStrike">
+              <a:solidFill>
+                <a:srgbClr val="000000"/>
+              </a:solidFill>
+              <a:uFill>
+                <a:solidFill>
+                  <a:srgbClr val="ffffff"/>
+                </a:solidFill>
+              </a:uFill>
+              <a:latin typeface="Arial"/>
+            </a:endParaRPr>
+          </a:p>
+        </p:txBody>
+      </p:sp>
+      <p:sp>
+        <p:nvSpPr>
+          <p:cNvPr id="81" name="PlaceHolder 5"/>
+          <p:cNvSpPr>
+            <a:spLocks noGrp="1"/>
+          </p:cNvSpPr>
+          <p:nvPr>
+            <p:ph type="ftr"/>
+          </p:nvPr>
+        </p:nvSpPr>
+        <p:spPr>
+          <a:xfrm>
+            <a:off x="0" y="9555120"/>
+            <a:ext cx="3371760" cy="501840"/>
+          </a:xfrm>
+          <a:prstGeom prst="rect">
+            <a:avLst/>
+          </a:prstGeom>
+        </p:spPr>
+        <p:txBody>
+          <a:bodyPr lIns="0" rIns="0" tIns="0" bIns="0" anchor="b"/>
+          <a:p>
+            <a:pPr>
+              <a:lnSpc>
+                <a:spcPct val="95000"/>
+              </a:lnSpc>
+            </a:pPr>
+            <a:r>
+              <a:rPr b="0" lang="en-US" sz="1400" spc="-1" strike="noStrike">
+                <a:solidFill>
+                  <a:srgbClr val="000000"/>
+                </a:solidFill>
+                <a:uFill>
+                  <a:solidFill>
+                    <a:srgbClr val="ffffff"/>
+                  </a:solidFill>
+                </a:uFill>
+                <a:latin typeface="Times New Roman"/>
+                <a:ea typeface="Arial Unicode MS"/>
+              </a:rPr>
+              <a:t> </a:t>
+            </a:r>
+            <a:endParaRPr b="0" lang="en-US" sz="1800" spc="-1" strike="noStrike">
+              <a:solidFill>
+                <a:srgbClr val="000000"/>
+              </a:solidFill>
+              <a:uFill>
+                <a:solidFill>
+                  <a:srgbClr val="ffffff"/>
+                </a:solidFill>
+              </a:uFill>
+              <a:latin typeface="Arial"/>
+            </a:endParaRPr>
+          </a:p>
+        </p:txBody>
+      </p:sp>
+      <p:sp>
+        <p:nvSpPr>
+          <p:cNvPr id="82" name="PlaceHolder 6"/>
+          <p:cNvSpPr>
+            <a:spLocks noGrp="1"/>
+          </p:cNvSpPr>
+          <p:nvPr>
+            <p:ph type="sldNum"/>
+          </p:nvPr>
+        </p:nvSpPr>
+        <p:spPr>
+          <a:xfrm>
+            <a:off x="4398480" y="9555120"/>
+            <a:ext cx="3372120" cy="501840"/>
+          </a:xfrm>
+          <a:prstGeom prst="rect">
+            <a:avLst/>
+          </a:prstGeom>
+        </p:spPr>
+        <p:txBody>
+          <a:bodyPr lIns="0" rIns="0" tIns="0" bIns="0" anchor="b"/>
+          <a:p>
+            <a:pPr algn="r">
+              <a:lnSpc>
+                <a:spcPct val="95000"/>
+              </a:lnSpc>
+            </a:pPr>
+            <a:fld id="{991B3680-C94F-45EC-BBAA-0D2336117DB7}" type="slidenum">
+              <a:rPr b="0" lang="en-US" sz="1400" spc="-1" strike="noStrike">
+                <a:solidFill>
+                  <a:srgbClr val="000000"/>
+                </a:solidFill>
+                <a:uFill>
+                  <a:solidFill>
+                    <a:srgbClr val="ffffff"/>
+                  </a:solidFill>
+                </a:uFill>
+                <a:latin typeface="Times New Roman"/>
+                <a:ea typeface="Arial Unicode MS"/>
+              </a:rPr>
+              <a:t>1</a:t>
+            </a:fld>
+            <a:endParaRPr b="0" lang="en-US" sz="1800" spc="-1" strike="noStrike">
+              <a:solidFill>
+                <a:srgbClr val="000000"/>
+              </a:solidFill>
+              <a:uFill>
+                <a:solidFill>
+                  <a:srgbClr val="ffffff"/>
+                </a:solidFill>
+              </a:uFill>
+              <a:latin typeface="Arial"/>
+            </a:endParaRPr>
+          </a:p>
+        </p:txBody>
+      </p:sp>
+    </p:spTree>
+  </p:cSld>
+  <p:clrMap bg1="lt1" bg2="lt2" tx1="dk1" tx2="dk2" accent1="accent1" accent2="accent2" accent3="accent3" accent4="accent4" accent5="accent5" accent6="accent6" hlink="hlink" folHlink="folHlink"/>
+</p:notesMaster>
+</file>
+
+<file path=ppt/notesSlides/notesSlide1.xml><?xml version="1.0" encoding="utf-8"?>
+<p:notes xmlns:a="http://schemas.openxmlformats.org/drawingml/2006/main" xmlns:p="http://schemas.openxmlformats.org/presentationml/2006/main" xmlns:r="http://schemas.openxmlformats.org/officeDocument/2006/relationships" xmlns:p14="http://schemas.microsoft.com/office/powerpoint/2010/main" xmlns:p15="http://schemas.microsoft.com/office/powerpoint/2012/main" xmlns:mc="http://schemas.openxmlformats.org/markup-compatibility/2006">
+  <p:cSld>
+    <p:spTree>
+      <p:nvGrpSpPr>
+        <p:cNvPr id="1" name=""/>
+        <p:cNvGrpSpPr/>
+        <p:nvPr/>
+      </p:nvGrpSpPr>
+      <p:grpSpPr>
+        <a:xfrm>
+          <a:off x="0" y="0"/>
+          <a:ext cx="0" cy="0"/>
+          <a:chOff x="0" y="0"/>
+          <a:chExt cx="0" cy="0"/>
+        </a:xfrm>
+      </p:grpSpPr>
+      <p:sp>
+        <p:nvSpPr>
+          <p:cNvPr id="120" name="TextShape 1"/>
+          <p:cNvSpPr txBox="1"/>
+          <p:nvPr/>
+        </p:nvSpPr>
+        <p:spPr>
+          <a:xfrm>
+            <a:off x="777600" y="4776840"/>
+            <a:ext cx="6218280" cy="4525920"/>
+          </a:xfrm>
+          <a:prstGeom prst="rect">
+            <a:avLst/>
+          </a:prstGeom>
+          <a:noFill/>
+          <a:ln>
+            <a:noFill/>
+          </a:ln>
+        </p:spPr>
+      </p:sp>
+    </p:spTree>
+  </p:cSld>
+</p:notes>
+</file>
+
+<file path=ppt/notesSlides/notesSlide10.xml><?xml version="1.0" encoding="utf-8"?>
+<p:notes xmlns:a="http://schemas.openxmlformats.org/drawingml/2006/main" xmlns:p="http://schemas.openxmlformats.org/presentationml/2006/main" xmlns:r="http://schemas.openxmlformats.org/officeDocument/2006/relationships" xmlns:p14="http://schemas.microsoft.com/office/powerpoint/2010/main" xmlns:p15="http://schemas.microsoft.com/office/powerpoint/2012/main" xmlns:mc="http://schemas.openxmlformats.org/markup-compatibility/2006">
+  <p:cSld>
+    <p:spTree>
+      <p:nvGrpSpPr>
+        <p:cNvPr id="1" name=""/>
+        <p:cNvGrpSpPr/>
+        <p:nvPr/>
+      </p:nvGrpSpPr>
+      <p:grpSpPr>
+        <a:xfrm>
+          <a:off x="0" y="0"/>
+          <a:ext cx="0" cy="0"/>
+          <a:chOff x="0" y="0"/>
+          <a:chExt cx="0" cy="0"/>
+        </a:xfrm>
+      </p:grpSpPr>
+      <p:sp>
+        <p:nvSpPr>
+          <p:cNvPr id="129" name="TextShape 1"/>
+          <p:cNvSpPr txBox="1"/>
+          <p:nvPr/>
+        </p:nvSpPr>
+        <p:spPr>
+          <a:xfrm>
+            <a:off x="777600" y="4776840"/>
+            <a:ext cx="6218280" cy="4525920"/>
+          </a:xfrm>
+          <a:prstGeom prst="rect">
+            <a:avLst/>
+          </a:prstGeom>
+          <a:noFill/>
+          <a:ln>
+            <a:noFill/>
+          </a:ln>
+        </p:spPr>
+      </p:sp>
+    </p:spTree>
+  </p:cSld>
+</p:notes>
+</file>
+
+<file path=ppt/notesSlides/notesSlide11.xml><?xml version="1.0" encoding="utf-8"?>
+<p:notes xmlns:a="http://schemas.openxmlformats.org/drawingml/2006/main" xmlns:p="http://schemas.openxmlformats.org/presentationml/2006/main" xmlns:r="http://schemas.openxmlformats.org/officeDocument/2006/relationships" xmlns:p14="http://schemas.microsoft.com/office/powerpoint/2010/main" xmlns:p15="http://schemas.microsoft.com/office/powerpoint/2012/main" xmlns:mc="http://schemas.openxmlformats.org/markup-compatibility/2006">
+  <p:cSld>
+    <p:spTree>
+      <p:nvGrpSpPr>
+        <p:cNvPr id="1" name=""/>
+        <p:cNvGrpSpPr/>
+        <p:nvPr/>
+      </p:nvGrpSpPr>
+      <p:grpSpPr>
+        <a:xfrm>
+          <a:off x="0" y="0"/>
+          <a:ext cx="0" cy="0"/>
+          <a:chOff x="0" y="0"/>
+          <a:chExt cx="0" cy="0"/>
+        </a:xfrm>
+      </p:grpSpPr>
+      <p:sp>
+        <p:nvSpPr>
+          <p:cNvPr id="130" name="TextShape 1"/>
+          <p:cNvSpPr txBox="1"/>
+          <p:nvPr/>
+        </p:nvSpPr>
+        <p:spPr>
+          <a:xfrm>
+            <a:off x="777600" y="4776840"/>
+            <a:ext cx="6218280" cy="4525920"/>
+          </a:xfrm>
+          <a:prstGeom prst="rect">
+            <a:avLst/>
+          </a:prstGeom>
+          <a:noFill/>
+          <a:ln>
+            <a:noFill/>
+          </a:ln>
+        </p:spPr>
+      </p:sp>
+    </p:spTree>
+  </p:cSld>
+</p:notes>
+</file>
+
+<file path=ppt/notesSlides/notesSlide12.xml><?xml version="1.0" encoding="utf-8"?>
+<p:notes xmlns:a="http://schemas.openxmlformats.org/drawingml/2006/main" xmlns:p="http://schemas.openxmlformats.org/presentationml/2006/main" xmlns:r="http://schemas.openxmlformats.org/officeDocument/2006/relationships" xmlns:p14="http://schemas.microsoft.com/office/powerpoint/2010/main" xmlns:p15="http://schemas.microsoft.com/office/powerpoint/2012/main" xmlns:mc="http://schemas.openxmlformats.org/markup-compatibility/2006">
+  <p:cSld>
+    <p:spTree>
+      <p:nvGrpSpPr>
+        <p:cNvPr id="1" name=""/>
+        <p:cNvGrpSpPr/>
+        <p:nvPr/>
+      </p:nvGrpSpPr>
+      <p:grpSpPr>
+        <a:xfrm>
+          <a:off x="0" y="0"/>
+          <a:ext cx="0" cy="0"/>
+          <a:chOff x="0" y="0"/>
+          <a:chExt cx="0" cy="0"/>
+        </a:xfrm>
+      </p:grpSpPr>
+      <p:sp>
+        <p:nvSpPr>
+          <p:cNvPr id="131" name="TextShape 1"/>
+          <p:cNvSpPr txBox="1"/>
+          <p:nvPr/>
+        </p:nvSpPr>
+        <p:spPr>
+          <a:xfrm>
+            <a:off x="777600" y="4776840"/>
+            <a:ext cx="6218280" cy="4525920"/>
+          </a:xfrm>
+          <a:prstGeom prst="rect">
+            <a:avLst/>
+          </a:prstGeom>
+          <a:noFill/>
+          <a:ln>
+            <a:noFill/>
+          </a:ln>
+        </p:spPr>
+      </p:sp>
+    </p:spTree>
+  </p:cSld>
+</p:notes>
+</file>
+
+<file path=ppt/notesSlides/notesSlide13.xml><?xml version="1.0" encoding="utf-8"?>
+<p:notes xmlns:a="http://schemas.openxmlformats.org/drawingml/2006/main" xmlns:p="http://schemas.openxmlformats.org/presentationml/2006/main" xmlns:r="http://schemas.openxmlformats.org/officeDocument/2006/relationships" xmlns:p14="http://schemas.microsoft.com/office/powerpoint/2010/main" xmlns:p15="http://schemas.microsoft.com/office/powerpoint/2012/main" xmlns:mc="http://schemas.openxmlformats.org/markup-compatibility/2006">
+  <p:cSld>
+    <p:spTree>
+      <p:nvGrpSpPr>
+        <p:cNvPr id="1" name=""/>
+        <p:cNvGrpSpPr/>
+        <p:nvPr/>
+      </p:nvGrpSpPr>
+      <p:grpSpPr>
+        <a:xfrm>
+          <a:off x="0" y="0"/>
+          <a:ext cx="0" cy="0"/>
+          <a:chOff x="0" y="0"/>
+          <a:chExt cx="0" cy="0"/>
+        </a:xfrm>
+      </p:grpSpPr>
+      <p:sp>
+        <p:nvSpPr>
+          <p:cNvPr id="132" name="TextShape 1"/>
+          <p:cNvSpPr txBox="1"/>
+          <p:nvPr/>
+        </p:nvSpPr>
+        <p:spPr>
+          <a:xfrm>
+            <a:off x="777600" y="4776840"/>
+            <a:ext cx="6218280" cy="4525920"/>
+          </a:xfrm>
+          <a:prstGeom prst="rect">
+            <a:avLst/>
+          </a:prstGeom>
+          <a:noFill/>
+          <a:ln>
+            <a:noFill/>
+          </a:ln>
+        </p:spPr>
+      </p:sp>
+    </p:spTree>
+  </p:cSld>
+</p:notes>
+</file>
+
+<file path=ppt/notesSlides/notesSlide2.xml><?xml version="1.0" encoding="utf-8"?>
+<p:notes xmlns:a="http://schemas.openxmlformats.org/drawingml/2006/main" xmlns:p="http://schemas.openxmlformats.org/presentationml/2006/main" xmlns:r="http://schemas.openxmlformats.org/officeDocument/2006/relationships" xmlns:p14="http://schemas.microsoft.com/office/powerpoint/2010/main" xmlns:p15="http://schemas.microsoft.com/office/powerpoint/2012/main" xmlns:mc="http://schemas.openxmlformats.org/markup-compatibility/2006">
+  <p:cSld>
+    <p:spTree>
+      <p:nvGrpSpPr>
+        <p:cNvPr id="1" name=""/>
+        <p:cNvGrpSpPr/>
+        <p:nvPr/>
+      </p:nvGrpSpPr>
+      <p:grpSpPr>
+        <a:xfrm>
+          <a:off x="0" y="0"/>
+          <a:ext cx="0" cy="0"/>
+          <a:chOff x="0" y="0"/>
+          <a:chExt cx="0" cy="0"/>
+        </a:xfrm>
+      </p:grpSpPr>
+      <p:sp>
+        <p:nvSpPr>
+          <p:cNvPr id="121" name="TextShape 1"/>
+          <p:cNvSpPr txBox="1"/>
+          <p:nvPr/>
+        </p:nvSpPr>
+        <p:spPr>
+          <a:xfrm>
+            <a:off x="777600" y="4776840"/>
+            <a:ext cx="6218280" cy="4525920"/>
+          </a:xfrm>
+          <a:prstGeom prst="rect">
+            <a:avLst/>
+          </a:prstGeom>
+          <a:noFill/>
+          <a:ln>
+            <a:noFill/>
+          </a:ln>
+        </p:spPr>
+      </p:sp>
+    </p:spTree>
+  </p:cSld>
+</p:notes>
+</file>
+
+<file path=ppt/notesSlides/notesSlide3.xml><?xml version="1.0" encoding="utf-8"?>
+<p:notes xmlns:a="http://schemas.openxmlformats.org/drawingml/2006/main" xmlns:p="http://schemas.openxmlformats.org/presentationml/2006/main" xmlns:r="http://schemas.openxmlformats.org/officeDocument/2006/relationships" xmlns:p14="http://schemas.microsoft.com/office/powerpoint/2010/main" xmlns:p15="http://schemas.microsoft.com/office/powerpoint/2012/main" xmlns:mc="http://schemas.openxmlformats.org/markup-compatibility/2006">
+  <p:cSld>
+    <p:spTree>
+      <p:nvGrpSpPr>
+        <p:cNvPr id="1" name=""/>
+        <p:cNvGrpSpPr/>
+        <p:nvPr/>
+      </p:nvGrpSpPr>
+      <p:grpSpPr>
+        <a:xfrm>
+          <a:off x="0" y="0"/>
+          <a:ext cx="0" cy="0"/>
+          <a:chOff x="0" y="0"/>
+          <a:chExt cx="0" cy="0"/>
+        </a:xfrm>
+      </p:grpSpPr>
+      <p:sp>
+        <p:nvSpPr>
+          <p:cNvPr id="122" name="TextShape 1"/>
+          <p:cNvSpPr txBox="1"/>
+          <p:nvPr/>
+        </p:nvSpPr>
+        <p:spPr>
+          <a:xfrm>
+            <a:off x="777600" y="4776840"/>
+            <a:ext cx="6218280" cy="4525920"/>
+          </a:xfrm>
+          <a:prstGeom prst="rect">
+            <a:avLst/>
+          </a:prstGeom>
+          <a:noFill/>
+          <a:ln>
+            <a:noFill/>
+          </a:ln>
+        </p:spPr>
+      </p:sp>
+    </p:spTree>
+  </p:cSld>
+</p:notes>
+</file>
+
+<file path=ppt/notesSlides/notesSlide4.xml><?xml version="1.0" encoding="utf-8"?>
+<p:notes xmlns:a="http://schemas.openxmlformats.org/drawingml/2006/main" xmlns:p="http://schemas.openxmlformats.org/presentationml/2006/main" xmlns:r="http://schemas.openxmlformats.org/officeDocument/2006/relationships" xmlns:p14="http://schemas.microsoft.com/office/powerpoint/2010/main" xmlns:p15="http://schemas.microsoft.com/office/powerpoint/2012/main" xmlns:mc="http://schemas.openxmlformats.org/markup-compatibility/2006">
+  <p:cSld>
+    <p:spTree>
+      <p:nvGrpSpPr>
+        <p:cNvPr id="1" name=""/>
+        <p:cNvGrpSpPr/>
+        <p:nvPr/>
+      </p:nvGrpSpPr>
+      <p:grpSpPr>
+        <a:xfrm>
+          <a:off x="0" y="0"/>
+          <a:ext cx="0" cy="0"/>
+          <a:chOff x="0" y="0"/>
+          <a:chExt cx="0" cy="0"/>
+        </a:xfrm>
+      </p:grpSpPr>
+      <p:sp>
+        <p:nvSpPr>
+          <p:cNvPr id="123" name="TextShape 1"/>
+          <p:cNvSpPr txBox="1"/>
+          <p:nvPr/>
+        </p:nvSpPr>
+        <p:spPr>
+          <a:xfrm>
+            <a:off x="777600" y="4776840"/>
+            <a:ext cx="6218280" cy="4525920"/>
+          </a:xfrm>
+          <a:prstGeom prst="rect">
+            <a:avLst/>
+          </a:prstGeom>
+          <a:noFill/>
+          <a:ln>
+            <a:noFill/>
+          </a:ln>
+        </p:spPr>
+      </p:sp>
+    </p:spTree>
+  </p:cSld>
+</p:notes>
+</file>
+
+<file path=ppt/notesSlides/notesSlide5.xml><?xml version="1.0" encoding="utf-8"?>
+<p:notes xmlns:a="http://schemas.openxmlformats.org/drawingml/2006/main" xmlns:p="http://schemas.openxmlformats.org/presentationml/2006/main" xmlns:r="http://schemas.openxmlformats.org/officeDocument/2006/relationships" xmlns:p14="http://schemas.microsoft.com/office/powerpoint/2010/main" xmlns:p15="http://schemas.microsoft.com/office/powerpoint/2012/main" xmlns:mc="http://schemas.openxmlformats.org/markup-compatibility/2006">
+  <p:cSld>
+    <p:spTree>
+      <p:nvGrpSpPr>
+        <p:cNvPr id="1" name=""/>
+        <p:cNvGrpSpPr/>
+        <p:nvPr/>
+      </p:nvGrpSpPr>
+      <p:grpSpPr>
+        <a:xfrm>
+          <a:off x="0" y="0"/>
+          <a:ext cx="0" cy="0"/>
+          <a:chOff x="0" y="0"/>
+          <a:chExt cx="0" cy="0"/>
+        </a:xfrm>
+      </p:grpSpPr>
+      <p:sp>
+        <p:nvSpPr>
+          <p:cNvPr id="124" name="TextShape 1"/>
+          <p:cNvSpPr txBox="1"/>
+          <p:nvPr/>
+        </p:nvSpPr>
+        <p:spPr>
+          <a:xfrm>
+            <a:off x="777600" y="4776840"/>
+            <a:ext cx="6218280" cy="4525920"/>
+          </a:xfrm>
+          <a:prstGeom prst="rect">
+            <a:avLst/>
+          </a:prstGeom>
+          <a:noFill/>
+          <a:ln>
+            <a:noFill/>
+          </a:ln>
+        </p:spPr>
+      </p:sp>
+    </p:spTree>
+  </p:cSld>
+</p:notes>
+</file>
+
+<file path=ppt/notesSlides/notesSlide6.xml><?xml version="1.0" encoding="utf-8"?>
+<p:notes xmlns:a="http://schemas.openxmlformats.org/drawingml/2006/main" xmlns:p="http://schemas.openxmlformats.org/presentationml/2006/main" xmlns:r="http://schemas.openxmlformats.org/officeDocument/2006/relationships" xmlns:p14="http://schemas.microsoft.com/office/powerpoint/2010/main" xmlns:p15="http://schemas.microsoft.com/office/powerpoint/2012/main" xmlns:mc="http://schemas.openxmlformats.org/markup-compatibility/2006">
+  <p:cSld>
+    <p:spTree>
+      <p:nvGrpSpPr>
+        <p:cNvPr id="1" name=""/>
+        <p:cNvGrpSpPr/>
+        <p:nvPr/>
+      </p:nvGrpSpPr>
+      <p:grpSpPr>
+        <a:xfrm>
+          <a:off x="0" y="0"/>
+          <a:ext cx="0" cy="0"/>
+          <a:chOff x="0" y="0"/>
+          <a:chExt cx="0" cy="0"/>
+        </a:xfrm>
+      </p:grpSpPr>
+      <p:sp>
+        <p:nvSpPr>
+          <p:cNvPr id="125" name="TextShape 1"/>
+          <p:cNvSpPr txBox="1"/>
+          <p:nvPr/>
+        </p:nvSpPr>
+        <p:spPr>
+          <a:xfrm>
+            <a:off x="777600" y="4776840"/>
+            <a:ext cx="6218280" cy="4525920"/>
+          </a:xfrm>
+          <a:prstGeom prst="rect">
+            <a:avLst/>
+          </a:prstGeom>
+          <a:noFill/>
+          <a:ln>
+            <a:noFill/>
+          </a:ln>
+        </p:spPr>
+      </p:sp>
+    </p:spTree>
+  </p:cSld>
+</p:notes>
+</file>
+
+<file path=ppt/notesSlides/notesSlide7.xml><?xml version="1.0" encoding="utf-8"?>
+<p:notes xmlns:a="http://schemas.openxmlformats.org/drawingml/2006/main" xmlns:p="http://schemas.openxmlformats.org/presentationml/2006/main" xmlns:r="http://schemas.openxmlformats.org/officeDocument/2006/relationships" xmlns:p14="http://schemas.microsoft.com/office/powerpoint/2010/main" xmlns:p15="http://schemas.microsoft.com/office/powerpoint/2012/main" xmlns:mc="http://schemas.openxmlformats.org/markup-compatibility/2006">
+  <p:cSld>
+    <p:spTree>
+      <p:nvGrpSpPr>
+        <p:cNvPr id="1" name=""/>
+        <p:cNvGrpSpPr/>
+        <p:nvPr/>
+      </p:nvGrpSpPr>
+      <p:grpSpPr>
+        <a:xfrm>
+          <a:off x="0" y="0"/>
+          <a:ext cx="0" cy="0"/>
+          <a:chOff x="0" y="0"/>
+          <a:chExt cx="0" cy="0"/>
+        </a:xfrm>
+      </p:grpSpPr>
+      <p:sp>
+        <p:nvSpPr>
+          <p:cNvPr id="126" name="TextShape 1"/>
+          <p:cNvSpPr txBox="1"/>
+          <p:nvPr/>
+        </p:nvSpPr>
+        <p:spPr>
+          <a:xfrm>
+            <a:off x="777600" y="4776840"/>
+            <a:ext cx="6218280" cy="4525920"/>
+          </a:xfrm>
+          <a:prstGeom prst="rect">
+            <a:avLst/>
+          </a:prstGeom>
+          <a:noFill/>
+          <a:ln>
+            <a:noFill/>
+          </a:ln>
+        </p:spPr>
+      </p:sp>
+    </p:spTree>
+  </p:cSld>
+</p:notes>
+</file>
+
+<file path=ppt/notesSlides/notesSlide8.xml><?xml version="1.0" encoding="utf-8"?>
+<p:notes xmlns:a="http://schemas.openxmlformats.org/drawingml/2006/main" xmlns:p="http://schemas.openxmlformats.org/presentationml/2006/main" xmlns:r="http://schemas.openxmlformats.org/officeDocument/2006/relationships" xmlns:p14="http://schemas.microsoft.com/office/powerpoint/2010/main" xmlns:p15="http://schemas.microsoft.com/office/powerpoint/2012/main" xmlns:mc="http://schemas.openxmlformats.org/markup-compatibility/2006">
+  <p:cSld>
+    <p:spTree>
+      <p:nvGrpSpPr>
+        <p:cNvPr id="1" name=""/>
+        <p:cNvGrpSpPr/>
+        <p:nvPr/>
+      </p:nvGrpSpPr>
+      <p:grpSpPr>
+        <a:xfrm>
+          <a:off x="0" y="0"/>
+          <a:ext cx="0" cy="0"/>
+          <a:chOff x="0" y="0"/>
+          <a:chExt cx="0" cy="0"/>
+        </a:xfrm>
+      </p:grpSpPr>
+      <p:sp>
+        <p:nvSpPr>
+          <p:cNvPr id="127" name="TextShape 1"/>
+          <p:cNvSpPr txBox="1"/>
+          <p:nvPr/>
+        </p:nvSpPr>
+        <p:spPr>
+          <a:xfrm>
+            <a:off x="777600" y="4776840"/>
+            <a:ext cx="6218280" cy="4525920"/>
+          </a:xfrm>
+          <a:prstGeom prst="rect">
+            <a:avLst/>
+          </a:prstGeom>
+          <a:noFill/>
+          <a:ln>
+            <a:noFill/>
+          </a:ln>
+        </p:spPr>
+      </p:sp>
+    </p:spTree>
+  </p:cSld>
+</p:notes>
+</file>
+
+<file path=ppt/notesSlides/notesSlide9.xml><?xml version="1.0" encoding="utf-8"?>
+<p:notes xmlns:a="http://schemas.openxmlformats.org/drawingml/2006/main" xmlns:p="http://schemas.openxmlformats.org/presentationml/2006/main" xmlns:r="http://schemas.openxmlformats.org/officeDocument/2006/relationships" xmlns:p14="http://schemas.microsoft.com/office/powerpoint/2010/main" xmlns:p15="http://schemas.microsoft.com/office/powerpoint/2012/main" xmlns:mc="http://schemas.openxmlformats.org/markup-compatibility/2006">
+  <p:cSld>
+    <p:spTree>
+      <p:nvGrpSpPr>
+        <p:cNvPr id="1" name=""/>
+        <p:cNvGrpSpPr/>
+        <p:nvPr/>
+      </p:nvGrpSpPr>
+      <p:grpSpPr>
+        <a:xfrm>
+          <a:off x="0" y="0"/>
+          <a:ext cx="0" cy="0"/>
+          <a:chOff x="0" y="0"/>
+          <a:chExt cx="0" cy="0"/>
+        </a:xfrm>
+      </p:grpSpPr>
+      <p:sp>
+        <p:nvSpPr>
+          <p:cNvPr id="128" name="TextShape 1"/>
+          <p:cNvSpPr txBox="1"/>
+          <p:nvPr/>
+        </p:nvSpPr>
+        <p:spPr>
+          <a:xfrm>
+            <a:off x="777600" y="4776840"/>
+            <a:ext cx="6218280" cy="4525920"/>
+          </a:xfrm>
+          <a:prstGeom prst="rect">
+            <a:avLst/>
+          </a:prstGeom>
+          <a:noFill/>
+          <a:ln>
+            <a:noFill/>
+          </a:ln>
+        </p:spPr>
+      </p:sp>
+    </p:spTree>
+  </p:cSld>
+</p:notes>
 </file>
 
 <file path=ppt/slideLayouts/slideLayout1.xml><?xml version="1.0" encoding="utf-8"?>
@@ -63,7 +934,7 @@
       </p:grpSpPr>
       <p:sp>
         <p:nvSpPr>
-          <p:cNvPr id="30" name="PlaceHolder 1"/>
+          <p:cNvPr id="24" name="PlaceHolder 1"/>
           <p:cNvSpPr>
             <a:spLocks noGrp="1"/>
           </p:cNvSpPr>
@@ -73,8 +944,8 @@
         </p:nvSpPr>
         <p:spPr>
           <a:xfrm>
-            <a:off x="360000" y="360000"/>
-            <a:ext cx="9360000" cy="900000"/>
+            <a:off x="360000" y="360360"/>
+            <a:ext cx="9358200" cy="898560"/>
           </a:xfrm>
           <a:prstGeom prst="rect">
             <a:avLst/>
@@ -83,23 +954,24 @@
         <p:txBody>
           <a:bodyPr lIns="0" rIns="0" tIns="0" bIns="0" anchor="b"/>
           <a:p>
-            <a:endParaRPr b="1" lang="en-US" sz="3200" spc="-1" strike="noStrike">
-              <a:solidFill>
-                <a:srgbClr val="ffffff"/>
-              </a:solidFill>
-              <a:uFill>
-                <a:solidFill>
-                  <a:srgbClr val="ffffff"/>
-                </a:solidFill>
-              </a:uFill>
-              <a:latin typeface="Source Sans Pro Black"/>
-            </a:endParaRPr>
-          </a:p>
-        </p:txBody>
-      </p:sp>
-      <p:sp>
-        <p:nvSpPr>
-          <p:cNvPr id="31" name="PlaceHolder 2"/>
+            <a:pPr algn="ctr"/>
+            <a:endParaRPr b="0" lang="en-US" sz="4400" spc="-1" strike="noStrike">
+              <a:solidFill>
+                <a:srgbClr val="000000"/>
+              </a:solidFill>
+              <a:uFill>
+                <a:solidFill>
+                  <a:srgbClr val="ffffff"/>
+                </a:solidFill>
+              </a:uFill>
+              <a:latin typeface="Arial"/>
+            </a:endParaRPr>
+          </a:p>
+        </p:txBody>
+      </p:sp>
+      <p:sp>
+        <p:nvSpPr>
+          <p:cNvPr id="25" name="PlaceHolder 2"/>
           <p:cNvSpPr>
             <a:spLocks noGrp="1"/>
           </p:cNvSpPr>
@@ -109,8 +981,8 @@
         </p:nvSpPr>
         <p:spPr>
           <a:xfrm>
-            <a:off x="360000" y="1980000"/>
-            <a:ext cx="9180000" cy="2232000"/>
+            <a:off x="360000" y="1979280"/>
+            <a:ext cx="9177480" cy="2231280"/>
           </a:xfrm>
           <a:prstGeom prst="rect">
             <a:avLst/>
@@ -119,23 +991,23 @@
         <p:txBody>
           <a:bodyPr lIns="0" rIns="0" tIns="0" bIns="0"/>
           <a:p>
-            <a:endParaRPr b="1" lang="en-US" sz="2600" spc="-1" strike="noStrike">
-              <a:solidFill>
-                <a:srgbClr val="1c1c1c"/>
-              </a:solidFill>
-              <a:uFill>
-                <a:solidFill>
-                  <a:srgbClr val="ffffff"/>
-                </a:solidFill>
-              </a:uFill>
-              <a:latin typeface="Source Sans Pro Semibold"/>
-            </a:endParaRPr>
-          </a:p>
-        </p:txBody>
-      </p:sp>
-      <p:sp>
-        <p:nvSpPr>
-          <p:cNvPr id="32" name="PlaceHolder 3"/>
+            <a:endParaRPr b="0" lang="en-US" sz="3200" spc="-1" strike="noStrike">
+              <a:solidFill>
+                <a:srgbClr val="000000"/>
+              </a:solidFill>
+              <a:uFill>
+                <a:solidFill>
+                  <a:srgbClr val="ffffff"/>
+                </a:solidFill>
+              </a:uFill>
+              <a:latin typeface="Arial"/>
+            </a:endParaRPr>
+          </a:p>
+        </p:txBody>
+      </p:sp>
+      <p:sp>
+        <p:nvSpPr>
+          <p:cNvPr id="26" name="PlaceHolder 3"/>
           <p:cNvSpPr>
             <a:spLocks noGrp="1"/>
           </p:cNvSpPr>
@@ -145,8 +1017,8 @@
         </p:nvSpPr>
         <p:spPr>
           <a:xfrm>
-            <a:off x="360000" y="4424400"/>
-            <a:ext cx="9180000" cy="2232000"/>
+            <a:off x="360000" y="4422960"/>
+            <a:ext cx="9177480" cy="2231280"/>
           </a:xfrm>
           <a:prstGeom prst="rect">
             <a:avLst/>
@@ -155,16 +1027,16 @@
         <p:txBody>
           <a:bodyPr lIns="0" rIns="0" tIns="0" bIns="0"/>
           <a:p>
-            <a:endParaRPr b="1" lang="en-US" sz="2600" spc="-1" strike="noStrike">
-              <a:solidFill>
-                <a:srgbClr val="1c1c1c"/>
-              </a:solidFill>
-              <a:uFill>
-                <a:solidFill>
-                  <a:srgbClr val="ffffff"/>
-                </a:solidFill>
-              </a:uFill>
-              <a:latin typeface="Source Sans Pro Semibold"/>
+            <a:endParaRPr b="0" lang="en-US" sz="3200" spc="-1" strike="noStrike">
+              <a:solidFill>
+                <a:srgbClr val="000000"/>
+              </a:solidFill>
+              <a:uFill>
+                <a:solidFill>
+                  <a:srgbClr val="ffffff"/>
+                </a:solidFill>
+              </a:uFill>
+              <a:latin typeface="Arial"/>
             </a:endParaRPr>
           </a:p>
         </p:txBody>
@@ -193,7 +1065,7 @@
       </p:grpSpPr>
       <p:sp>
         <p:nvSpPr>
-          <p:cNvPr id="33" name="PlaceHolder 1"/>
+          <p:cNvPr id="27" name="PlaceHolder 1"/>
           <p:cNvSpPr>
             <a:spLocks noGrp="1"/>
           </p:cNvSpPr>
@@ -203,8 +1075,8 @@
         </p:nvSpPr>
         <p:spPr>
           <a:xfrm>
-            <a:off x="360000" y="360000"/>
-            <a:ext cx="9360000" cy="900000"/>
+            <a:off x="360000" y="360360"/>
+            <a:ext cx="9358200" cy="898560"/>
           </a:xfrm>
           <a:prstGeom prst="rect">
             <a:avLst/>
@@ -213,23 +1085,24 @@
         <p:txBody>
           <a:bodyPr lIns="0" rIns="0" tIns="0" bIns="0" anchor="b"/>
           <a:p>
-            <a:endParaRPr b="1" lang="en-US" sz="3200" spc="-1" strike="noStrike">
-              <a:solidFill>
-                <a:srgbClr val="ffffff"/>
-              </a:solidFill>
-              <a:uFill>
-                <a:solidFill>
-                  <a:srgbClr val="ffffff"/>
-                </a:solidFill>
-              </a:uFill>
-              <a:latin typeface="Source Sans Pro Black"/>
-            </a:endParaRPr>
-          </a:p>
-        </p:txBody>
-      </p:sp>
-      <p:sp>
-        <p:nvSpPr>
-          <p:cNvPr id="34" name="PlaceHolder 2"/>
+            <a:pPr algn="ctr"/>
+            <a:endParaRPr b="0" lang="en-US" sz="4400" spc="-1" strike="noStrike">
+              <a:solidFill>
+                <a:srgbClr val="000000"/>
+              </a:solidFill>
+              <a:uFill>
+                <a:solidFill>
+                  <a:srgbClr val="ffffff"/>
+                </a:solidFill>
+              </a:uFill>
+              <a:latin typeface="Arial"/>
+            </a:endParaRPr>
+          </a:p>
+        </p:txBody>
+      </p:sp>
+      <p:sp>
+        <p:nvSpPr>
+          <p:cNvPr id="28" name="PlaceHolder 2"/>
           <p:cNvSpPr>
             <a:spLocks noGrp="1"/>
           </p:cNvSpPr>
@@ -239,8 +1112,8 @@
         </p:nvSpPr>
         <p:spPr>
           <a:xfrm>
-            <a:off x="360000" y="1980000"/>
-            <a:ext cx="4479480" cy="2232000"/>
+            <a:off x="360000" y="1979280"/>
+            <a:ext cx="4478400" cy="2231280"/>
           </a:xfrm>
           <a:prstGeom prst="rect">
             <a:avLst/>
@@ -249,23 +1122,23 @@
         <p:txBody>
           <a:bodyPr lIns="0" rIns="0" tIns="0" bIns="0"/>
           <a:p>
-            <a:endParaRPr b="1" lang="en-US" sz="2600" spc="-1" strike="noStrike">
-              <a:solidFill>
-                <a:srgbClr val="1c1c1c"/>
-              </a:solidFill>
-              <a:uFill>
-                <a:solidFill>
-                  <a:srgbClr val="ffffff"/>
-                </a:solidFill>
-              </a:uFill>
-              <a:latin typeface="Source Sans Pro Semibold"/>
-            </a:endParaRPr>
-          </a:p>
-        </p:txBody>
-      </p:sp>
-      <p:sp>
-        <p:nvSpPr>
-          <p:cNvPr id="35" name="PlaceHolder 3"/>
+            <a:endParaRPr b="0" lang="en-US" sz="3200" spc="-1" strike="noStrike">
+              <a:solidFill>
+                <a:srgbClr val="000000"/>
+              </a:solidFill>
+              <a:uFill>
+                <a:solidFill>
+                  <a:srgbClr val="ffffff"/>
+                </a:solidFill>
+              </a:uFill>
+              <a:latin typeface="Arial"/>
+            </a:endParaRPr>
+          </a:p>
+        </p:txBody>
+      </p:sp>
+      <p:sp>
+        <p:nvSpPr>
+          <p:cNvPr id="29" name="PlaceHolder 3"/>
           <p:cNvSpPr>
             <a:spLocks noGrp="1"/>
           </p:cNvSpPr>
@@ -275,8 +1148,8 @@
         </p:nvSpPr>
         <p:spPr>
           <a:xfrm>
-            <a:off x="5063760" y="1980000"/>
-            <a:ext cx="4479480" cy="2232000"/>
+            <a:off x="5062680" y="1979280"/>
+            <a:ext cx="4478400" cy="2231280"/>
           </a:xfrm>
           <a:prstGeom prst="rect">
             <a:avLst/>
@@ -285,23 +1158,23 @@
         <p:txBody>
           <a:bodyPr lIns="0" rIns="0" tIns="0" bIns="0"/>
           <a:p>
-            <a:endParaRPr b="1" lang="en-US" sz="2600" spc="-1" strike="noStrike">
-              <a:solidFill>
-                <a:srgbClr val="1c1c1c"/>
-              </a:solidFill>
-              <a:uFill>
-                <a:solidFill>
-                  <a:srgbClr val="ffffff"/>
-                </a:solidFill>
-              </a:uFill>
-              <a:latin typeface="Source Sans Pro Semibold"/>
-            </a:endParaRPr>
-          </a:p>
-        </p:txBody>
-      </p:sp>
-      <p:sp>
-        <p:nvSpPr>
-          <p:cNvPr id="36" name="PlaceHolder 4"/>
+            <a:endParaRPr b="0" lang="en-US" sz="3200" spc="-1" strike="noStrike">
+              <a:solidFill>
+                <a:srgbClr val="000000"/>
+              </a:solidFill>
+              <a:uFill>
+                <a:solidFill>
+                  <a:srgbClr val="ffffff"/>
+                </a:solidFill>
+              </a:uFill>
+              <a:latin typeface="Arial"/>
+            </a:endParaRPr>
+          </a:p>
+        </p:txBody>
+      </p:sp>
+      <p:sp>
+        <p:nvSpPr>
+          <p:cNvPr id="30" name="PlaceHolder 4"/>
           <p:cNvSpPr>
             <a:spLocks noGrp="1"/>
           </p:cNvSpPr>
@@ -311,8 +1184,8 @@
         </p:nvSpPr>
         <p:spPr>
           <a:xfrm>
-            <a:off x="5063760" y="4424400"/>
-            <a:ext cx="4479480" cy="2232000"/>
+            <a:off x="5062680" y="4422960"/>
+            <a:ext cx="4478400" cy="2231280"/>
           </a:xfrm>
           <a:prstGeom prst="rect">
             <a:avLst/>
@@ -321,23 +1194,23 @@
         <p:txBody>
           <a:bodyPr lIns="0" rIns="0" tIns="0" bIns="0"/>
           <a:p>
-            <a:endParaRPr b="1" lang="en-US" sz="2600" spc="-1" strike="noStrike">
-              <a:solidFill>
-                <a:srgbClr val="1c1c1c"/>
-              </a:solidFill>
-              <a:uFill>
-                <a:solidFill>
-                  <a:srgbClr val="ffffff"/>
-                </a:solidFill>
-              </a:uFill>
-              <a:latin typeface="Source Sans Pro Semibold"/>
-            </a:endParaRPr>
-          </a:p>
-        </p:txBody>
-      </p:sp>
-      <p:sp>
-        <p:nvSpPr>
-          <p:cNvPr id="37" name="PlaceHolder 5"/>
+            <a:endParaRPr b="0" lang="en-US" sz="3200" spc="-1" strike="noStrike">
+              <a:solidFill>
+                <a:srgbClr val="000000"/>
+              </a:solidFill>
+              <a:uFill>
+                <a:solidFill>
+                  <a:srgbClr val="ffffff"/>
+                </a:solidFill>
+              </a:uFill>
+              <a:latin typeface="Arial"/>
+            </a:endParaRPr>
+          </a:p>
+        </p:txBody>
+      </p:sp>
+      <p:sp>
+        <p:nvSpPr>
+          <p:cNvPr id="31" name="PlaceHolder 5"/>
           <p:cNvSpPr>
             <a:spLocks noGrp="1"/>
           </p:cNvSpPr>
@@ -347,8 +1220,8 @@
         </p:nvSpPr>
         <p:spPr>
           <a:xfrm>
-            <a:off x="360000" y="4424400"/>
-            <a:ext cx="4479480" cy="2232000"/>
+            <a:off x="360000" y="4422960"/>
+            <a:ext cx="4478400" cy="2231280"/>
           </a:xfrm>
           <a:prstGeom prst="rect">
             <a:avLst/>
@@ -357,16 +1230,16 @@
         <p:txBody>
           <a:bodyPr lIns="0" rIns="0" tIns="0" bIns="0"/>
           <a:p>
-            <a:endParaRPr b="1" lang="en-US" sz="2600" spc="-1" strike="noStrike">
-              <a:solidFill>
-                <a:srgbClr val="1c1c1c"/>
-              </a:solidFill>
-              <a:uFill>
-                <a:solidFill>
-                  <a:srgbClr val="ffffff"/>
-                </a:solidFill>
-              </a:uFill>
-              <a:latin typeface="Source Sans Pro Semibold"/>
+            <a:endParaRPr b="0" lang="en-US" sz="3200" spc="-1" strike="noStrike">
+              <a:solidFill>
+                <a:srgbClr val="000000"/>
+              </a:solidFill>
+              <a:uFill>
+                <a:solidFill>
+                  <a:srgbClr val="ffffff"/>
+                </a:solidFill>
+              </a:uFill>
+              <a:latin typeface="Arial"/>
             </a:endParaRPr>
           </a:p>
         </p:txBody>
@@ -395,7 +1268,7 @@
       </p:grpSpPr>
       <p:sp>
         <p:nvSpPr>
-          <p:cNvPr id="38" name="PlaceHolder 1"/>
+          <p:cNvPr id="32" name="PlaceHolder 1"/>
           <p:cNvSpPr>
             <a:spLocks noGrp="1"/>
           </p:cNvSpPr>
@@ -405,8 +1278,8 @@
         </p:nvSpPr>
         <p:spPr>
           <a:xfrm>
-            <a:off x="360000" y="360000"/>
-            <a:ext cx="9360000" cy="900000"/>
+            <a:off x="360000" y="360360"/>
+            <a:ext cx="9358200" cy="898560"/>
           </a:xfrm>
           <a:prstGeom prst="rect">
             <a:avLst/>
@@ -415,23 +1288,24 @@
         <p:txBody>
           <a:bodyPr lIns="0" rIns="0" tIns="0" bIns="0" anchor="b"/>
           <a:p>
-            <a:endParaRPr b="1" lang="en-US" sz="3200" spc="-1" strike="noStrike">
-              <a:solidFill>
-                <a:srgbClr val="ffffff"/>
-              </a:solidFill>
-              <a:uFill>
-                <a:solidFill>
-                  <a:srgbClr val="ffffff"/>
-                </a:solidFill>
-              </a:uFill>
-              <a:latin typeface="Source Sans Pro Black"/>
-            </a:endParaRPr>
-          </a:p>
-        </p:txBody>
-      </p:sp>
-      <p:sp>
-        <p:nvSpPr>
-          <p:cNvPr id="39" name="PlaceHolder 2"/>
+            <a:pPr algn="ctr"/>
+            <a:endParaRPr b="0" lang="en-US" sz="4400" spc="-1" strike="noStrike">
+              <a:solidFill>
+                <a:srgbClr val="000000"/>
+              </a:solidFill>
+              <a:uFill>
+                <a:solidFill>
+                  <a:srgbClr val="ffffff"/>
+                </a:solidFill>
+              </a:uFill>
+              <a:latin typeface="Arial"/>
+            </a:endParaRPr>
+          </a:p>
+        </p:txBody>
+      </p:sp>
+      <p:sp>
+        <p:nvSpPr>
+          <p:cNvPr id="33" name="PlaceHolder 2"/>
           <p:cNvSpPr>
             <a:spLocks noGrp="1"/>
           </p:cNvSpPr>
@@ -441,8 +1315,8 @@
         </p:nvSpPr>
         <p:spPr>
           <a:xfrm>
-            <a:off x="360000" y="1980000"/>
-            <a:ext cx="9180000" cy="4680000"/>
+            <a:off x="360000" y="1979280"/>
+            <a:ext cx="9177480" cy="4678200"/>
           </a:xfrm>
           <a:prstGeom prst="rect">
             <a:avLst/>
@@ -451,23 +1325,23 @@
         <p:txBody>
           <a:bodyPr lIns="0" rIns="0" tIns="0" bIns="0"/>
           <a:p>
-            <a:endParaRPr b="1" lang="en-US" sz="2600" spc="-1" strike="noStrike">
-              <a:solidFill>
-                <a:srgbClr val="1c1c1c"/>
-              </a:solidFill>
-              <a:uFill>
-                <a:solidFill>
-                  <a:srgbClr val="ffffff"/>
-                </a:solidFill>
-              </a:uFill>
-              <a:latin typeface="Source Sans Pro Semibold"/>
-            </a:endParaRPr>
-          </a:p>
-        </p:txBody>
-      </p:sp>
-      <p:sp>
-        <p:nvSpPr>
-          <p:cNvPr id="40" name="PlaceHolder 3"/>
+            <a:endParaRPr b="0" lang="en-US" sz="3200" spc="-1" strike="noStrike">
+              <a:solidFill>
+                <a:srgbClr val="000000"/>
+              </a:solidFill>
+              <a:uFill>
+                <a:solidFill>
+                  <a:srgbClr val="ffffff"/>
+                </a:solidFill>
+              </a:uFill>
+              <a:latin typeface="Arial"/>
+            </a:endParaRPr>
+          </a:p>
+        </p:txBody>
+      </p:sp>
+      <p:sp>
+        <p:nvSpPr>
+          <p:cNvPr id="34" name="PlaceHolder 3"/>
           <p:cNvSpPr>
             <a:spLocks noGrp="1"/>
           </p:cNvSpPr>
@@ -477,8 +1351,8 @@
         </p:nvSpPr>
         <p:spPr>
           <a:xfrm>
-            <a:off x="360000" y="1980000"/>
-            <a:ext cx="9180000" cy="4680000"/>
+            <a:off x="360000" y="1979280"/>
+            <a:ext cx="9177480" cy="4678200"/>
           </a:xfrm>
           <a:prstGeom prst="rect">
             <a:avLst/>
@@ -487,23 +1361,23 @@
         <p:txBody>
           <a:bodyPr lIns="0" rIns="0" tIns="0" bIns="0"/>
           <a:p>
-            <a:endParaRPr b="1" lang="en-US" sz="2600" spc="-1" strike="noStrike">
-              <a:solidFill>
-                <a:srgbClr val="1c1c1c"/>
-              </a:solidFill>
-              <a:uFill>
-                <a:solidFill>
-                  <a:srgbClr val="ffffff"/>
-                </a:solidFill>
-              </a:uFill>
-              <a:latin typeface="Source Sans Pro Semibold"/>
+            <a:endParaRPr b="0" lang="en-US" sz="3200" spc="-1" strike="noStrike">
+              <a:solidFill>
+                <a:srgbClr val="000000"/>
+              </a:solidFill>
+              <a:uFill>
+                <a:solidFill>
+                  <a:srgbClr val="ffffff"/>
+                </a:solidFill>
+              </a:uFill>
+              <a:latin typeface="Arial"/>
             </a:endParaRPr>
           </a:p>
         </p:txBody>
       </p:sp>
       <p:pic>
         <p:nvPicPr>
-          <p:cNvPr id="41" name="" descr=""/>
+          <p:cNvPr id="35" name="" descr=""/>
           <p:cNvPicPr/>
           <p:nvPr/>
         </p:nvPicPr>
@@ -513,8 +1387,8 @@
         </p:blipFill>
         <p:spPr>
           <a:xfrm>
-            <a:off x="2017080" y="1980000"/>
-            <a:ext cx="5865480" cy="4680000"/>
+            <a:off x="2016720" y="1978920"/>
+            <a:ext cx="5863320" cy="4678200"/>
           </a:xfrm>
           <a:prstGeom prst="rect">
             <a:avLst/>
@@ -526,7 +1400,7 @@
       </p:pic>
       <p:pic>
         <p:nvPicPr>
-          <p:cNvPr id="42" name="" descr=""/>
+          <p:cNvPr id="36" name="" descr=""/>
           <p:cNvPicPr/>
           <p:nvPr/>
         </p:nvPicPr>
@@ -536,8 +1410,8 @@
         </p:blipFill>
         <p:spPr>
           <a:xfrm>
-            <a:off x="2017080" y="1980000"/>
-            <a:ext cx="5865480" cy="4680000"/>
+            <a:off x="2016720" y="1978920"/>
+            <a:ext cx="5863320" cy="4678200"/>
           </a:xfrm>
           <a:prstGeom prst="rect">
             <a:avLst/>
@@ -593,7 +1467,7 @@
       </p:grpSpPr>
       <p:sp>
         <p:nvSpPr>
-          <p:cNvPr id="49" name="PlaceHolder 1"/>
+          <p:cNvPr id="43" name="PlaceHolder 1"/>
           <p:cNvSpPr>
             <a:spLocks noGrp="1"/>
           </p:cNvSpPr>
@@ -603,8 +1477,8 @@
         </p:nvSpPr>
         <p:spPr>
           <a:xfrm>
-            <a:off x="360000" y="360000"/>
-            <a:ext cx="9360000" cy="900000"/>
+            <a:off x="360000" y="360360"/>
+            <a:ext cx="9358200" cy="898560"/>
           </a:xfrm>
           <a:prstGeom prst="rect">
             <a:avLst/>
@@ -613,23 +1487,24 @@
         <p:txBody>
           <a:bodyPr lIns="0" rIns="0" tIns="0" bIns="0" anchor="b"/>
           <a:p>
-            <a:endParaRPr b="1" lang="en-US" sz="3200" spc="-1" strike="noStrike">
-              <a:solidFill>
-                <a:srgbClr val="ffffff"/>
-              </a:solidFill>
-              <a:uFill>
-                <a:solidFill>
-                  <a:srgbClr val="ffffff"/>
-                </a:solidFill>
-              </a:uFill>
-              <a:latin typeface="Source Sans Pro Black"/>
-            </a:endParaRPr>
-          </a:p>
-        </p:txBody>
-      </p:sp>
-      <p:sp>
-        <p:nvSpPr>
-          <p:cNvPr id="50" name="PlaceHolder 2"/>
+            <a:pPr algn="ctr"/>
+            <a:endParaRPr b="0" lang="en-US" sz="4400" spc="-1" strike="noStrike">
+              <a:solidFill>
+                <a:srgbClr val="000000"/>
+              </a:solidFill>
+              <a:uFill>
+                <a:solidFill>
+                  <a:srgbClr val="ffffff"/>
+                </a:solidFill>
+              </a:uFill>
+              <a:latin typeface="Arial"/>
+            </a:endParaRPr>
+          </a:p>
+        </p:txBody>
+      </p:sp>
+      <p:sp>
+        <p:nvSpPr>
+          <p:cNvPr id="44" name="PlaceHolder 2"/>
           <p:cNvSpPr>
             <a:spLocks noGrp="1"/>
           </p:cNvSpPr>
@@ -639,26 +1514,27 @@
         </p:nvSpPr>
         <p:spPr>
           <a:xfrm>
-            <a:off x="360000" y="1980000"/>
-            <a:ext cx="9180000" cy="4680000"/>
-          </a:xfrm>
-          <a:prstGeom prst="rect">
-            <a:avLst/>
-          </a:prstGeom>
-        </p:spPr>
-        <p:txBody>
-          <a:bodyPr lIns="0" rIns="0" tIns="0" bIns="0"/>
-          <a:p>
-            <a:endParaRPr b="0" lang="en-US" sz="2600" spc="-1" strike="noStrike">
-              <a:solidFill>
-                <a:srgbClr val="1c1c1c"/>
-              </a:solidFill>
-              <a:uFill>
-                <a:solidFill>
-                  <a:srgbClr val="ffffff"/>
-                </a:solidFill>
-              </a:uFill>
-              <a:latin typeface="Source Sans Pro Light"/>
+            <a:off x="360000" y="1979280"/>
+            <a:ext cx="9177480" cy="4678200"/>
+          </a:xfrm>
+          <a:prstGeom prst="rect">
+            <a:avLst/>
+          </a:prstGeom>
+        </p:spPr>
+        <p:txBody>
+          <a:bodyPr lIns="0" rIns="0" tIns="0" bIns="0" anchor="ctr"/>
+          <a:p>
+            <a:pPr marL="342720" indent="-342720" algn="ctr"/>
+            <a:endParaRPr b="0" lang="en-US" sz="3200" spc="-1" strike="noStrike">
+              <a:solidFill>
+                <a:srgbClr val="000000"/>
+              </a:solidFill>
+              <a:uFill>
+                <a:solidFill>
+                  <a:srgbClr val="ffffff"/>
+                </a:solidFill>
+              </a:uFill>
+              <a:latin typeface="Arial"/>
             </a:endParaRPr>
           </a:p>
         </p:txBody>
@@ -687,7 +1563,7 @@
       </p:grpSpPr>
       <p:sp>
         <p:nvSpPr>
-          <p:cNvPr id="51" name="PlaceHolder 1"/>
+          <p:cNvPr id="45" name="PlaceHolder 1"/>
           <p:cNvSpPr>
             <a:spLocks noGrp="1"/>
           </p:cNvSpPr>
@@ -697,8 +1573,8 @@
         </p:nvSpPr>
         <p:spPr>
           <a:xfrm>
-            <a:off x="360000" y="360000"/>
-            <a:ext cx="9360000" cy="900000"/>
+            <a:off x="360000" y="360360"/>
+            <a:ext cx="9358200" cy="898560"/>
           </a:xfrm>
           <a:prstGeom prst="rect">
             <a:avLst/>
@@ -707,23 +1583,24 @@
         <p:txBody>
           <a:bodyPr lIns="0" rIns="0" tIns="0" bIns="0" anchor="b"/>
           <a:p>
-            <a:endParaRPr b="1" lang="en-US" sz="3200" spc="-1" strike="noStrike">
-              <a:solidFill>
-                <a:srgbClr val="ffffff"/>
-              </a:solidFill>
-              <a:uFill>
-                <a:solidFill>
-                  <a:srgbClr val="ffffff"/>
-                </a:solidFill>
-              </a:uFill>
-              <a:latin typeface="Source Sans Pro Black"/>
-            </a:endParaRPr>
-          </a:p>
-        </p:txBody>
-      </p:sp>
-      <p:sp>
-        <p:nvSpPr>
-          <p:cNvPr id="52" name="PlaceHolder 2"/>
+            <a:pPr algn="ctr"/>
+            <a:endParaRPr b="0" lang="en-US" sz="4400" spc="-1" strike="noStrike">
+              <a:solidFill>
+                <a:srgbClr val="000000"/>
+              </a:solidFill>
+              <a:uFill>
+                <a:solidFill>
+                  <a:srgbClr val="ffffff"/>
+                </a:solidFill>
+              </a:uFill>
+              <a:latin typeface="Arial"/>
+            </a:endParaRPr>
+          </a:p>
+        </p:txBody>
+      </p:sp>
+      <p:sp>
+        <p:nvSpPr>
+          <p:cNvPr id="46" name="PlaceHolder 2"/>
           <p:cNvSpPr>
             <a:spLocks noGrp="1"/>
           </p:cNvSpPr>
@@ -733,8 +1610,8 @@
         </p:nvSpPr>
         <p:spPr>
           <a:xfrm>
-            <a:off x="360000" y="1980000"/>
-            <a:ext cx="9180000" cy="4680000"/>
+            <a:off x="360000" y="1979280"/>
+            <a:ext cx="9177480" cy="4678200"/>
           </a:xfrm>
           <a:prstGeom prst="rect">
             <a:avLst/>
@@ -743,16 +1620,16 @@
         <p:txBody>
           <a:bodyPr lIns="0" rIns="0" tIns="0" bIns="0"/>
           <a:p>
-            <a:endParaRPr b="1" lang="en-US" sz="2600" spc="-1" strike="noStrike">
-              <a:solidFill>
-                <a:srgbClr val="1c1c1c"/>
-              </a:solidFill>
-              <a:uFill>
-                <a:solidFill>
-                  <a:srgbClr val="ffffff"/>
-                </a:solidFill>
-              </a:uFill>
-              <a:latin typeface="Source Sans Pro Semibold"/>
+            <a:endParaRPr b="0" lang="en-US" sz="3200" spc="-1" strike="noStrike">
+              <a:solidFill>
+                <a:srgbClr val="000000"/>
+              </a:solidFill>
+              <a:uFill>
+                <a:solidFill>
+                  <a:srgbClr val="ffffff"/>
+                </a:solidFill>
+              </a:uFill>
+              <a:latin typeface="Arial"/>
             </a:endParaRPr>
           </a:p>
         </p:txBody>
@@ -781,7 +1658,7 @@
       </p:grpSpPr>
       <p:sp>
         <p:nvSpPr>
-          <p:cNvPr id="53" name="PlaceHolder 1"/>
+          <p:cNvPr id="47" name="PlaceHolder 1"/>
           <p:cNvSpPr>
             <a:spLocks noGrp="1"/>
           </p:cNvSpPr>
@@ -791,8 +1668,8 @@
         </p:nvSpPr>
         <p:spPr>
           <a:xfrm>
-            <a:off x="360000" y="360000"/>
-            <a:ext cx="9360000" cy="900000"/>
+            <a:off x="360000" y="360360"/>
+            <a:ext cx="9358200" cy="898560"/>
           </a:xfrm>
           <a:prstGeom prst="rect">
             <a:avLst/>
@@ -801,23 +1678,24 @@
         <p:txBody>
           <a:bodyPr lIns="0" rIns="0" tIns="0" bIns="0" anchor="b"/>
           <a:p>
-            <a:endParaRPr b="1" lang="en-US" sz="3200" spc="-1" strike="noStrike">
-              <a:solidFill>
-                <a:srgbClr val="ffffff"/>
-              </a:solidFill>
-              <a:uFill>
-                <a:solidFill>
-                  <a:srgbClr val="ffffff"/>
-                </a:solidFill>
-              </a:uFill>
-              <a:latin typeface="Source Sans Pro Black"/>
-            </a:endParaRPr>
-          </a:p>
-        </p:txBody>
-      </p:sp>
-      <p:sp>
-        <p:nvSpPr>
-          <p:cNvPr id="54" name="PlaceHolder 2"/>
+            <a:pPr algn="ctr"/>
+            <a:endParaRPr b="0" lang="en-US" sz="4400" spc="-1" strike="noStrike">
+              <a:solidFill>
+                <a:srgbClr val="000000"/>
+              </a:solidFill>
+              <a:uFill>
+                <a:solidFill>
+                  <a:srgbClr val="ffffff"/>
+                </a:solidFill>
+              </a:uFill>
+              <a:latin typeface="Arial"/>
+            </a:endParaRPr>
+          </a:p>
+        </p:txBody>
+      </p:sp>
+      <p:sp>
+        <p:nvSpPr>
+          <p:cNvPr id="48" name="PlaceHolder 2"/>
           <p:cNvSpPr>
             <a:spLocks noGrp="1"/>
           </p:cNvSpPr>
@@ -827,8 +1705,8 @@
         </p:nvSpPr>
         <p:spPr>
           <a:xfrm>
-            <a:off x="360000" y="1980000"/>
-            <a:ext cx="4479480" cy="4680000"/>
+            <a:off x="360000" y="1979280"/>
+            <a:ext cx="4478400" cy="4678200"/>
           </a:xfrm>
           <a:prstGeom prst="rect">
             <a:avLst/>
@@ -837,23 +1715,23 @@
         <p:txBody>
           <a:bodyPr lIns="0" rIns="0" tIns="0" bIns="0"/>
           <a:p>
-            <a:endParaRPr b="1" lang="en-US" sz="2600" spc="-1" strike="noStrike">
-              <a:solidFill>
-                <a:srgbClr val="1c1c1c"/>
-              </a:solidFill>
-              <a:uFill>
-                <a:solidFill>
-                  <a:srgbClr val="ffffff"/>
-                </a:solidFill>
-              </a:uFill>
-              <a:latin typeface="Source Sans Pro Semibold"/>
-            </a:endParaRPr>
-          </a:p>
-        </p:txBody>
-      </p:sp>
-      <p:sp>
-        <p:nvSpPr>
-          <p:cNvPr id="55" name="PlaceHolder 3"/>
+            <a:endParaRPr b="0" lang="en-US" sz="3200" spc="-1" strike="noStrike">
+              <a:solidFill>
+                <a:srgbClr val="000000"/>
+              </a:solidFill>
+              <a:uFill>
+                <a:solidFill>
+                  <a:srgbClr val="ffffff"/>
+                </a:solidFill>
+              </a:uFill>
+              <a:latin typeface="Arial"/>
+            </a:endParaRPr>
+          </a:p>
+        </p:txBody>
+      </p:sp>
+      <p:sp>
+        <p:nvSpPr>
+          <p:cNvPr id="49" name="PlaceHolder 3"/>
           <p:cNvSpPr>
             <a:spLocks noGrp="1"/>
           </p:cNvSpPr>
@@ -863,8 +1741,8 @@
         </p:nvSpPr>
         <p:spPr>
           <a:xfrm>
-            <a:off x="5063760" y="1980000"/>
-            <a:ext cx="4479480" cy="4680000"/>
+            <a:off x="5062680" y="1979280"/>
+            <a:ext cx="4478400" cy="4678200"/>
           </a:xfrm>
           <a:prstGeom prst="rect">
             <a:avLst/>
@@ -873,16 +1751,16 @@
         <p:txBody>
           <a:bodyPr lIns="0" rIns="0" tIns="0" bIns="0"/>
           <a:p>
-            <a:endParaRPr b="1" lang="en-US" sz="2600" spc="-1" strike="noStrike">
-              <a:solidFill>
-                <a:srgbClr val="1c1c1c"/>
-              </a:solidFill>
-              <a:uFill>
-                <a:solidFill>
-                  <a:srgbClr val="ffffff"/>
-                </a:solidFill>
-              </a:uFill>
-              <a:latin typeface="Source Sans Pro Semibold"/>
+            <a:endParaRPr b="0" lang="en-US" sz="3200" spc="-1" strike="noStrike">
+              <a:solidFill>
+                <a:srgbClr val="000000"/>
+              </a:solidFill>
+              <a:uFill>
+                <a:solidFill>
+                  <a:srgbClr val="ffffff"/>
+                </a:solidFill>
+              </a:uFill>
+              <a:latin typeface="Arial"/>
             </a:endParaRPr>
           </a:p>
         </p:txBody>
@@ -911,7 +1789,7 @@
       </p:grpSpPr>
       <p:sp>
         <p:nvSpPr>
-          <p:cNvPr id="56" name="PlaceHolder 1"/>
+          <p:cNvPr id="50" name="PlaceHolder 1"/>
           <p:cNvSpPr>
             <a:spLocks noGrp="1"/>
           </p:cNvSpPr>
@@ -921,8 +1799,8 @@
         </p:nvSpPr>
         <p:spPr>
           <a:xfrm>
-            <a:off x="360000" y="360000"/>
-            <a:ext cx="9360000" cy="900000"/>
+            <a:off x="360000" y="360360"/>
+            <a:ext cx="9358200" cy="898560"/>
           </a:xfrm>
           <a:prstGeom prst="rect">
             <a:avLst/>
@@ -931,16 +1809,17 @@
         <p:txBody>
           <a:bodyPr lIns="0" rIns="0" tIns="0" bIns="0" anchor="b"/>
           <a:p>
-            <a:endParaRPr b="1" lang="en-US" sz="3200" spc="-1" strike="noStrike">
-              <a:solidFill>
-                <a:srgbClr val="ffffff"/>
-              </a:solidFill>
-              <a:uFill>
-                <a:solidFill>
-                  <a:srgbClr val="ffffff"/>
-                </a:solidFill>
-              </a:uFill>
-              <a:latin typeface="Source Sans Pro Black"/>
+            <a:pPr algn="ctr"/>
+            <a:endParaRPr b="0" lang="en-US" sz="4400" spc="-1" strike="noStrike">
+              <a:solidFill>
+                <a:srgbClr val="000000"/>
+              </a:solidFill>
+              <a:uFill>
+                <a:solidFill>
+                  <a:srgbClr val="ffffff"/>
+                </a:solidFill>
+              </a:uFill>
+              <a:latin typeface="Arial"/>
             </a:endParaRPr>
           </a:p>
         </p:txBody>
@@ -969,7 +1848,7 @@
       </p:grpSpPr>
       <p:sp>
         <p:nvSpPr>
-          <p:cNvPr id="57" name="PlaceHolder 1"/>
+          <p:cNvPr id="51" name="PlaceHolder 1"/>
           <p:cNvSpPr>
             <a:spLocks noGrp="1"/>
           </p:cNvSpPr>
@@ -979,26 +1858,27 @@
         </p:nvSpPr>
         <p:spPr>
           <a:xfrm>
-            <a:off x="360000" y="360000"/>
-            <a:ext cx="9360000" cy="4173120"/>
-          </a:xfrm>
-          <a:prstGeom prst="rect">
-            <a:avLst/>
-          </a:prstGeom>
-        </p:spPr>
-        <p:txBody>
-          <a:bodyPr lIns="0" rIns="0" tIns="0" bIns="0"/>
-          <a:p>
-            <a:endParaRPr b="0" lang="en-US" sz="2600" spc="-1" strike="noStrike">
-              <a:solidFill>
-                <a:srgbClr val="1c1c1c"/>
-              </a:solidFill>
-              <a:uFill>
-                <a:solidFill>
-                  <a:srgbClr val="ffffff"/>
-                </a:solidFill>
-              </a:uFill>
-              <a:latin typeface="Source Sans Pro Light"/>
+            <a:off x="360000" y="360360"/>
+            <a:ext cx="9358200" cy="4166640"/>
+          </a:xfrm>
+          <a:prstGeom prst="rect">
+            <a:avLst/>
+          </a:prstGeom>
+        </p:spPr>
+        <p:txBody>
+          <a:bodyPr lIns="0" rIns="0" tIns="0" bIns="0" anchor="ctr"/>
+          <a:p>
+            <a:pPr marL="342720" indent="-342720" algn="ctr"/>
+            <a:endParaRPr b="0" lang="en-US" sz="3200" spc="-1" strike="noStrike">
+              <a:solidFill>
+                <a:srgbClr val="000000"/>
+              </a:solidFill>
+              <a:uFill>
+                <a:solidFill>
+                  <a:srgbClr val="ffffff"/>
+                </a:solidFill>
+              </a:uFill>
+              <a:latin typeface="Arial"/>
             </a:endParaRPr>
           </a:p>
         </p:txBody>
@@ -1027,7 +1907,7 @@
       </p:grpSpPr>
       <p:sp>
         <p:nvSpPr>
-          <p:cNvPr id="58" name="PlaceHolder 1"/>
+          <p:cNvPr id="52" name="PlaceHolder 1"/>
           <p:cNvSpPr>
             <a:spLocks noGrp="1"/>
           </p:cNvSpPr>
@@ -1037,8 +1917,8 @@
         </p:nvSpPr>
         <p:spPr>
           <a:xfrm>
-            <a:off x="360000" y="360000"/>
-            <a:ext cx="9360000" cy="900000"/>
+            <a:off x="360000" y="360360"/>
+            <a:ext cx="9358200" cy="898560"/>
           </a:xfrm>
           <a:prstGeom prst="rect">
             <a:avLst/>
@@ -1047,23 +1927,24 @@
         <p:txBody>
           <a:bodyPr lIns="0" rIns="0" tIns="0" bIns="0" anchor="b"/>
           <a:p>
-            <a:endParaRPr b="1" lang="en-US" sz="3200" spc="-1" strike="noStrike">
-              <a:solidFill>
-                <a:srgbClr val="ffffff"/>
-              </a:solidFill>
-              <a:uFill>
-                <a:solidFill>
-                  <a:srgbClr val="ffffff"/>
-                </a:solidFill>
-              </a:uFill>
-              <a:latin typeface="Source Sans Pro Black"/>
-            </a:endParaRPr>
-          </a:p>
-        </p:txBody>
-      </p:sp>
-      <p:sp>
-        <p:nvSpPr>
-          <p:cNvPr id="59" name="PlaceHolder 2"/>
+            <a:pPr algn="ctr"/>
+            <a:endParaRPr b="0" lang="en-US" sz="4400" spc="-1" strike="noStrike">
+              <a:solidFill>
+                <a:srgbClr val="000000"/>
+              </a:solidFill>
+              <a:uFill>
+                <a:solidFill>
+                  <a:srgbClr val="ffffff"/>
+                </a:solidFill>
+              </a:uFill>
+              <a:latin typeface="Arial"/>
+            </a:endParaRPr>
+          </a:p>
+        </p:txBody>
+      </p:sp>
+      <p:sp>
+        <p:nvSpPr>
+          <p:cNvPr id="53" name="PlaceHolder 2"/>
           <p:cNvSpPr>
             <a:spLocks noGrp="1"/>
           </p:cNvSpPr>
@@ -1073,8 +1954,8 @@
         </p:nvSpPr>
         <p:spPr>
           <a:xfrm>
-            <a:off x="360000" y="1980000"/>
-            <a:ext cx="4479480" cy="2232000"/>
+            <a:off x="360000" y="1979280"/>
+            <a:ext cx="4478400" cy="2231280"/>
           </a:xfrm>
           <a:prstGeom prst="rect">
             <a:avLst/>
@@ -1083,23 +1964,23 @@
         <p:txBody>
           <a:bodyPr lIns="0" rIns="0" tIns="0" bIns="0"/>
           <a:p>
-            <a:endParaRPr b="1" lang="en-US" sz="2600" spc="-1" strike="noStrike">
-              <a:solidFill>
-                <a:srgbClr val="1c1c1c"/>
-              </a:solidFill>
-              <a:uFill>
-                <a:solidFill>
-                  <a:srgbClr val="ffffff"/>
-                </a:solidFill>
-              </a:uFill>
-              <a:latin typeface="Source Sans Pro Semibold"/>
-            </a:endParaRPr>
-          </a:p>
-        </p:txBody>
-      </p:sp>
-      <p:sp>
-        <p:nvSpPr>
-          <p:cNvPr id="60" name="PlaceHolder 3"/>
+            <a:endParaRPr b="0" lang="en-US" sz="3200" spc="-1" strike="noStrike">
+              <a:solidFill>
+                <a:srgbClr val="000000"/>
+              </a:solidFill>
+              <a:uFill>
+                <a:solidFill>
+                  <a:srgbClr val="ffffff"/>
+                </a:solidFill>
+              </a:uFill>
+              <a:latin typeface="Arial"/>
+            </a:endParaRPr>
+          </a:p>
+        </p:txBody>
+      </p:sp>
+      <p:sp>
+        <p:nvSpPr>
+          <p:cNvPr id="54" name="PlaceHolder 3"/>
           <p:cNvSpPr>
             <a:spLocks noGrp="1"/>
           </p:cNvSpPr>
@@ -1109,8 +1990,8 @@
         </p:nvSpPr>
         <p:spPr>
           <a:xfrm>
-            <a:off x="360000" y="4424400"/>
-            <a:ext cx="4479480" cy="2232000"/>
+            <a:off x="360000" y="4422960"/>
+            <a:ext cx="4478400" cy="2231280"/>
           </a:xfrm>
           <a:prstGeom prst="rect">
             <a:avLst/>
@@ -1119,23 +2000,23 @@
         <p:txBody>
           <a:bodyPr lIns="0" rIns="0" tIns="0" bIns="0"/>
           <a:p>
-            <a:endParaRPr b="1" lang="en-US" sz="2600" spc="-1" strike="noStrike">
-              <a:solidFill>
-                <a:srgbClr val="1c1c1c"/>
-              </a:solidFill>
-              <a:uFill>
-                <a:solidFill>
-                  <a:srgbClr val="ffffff"/>
-                </a:solidFill>
-              </a:uFill>
-              <a:latin typeface="Source Sans Pro Semibold"/>
-            </a:endParaRPr>
-          </a:p>
-        </p:txBody>
-      </p:sp>
-      <p:sp>
-        <p:nvSpPr>
-          <p:cNvPr id="61" name="PlaceHolder 4"/>
+            <a:endParaRPr b="0" lang="en-US" sz="3200" spc="-1" strike="noStrike">
+              <a:solidFill>
+                <a:srgbClr val="000000"/>
+              </a:solidFill>
+              <a:uFill>
+                <a:solidFill>
+                  <a:srgbClr val="ffffff"/>
+                </a:solidFill>
+              </a:uFill>
+              <a:latin typeface="Arial"/>
+            </a:endParaRPr>
+          </a:p>
+        </p:txBody>
+      </p:sp>
+      <p:sp>
+        <p:nvSpPr>
+          <p:cNvPr id="55" name="PlaceHolder 4"/>
           <p:cNvSpPr>
             <a:spLocks noGrp="1"/>
           </p:cNvSpPr>
@@ -1145,8 +2026,8 @@
         </p:nvSpPr>
         <p:spPr>
           <a:xfrm>
-            <a:off x="5063760" y="1980000"/>
-            <a:ext cx="4479480" cy="4680000"/>
+            <a:off x="5062680" y="1979280"/>
+            <a:ext cx="4478400" cy="4678200"/>
           </a:xfrm>
           <a:prstGeom prst="rect">
             <a:avLst/>
@@ -1155,16 +2036,16 @@
         <p:txBody>
           <a:bodyPr lIns="0" rIns="0" tIns="0" bIns="0"/>
           <a:p>
-            <a:endParaRPr b="1" lang="en-US" sz="2600" spc="-1" strike="noStrike">
-              <a:solidFill>
-                <a:srgbClr val="1c1c1c"/>
-              </a:solidFill>
-              <a:uFill>
-                <a:solidFill>
-                  <a:srgbClr val="ffffff"/>
-                </a:solidFill>
-              </a:uFill>
-              <a:latin typeface="Source Sans Pro Semibold"/>
+            <a:endParaRPr b="0" lang="en-US" sz="3200" spc="-1" strike="noStrike">
+              <a:solidFill>
+                <a:srgbClr val="000000"/>
+              </a:solidFill>
+              <a:uFill>
+                <a:solidFill>
+                  <a:srgbClr val="ffffff"/>
+                </a:solidFill>
+              </a:uFill>
+              <a:latin typeface="Arial"/>
             </a:endParaRPr>
           </a:p>
         </p:txBody>
@@ -1193,7 +2074,7 @@
       </p:grpSpPr>
       <p:sp>
         <p:nvSpPr>
-          <p:cNvPr id="9" name="PlaceHolder 1"/>
+          <p:cNvPr id="3" name="PlaceHolder 1"/>
           <p:cNvSpPr>
             <a:spLocks noGrp="1"/>
           </p:cNvSpPr>
@@ -1203,8 +2084,8 @@
         </p:nvSpPr>
         <p:spPr>
           <a:xfrm>
-            <a:off x="360000" y="360000"/>
-            <a:ext cx="9360000" cy="900000"/>
+            <a:off x="360000" y="360360"/>
+            <a:ext cx="9358200" cy="898560"/>
           </a:xfrm>
           <a:prstGeom prst="rect">
             <a:avLst/>
@@ -1213,23 +2094,24 @@
         <p:txBody>
           <a:bodyPr lIns="0" rIns="0" tIns="0" bIns="0" anchor="b"/>
           <a:p>
-            <a:endParaRPr b="1" lang="en-US" sz="3200" spc="-1" strike="noStrike">
-              <a:solidFill>
-                <a:srgbClr val="ffffff"/>
-              </a:solidFill>
-              <a:uFill>
-                <a:solidFill>
-                  <a:srgbClr val="ffffff"/>
-                </a:solidFill>
-              </a:uFill>
-              <a:latin typeface="Source Sans Pro Black"/>
-            </a:endParaRPr>
-          </a:p>
-        </p:txBody>
-      </p:sp>
-      <p:sp>
-        <p:nvSpPr>
-          <p:cNvPr id="10" name="PlaceHolder 2"/>
+            <a:pPr algn="ctr"/>
+            <a:endParaRPr b="0" lang="en-US" sz="4400" spc="-1" strike="noStrike">
+              <a:solidFill>
+                <a:srgbClr val="000000"/>
+              </a:solidFill>
+              <a:uFill>
+                <a:solidFill>
+                  <a:srgbClr val="ffffff"/>
+                </a:solidFill>
+              </a:uFill>
+              <a:latin typeface="Arial"/>
+            </a:endParaRPr>
+          </a:p>
+        </p:txBody>
+      </p:sp>
+      <p:sp>
+        <p:nvSpPr>
+          <p:cNvPr id="4" name="PlaceHolder 2"/>
           <p:cNvSpPr>
             <a:spLocks noGrp="1"/>
           </p:cNvSpPr>
@@ -1239,26 +2121,27 @@
         </p:nvSpPr>
         <p:spPr>
           <a:xfrm>
-            <a:off x="360000" y="1980000"/>
-            <a:ext cx="9180000" cy="4680000"/>
-          </a:xfrm>
-          <a:prstGeom prst="rect">
-            <a:avLst/>
-          </a:prstGeom>
-        </p:spPr>
-        <p:txBody>
-          <a:bodyPr lIns="0" rIns="0" tIns="0" bIns="0"/>
-          <a:p>
-            <a:endParaRPr b="0" lang="en-US" sz="2600" spc="-1" strike="noStrike">
-              <a:solidFill>
-                <a:srgbClr val="1c1c1c"/>
-              </a:solidFill>
-              <a:uFill>
-                <a:solidFill>
-                  <a:srgbClr val="ffffff"/>
-                </a:solidFill>
-              </a:uFill>
-              <a:latin typeface="Source Sans Pro Light"/>
+            <a:off x="360000" y="1979280"/>
+            <a:ext cx="9177480" cy="4678200"/>
+          </a:xfrm>
+          <a:prstGeom prst="rect">
+            <a:avLst/>
+          </a:prstGeom>
+        </p:spPr>
+        <p:txBody>
+          <a:bodyPr lIns="0" rIns="0" tIns="0" bIns="0" anchor="ctr"/>
+          <a:p>
+            <a:pPr marL="342720" indent="-342720" algn="ctr"/>
+            <a:endParaRPr b="0" lang="en-US" sz="3200" spc="-1" strike="noStrike">
+              <a:solidFill>
+                <a:srgbClr val="000000"/>
+              </a:solidFill>
+              <a:uFill>
+                <a:solidFill>
+                  <a:srgbClr val="ffffff"/>
+                </a:solidFill>
+              </a:uFill>
+              <a:latin typeface="Arial"/>
             </a:endParaRPr>
           </a:p>
         </p:txBody>
@@ -1287,7 +2170,7 @@
       </p:grpSpPr>
       <p:sp>
         <p:nvSpPr>
-          <p:cNvPr id="62" name="PlaceHolder 1"/>
+          <p:cNvPr id="56" name="PlaceHolder 1"/>
           <p:cNvSpPr>
             <a:spLocks noGrp="1"/>
           </p:cNvSpPr>
@@ -1297,8 +2180,8 @@
         </p:nvSpPr>
         <p:spPr>
           <a:xfrm>
-            <a:off x="360000" y="360000"/>
-            <a:ext cx="9360000" cy="900000"/>
+            <a:off x="360000" y="360360"/>
+            <a:ext cx="9358200" cy="898560"/>
           </a:xfrm>
           <a:prstGeom prst="rect">
             <a:avLst/>
@@ -1307,23 +2190,24 @@
         <p:txBody>
           <a:bodyPr lIns="0" rIns="0" tIns="0" bIns="0" anchor="b"/>
           <a:p>
-            <a:endParaRPr b="1" lang="en-US" sz="3200" spc="-1" strike="noStrike">
-              <a:solidFill>
-                <a:srgbClr val="ffffff"/>
-              </a:solidFill>
-              <a:uFill>
-                <a:solidFill>
-                  <a:srgbClr val="ffffff"/>
-                </a:solidFill>
-              </a:uFill>
-              <a:latin typeface="Source Sans Pro Black"/>
-            </a:endParaRPr>
-          </a:p>
-        </p:txBody>
-      </p:sp>
-      <p:sp>
-        <p:nvSpPr>
-          <p:cNvPr id="63" name="PlaceHolder 2"/>
+            <a:pPr algn="ctr"/>
+            <a:endParaRPr b="0" lang="en-US" sz="4400" spc="-1" strike="noStrike">
+              <a:solidFill>
+                <a:srgbClr val="000000"/>
+              </a:solidFill>
+              <a:uFill>
+                <a:solidFill>
+                  <a:srgbClr val="ffffff"/>
+                </a:solidFill>
+              </a:uFill>
+              <a:latin typeface="Arial"/>
+            </a:endParaRPr>
+          </a:p>
+        </p:txBody>
+      </p:sp>
+      <p:sp>
+        <p:nvSpPr>
+          <p:cNvPr id="57" name="PlaceHolder 2"/>
           <p:cNvSpPr>
             <a:spLocks noGrp="1"/>
           </p:cNvSpPr>
@@ -1333,8 +2217,8 @@
         </p:nvSpPr>
         <p:spPr>
           <a:xfrm>
-            <a:off x="360000" y="1980000"/>
-            <a:ext cx="4479480" cy="4680000"/>
+            <a:off x="360000" y="1979280"/>
+            <a:ext cx="4478400" cy="4678200"/>
           </a:xfrm>
           <a:prstGeom prst="rect">
             <a:avLst/>
@@ -1343,23 +2227,23 @@
         <p:txBody>
           <a:bodyPr lIns="0" rIns="0" tIns="0" bIns="0"/>
           <a:p>
-            <a:endParaRPr b="1" lang="en-US" sz="2600" spc="-1" strike="noStrike">
-              <a:solidFill>
-                <a:srgbClr val="1c1c1c"/>
-              </a:solidFill>
-              <a:uFill>
-                <a:solidFill>
-                  <a:srgbClr val="ffffff"/>
-                </a:solidFill>
-              </a:uFill>
-              <a:latin typeface="Source Sans Pro Semibold"/>
-            </a:endParaRPr>
-          </a:p>
-        </p:txBody>
-      </p:sp>
-      <p:sp>
-        <p:nvSpPr>
-          <p:cNvPr id="64" name="PlaceHolder 3"/>
+            <a:endParaRPr b="0" lang="en-US" sz="3200" spc="-1" strike="noStrike">
+              <a:solidFill>
+                <a:srgbClr val="000000"/>
+              </a:solidFill>
+              <a:uFill>
+                <a:solidFill>
+                  <a:srgbClr val="ffffff"/>
+                </a:solidFill>
+              </a:uFill>
+              <a:latin typeface="Arial"/>
+            </a:endParaRPr>
+          </a:p>
+        </p:txBody>
+      </p:sp>
+      <p:sp>
+        <p:nvSpPr>
+          <p:cNvPr id="58" name="PlaceHolder 3"/>
           <p:cNvSpPr>
             <a:spLocks noGrp="1"/>
           </p:cNvSpPr>
@@ -1369,8 +2253,8 @@
         </p:nvSpPr>
         <p:spPr>
           <a:xfrm>
-            <a:off x="5063760" y="1980000"/>
-            <a:ext cx="4479480" cy="2232000"/>
+            <a:off x="5062680" y="1979280"/>
+            <a:ext cx="4478400" cy="2231280"/>
           </a:xfrm>
           <a:prstGeom prst="rect">
             <a:avLst/>
@@ -1379,23 +2263,23 @@
         <p:txBody>
           <a:bodyPr lIns="0" rIns="0" tIns="0" bIns="0"/>
           <a:p>
-            <a:endParaRPr b="1" lang="en-US" sz="2600" spc="-1" strike="noStrike">
-              <a:solidFill>
-                <a:srgbClr val="1c1c1c"/>
-              </a:solidFill>
-              <a:uFill>
-                <a:solidFill>
-                  <a:srgbClr val="ffffff"/>
-                </a:solidFill>
-              </a:uFill>
-              <a:latin typeface="Source Sans Pro Semibold"/>
-            </a:endParaRPr>
-          </a:p>
-        </p:txBody>
-      </p:sp>
-      <p:sp>
-        <p:nvSpPr>
-          <p:cNvPr id="65" name="PlaceHolder 4"/>
+            <a:endParaRPr b="0" lang="en-US" sz="3200" spc="-1" strike="noStrike">
+              <a:solidFill>
+                <a:srgbClr val="000000"/>
+              </a:solidFill>
+              <a:uFill>
+                <a:solidFill>
+                  <a:srgbClr val="ffffff"/>
+                </a:solidFill>
+              </a:uFill>
+              <a:latin typeface="Arial"/>
+            </a:endParaRPr>
+          </a:p>
+        </p:txBody>
+      </p:sp>
+      <p:sp>
+        <p:nvSpPr>
+          <p:cNvPr id="59" name="PlaceHolder 4"/>
           <p:cNvSpPr>
             <a:spLocks noGrp="1"/>
           </p:cNvSpPr>
@@ -1405,8 +2289,8 @@
         </p:nvSpPr>
         <p:spPr>
           <a:xfrm>
-            <a:off x="5063760" y="4424400"/>
-            <a:ext cx="4479480" cy="2232000"/>
+            <a:off x="5062680" y="4422960"/>
+            <a:ext cx="4478400" cy="2231280"/>
           </a:xfrm>
           <a:prstGeom prst="rect">
             <a:avLst/>
@@ -1415,16 +2299,16 @@
         <p:txBody>
           <a:bodyPr lIns="0" rIns="0" tIns="0" bIns="0"/>
           <a:p>
-            <a:endParaRPr b="1" lang="en-US" sz="2600" spc="-1" strike="noStrike">
-              <a:solidFill>
-                <a:srgbClr val="1c1c1c"/>
-              </a:solidFill>
-              <a:uFill>
-                <a:solidFill>
-                  <a:srgbClr val="ffffff"/>
-                </a:solidFill>
-              </a:uFill>
-              <a:latin typeface="Source Sans Pro Semibold"/>
+            <a:endParaRPr b="0" lang="en-US" sz="3200" spc="-1" strike="noStrike">
+              <a:solidFill>
+                <a:srgbClr val="000000"/>
+              </a:solidFill>
+              <a:uFill>
+                <a:solidFill>
+                  <a:srgbClr val="ffffff"/>
+                </a:solidFill>
+              </a:uFill>
+              <a:latin typeface="Arial"/>
             </a:endParaRPr>
           </a:p>
         </p:txBody>
@@ -1453,7 +2337,7 @@
       </p:grpSpPr>
       <p:sp>
         <p:nvSpPr>
-          <p:cNvPr id="66" name="PlaceHolder 1"/>
+          <p:cNvPr id="60" name="PlaceHolder 1"/>
           <p:cNvSpPr>
             <a:spLocks noGrp="1"/>
           </p:cNvSpPr>
@@ -1463,8 +2347,8 @@
         </p:nvSpPr>
         <p:spPr>
           <a:xfrm>
-            <a:off x="360000" y="360000"/>
-            <a:ext cx="9360000" cy="900000"/>
+            <a:off x="360000" y="360360"/>
+            <a:ext cx="9358200" cy="898560"/>
           </a:xfrm>
           <a:prstGeom prst="rect">
             <a:avLst/>
@@ -1473,23 +2357,24 @@
         <p:txBody>
           <a:bodyPr lIns="0" rIns="0" tIns="0" bIns="0" anchor="b"/>
           <a:p>
-            <a:endParaRPr b="1" lang="en-US" sz="3200" spc="-1" strike="noStrike">
-              <a:solidFill>
-                <a:srgbClr val="ffffff"/>
-              </a:solidFill>
-              <a:uFill>
-                <a:solidFill>
-                  <a:srgbClr val="ffffff"/>
-                </a:solidFill>
-              </a:uFill>
-              <a:latin typeface="Source Sans Pro Black"/>
-            </a:endParaRPr>
-          </a:p>
-        </p:txBody>
-      </p:sp>
-      <p:sp>
-        <p:nvSpPr>
-          <p:cNvPr id="67" name="PlaceHolder 2"/>
+            <a:pPr algn="ctr"/>
+            <a:endParaRPr b="0" lang="en-US" sz="4400" spc="-1" strike="noStrike">
+              <a:solidFill>
+                <a:srgbClr val="000000"/>
+              </a:solidFill>
+              <a:uFill>
+                <a:solidFill>
+                  <a:srgbClr val="ffffff"/>
+                </a:solidFill>
+              </a:uFill>
+              <a:latin typeface="Arial"/>
+            </a:endParaRPr>
+          </a:p>
+        </p:txBody>
+      </p:sp>
+      <p:sp>
+        <p:nvSpPr>
+          <p:cNvPr id="61" name="PlaceHolder 2"/>
           <p:cNvSpPr>
             <a:spLocks noGrp="1"/>
           </p:cNvSpPr>
@@ -1499,8 +2384,8 @@
         </p:nvSpPr>
         <p:spPr>
           <a:xfrm>
-            <a:off x="360000" y="1980000"/>
-            <a:ext cx="4479480" cy="2232000"/>
+            <a:off x="360000" y="1979280"/>
+            <a:ext cx="4478400" cy="2231280"/>
           </a:xfrm>
           <a:prstGeom prst="rect">
             <a:avLst/>
@@ -1509,23 +2394,23 @@
         <p:txBody>
           <a:bodyPr lIns="0" rIns="0" tIns="0" bIns="0"/>
           <a:p>
-            <a:endParaRPr b="1" lang="en-US" sz="2600" spc="-1" strike="noStrike">
-              <a:solidFill>
-                <a:srgbClr val="1c1c1c"/>
-              </a:solidFill>
-              <a:uFill>
-                <a:solidFill>
-                  <a:srgbClr val="ffffff"/>
-                </a:solidFill>
-              </a:uFill>
-              <a:latin typeface="Source Sans Pro Semibold"/>
-            </a:endParaRPr>
-          </a:p>
-        </p:txBody>
-      </p:sp>
-      <p:sp>
-        <p:nvSpPr>
-          <p:cNvPr id="68" name="PlaceHolder 3"/>
+            <a:endParaRPr b="0" lang="en-US" sz="3200" spc="-1" strike="noStrike">
+              <a:solidFill>
+                <a:srgbClr val="000000"/>
+              </a:solidFill>
+              <a:uFill>
+                <a:solidFill>
+                  <a:srgbClr val="ffffff"/>
+                </a:solidFill>
+              </a:uFill>
+              <a:latin typeface="Arial"/>
+            </a:endParaRPr>
+          </a:p>
+        </p:txBody>
+      </p:sp>
+      <p:sp>
+        <p:nvSpPr>
+          <p:cNvPr id="62" name="PlaceHolder 3"/>
           <p:cNvSpPr>
             <a:spLocks noGrp="1"/>
           </p:cNvSpPr>
@@ -1535,8 +2420,8 @@
         </p:nvSpPr>
         <p:spPr>
           <a:xfrm>
-            <a:off x="5063760" y="1980000"/>
-            <a:ext cx="4479480" cy="2232000"/>
+            <a:off x="5062680" y="1979280"/>
+            <a:ext cx="4478400" cy="2231280"/>
           </a:xfrm>
           <a:prstGeom prst="rect">
             <a:avLst/>
@@ -1545,23 +2430,23 @@
         <p:txBody>
           <a:bodyPr lIns="0" rIns="0" tIns="0" bIns="0"/>
           <a:p>
-            <a:endParaRPr b="1" lang="en-US" sz="2600" spc="-1" strike="noStrike">
-              <a:solidFill>
-                <a:srgbClr val="1c1c1c"/>
-              </a:solidFill>
-              <a:uFill>
-                <a:solidFill>
-                  <a:srgbClr val="ffffff"/>
-                </a:solidFill>
-              </a:uFill>
-              <a:latin typeface="Source Sans Pro Semibold"/>
-            </a:endParaRPr>
-          </a:p>
-        </p:txBody>
-      </p:sp>
-      <p:sp>
-        <p:nvSpPr>
-          <p:cNvPr id="69" name="PlaceHolder 4"/>
+            <a:endParaRPr b="0" lang="en-US" sz="3200" spc="-1" strike="noStrike">
+              <a:solidFill>
+                <a:srgbClr val="000000"/>
+              </a:solidFill>
+              <a:uFill>
+                <a:solidFill>
+                  <a:srgbClr val="ffffff"/>
+                </a:solidFill>
+              </a:uFill>
+              <a:latin typeface="Arial"/>
+            </a:endParaRPr>
+          </a:p>
+        </p:txBody>
+      </p:sp>
+      <p:sp>
+        <p:nvSpPr>
+          <p:cNvPr id="63" name="PlaceHolder 4"/>
           <p:cNvSpPr>
             <a:spLocks noGrp="1"/>
           </p:cNvSpPr>
@@ -1571,8 +2456,8 @@
         </p:nvSpPr>
         <p:spPr>
           <a:xfrm>
-            <a:off x="360000" y="4424400"/>
-            <a:ext cx="9180000" cy="2232000"/>
+            <a:off x="360000" y="4422960"/>
+            <a:ext cx="9177480" cy="2231280"/>
           </a:xfrm>
           <a:prstGeom prst="rect">
             <a:avLst/>
@@ -1581,16 +2466,16 @@
         <p:txBody>
           <a:bodyPr lIns="0" rIns="0" tIns="0" bIns="0"/>
           <a:p>
-            <a:endParaRPr b="1" lang="en-US" sz="2600" spc="-1" strike="noStrike">
-              <a:solidFill>
-                <a:srgbClr val="1c1c1c"/>
-              </a:solidFill>
-              <a:uFill>
-                <a:solidFill>
-                  <a:srgbClr val="ffffff"/>
-                </a:solidFill>
-              </a:uFill>
-              <a:latin typeface="Source Sans Pro Semibold"/>
+            <a:endParaRPr b="0" lang="en-US" sz="3200" spc="-1" strike="noStrike">
+              <a:solidFill>
+                <a:srgbClr val="000000"/>
+              </a:solidFill>
+              <a:uFill>
+                <a:solidFill>
+                  <a:srgbClr val="ffffff"/>
+                </a:solidFill>
+              </a:uFill>
+              <a:latin typeface="Arial"/>
             </a:endParaRPr>
           </a:p>
         </p:txBody>
@@ -1619,7 +2504,7 @@
       </p:grpSpPr>
       <p:sp>
         <p:nvSpPr>
-          <p:cNvPr id="70" name="PlaceHolder 1"/>
+          <p:cNvPr id="64" name="PlaceHolder 1"/>
           <p:cNvSpPr>
             <a:spLocks noGrp="1"/>
           </p:cNvSpPr>
@@ -1629,8 +2514,8 @@
         </p:nvSpPr>
         <p:spPr>
           <a:xfrm>
-            <a:off x="360000" y="360000"/>
-            <a:ext cx="9360000" cy="900000"/>
+            <a:off x="360000" y="360360"/>
+            <a:ext cx="9358200" cy="898560"/>
           </a:xfrm>
           <a:prstGeom prst="rect">
             <a:avLst/>
@@ -1639,23 +2524,24 @@
         <p:txBody>
           <a:bodyPr lIns="0" rIns="0" tIns="0" bIns="0" anchor="b"/>
           <a:p>
-            <a:endParaRPr b="1" lang="en-US" sz="3200" spc="-1" strike="noStrike">
-              <a:solidFill>
-                <a:srgbClr val="ffffff"/>
-              </a:solidFill>
-              <a:uFill>
-                <a:solidFill>
-                  <a:srgbClr val="ffffff"/>
-                </a:solidFill>
-              </a:uFill>
-              <a:latin typeface="Source Sans Pro Black"/>
-            </a:endParaRPr>
-          </a:p>
-        </p:txBody>
-      </p:sp>
-      <p:sp>
-        <p:nvSpPr>
-          <p:cNvPr id="71" name="PlaceHolder 2"/>
+            <a:pPr algn="ctr"/>
+            <a:endParaRPr b="0" lang="en-US" sz="4400" spc="-1" strike="noStrike">
+              <a:solidFill>
+                <a:srgbClr val="000000"/>
+              </a:solidFill>
+              <a:uFill>
+                <a:solidFill>
+                  <a:srgbClr val="ffffff"/>
+                </a:solidFill>
+              </a:uFill>
+              <a:latin typeface="Arial"/>
+            </a:endParaRPr>
+          </a:p>
+        </p:txBody>
+      </p:sp>
+      <p:sp>
+        <p:nvSpPr>
+          <p:cNvPr id="65" name="PlaceHolder 2"/>
           <p:cNvSpPr>
             <a:spLocks noGrp="1"/>
           </p:cNvSpPr>
@@ -1665,8 +2551,8 @@
         </p:nvSpPr>
         <p:spPr>
           <a:xfrm>
-            <a:off x="360000" y="1980000"/>
-            <a:ext cx="9180000" cy="2232000"/>
+            <a:off x="360000" y="1979280"/>
+            <a:ext cx="9177480" cy="2231280"/>
           </a:xfrm>
           <a:prstGeom prst="rect">
             <a:avLst/>
@@ -1675,23 +2561,23 @@
         <p:txBody>
           <a:bodyPr lIns="0" rIns="0" tIns="0" bIns="0"/>
           <a:p>
-            <a:endParaRPr b="1" lang="en-US" sz="2600" spc="-1" strike="noStrike">
-              <a:solidFill>
-                <a:srgbClr val="1c1c1c"/>
-              </a:solidFill>
-              <a:uFill>
-                <a:solidFill>
-                  <a:srgbClr val="ffffff"/>
-                </a:solidFill>
-              </a:uFill>
-              <a:latin typeface="Source Sans Pro Semibold"/>
-            </a:endParaRPr>
-          </a:p>
-        </p:txBody>
-      </p:sp>
-      <p:sp>
-        <p:nvSpPr>
-          <p:cNvPr id="72" name="PlaceHolder 3"/>
+            <a:endParaRPr b="0" lang="en-US" sz="3200" spc="-1" strike="noStrike">
+              <a:solidFill>
+                <a:srgbClr val="000000"/>
+              </a:solidFill>
+              <a:uFill>
+                <a:solidFill>
+                  <a:srgbClr val="ffffff"/>
+                </a:solidFill>
+              </a:uFill>
+              <a:latin typeface="Arial"/>
+            </a:endParaRPr>
+          </a:p>
+        </p:txBody>
+      </p:sp>
+      <p:sp>
+        <p:nvSpPr>
+          <p:cNvPr id="66" name="PlaceHolder 3"/>
           <p:cNvSpPr>
             <a:spLocks noGrp="1"/>
           </p:cNvSpPr>
@@ -1701,8 +2587,8 @@
         </p:nvSpPr>
         <p:spPr>
           <a:xfrm>
-            <a:off x="360000" y="4424400"/>
-            <a:ext cx="9180000" cy="2232000"/>
+            <a:off x="360000" y="4422960"/>
+            <a:ext cx="9177480" cy="2231280"/>
           </a:xfrm>
           <a:prstGeom prst="rect">
             <a:avLst/>
@@ -1711,16 +2597,16 @@
         <p:txBody>
           <a:bodyPr lIns="0" rIns="0" tIns="0" bIns="0"/>
           <a:p>
-            <a:endParaRPr b="1" lang="en-US" sz="2600" spc="-1" strike="noStrike">
-              <a:solidFill>
-                <a:srgbClr val="1c1c1c"/>
-              </a:solidFill>
-              <a:uFill>
-                <a:solidFill>
-                  <a:srgbClr val="ffffff"/>
-                </a:solidFill>
-              </a:uFill>
-              <a:latin typeface="Source Sans Pro Semibold"/>
+            <a:endParaRPr b="0" lang="en-US" sz="3200" spc="-1" strike="noStrike">
+              <a:solidFill>
+                <a:srgbClr val="000000"/>
+              </a:solidFill>
+              <a:uFill>
+                <a:solidFill>
+                  <a:srgbClr val="ffffff"/>
+                </a:solidFill>
+              </a:uFill>
+              <a:latin typeface="Arial"/>
             </a:endParaRPr>
           </a:p>
         </p:txBody>
@@ -1749,7 +2635,7 @@
       </p:grpSpPr>
       <p:sp>
         <p:nvSpPr>
-          <p:cNvPr id="73" name="PlaceHolder 1"/>
+          <p:cNvPr id="67" name="PlaceHolder 1"/>
           <p:cNvSpPr>
             <a:spLocks noGrp="1"/>
           </p:cNvSpPr>
@@ -1759,8 +2645,8 @@
         </p:nvSpPr>
         <p:spPr>
           <a:xfrm>
-            <a:off x="360000" y="360000"/>
-            <a:ext cx="9360000" cy="900000"/>
+            <a:off x="360000" y="360360"/>
+            <a:ext cx="9358200" cy="898560"/>
           </a:xfrm>
           <a:prstGeom prst="rect">
             <a:avLst/>
@@ -1769,23 +2655,24 @@
         <p:txBody>
           <a:bodyPr lIns="0" rIns="0" tIns="0" bIns="0" anchor="b"/>
           <a:p>
-            <a:endParaRPr b="1" lang="en-US" sz="3200" spc="-1" strike="noStrike">
-              <a:solidFill>
-                <a:srgbClr val="ffffff"/>
-              </a:solidFill>
-              <a:uFill>
-                <a:solidFill>
-                  <a:srgbClr val="ffffff"/>
-                </a:solidFill>
-              </a:uFill>
-              <a:latin typeface="Source Sans Pro Black"/>
-            </a:endParaRPr>
-          </a:p>
-        </p:txBody>
-      </p:sp>
-      <p:sp>
-        <p:nvSpPr>
-          <p:cNvPr id="74" name="PlaceHolder 2"/>
+            <a:pPr algn="ctr"/>
+            <a:endParaRPr b="0" lang="en-US" sz="4400" spc="-1" strike="noStrike">
+              <a:solidFill>
+                <a:srgbClr val="000000"/>
+              </a:solidFill>
+              <a:uFill>
+                <a:solidFill>
+                  <a:srgbClr val="ffffff"/>
+                </a:solidFill>
+              </a:uFill>
+              <a:latin typeface="Arial"/>
+            </a:endParaRPr>
+          </a:p>
+        </p:txBody>
+      </p:sp>
+      <p:sp>
+        <p:nvSpPr>
+          <p:cNvPr id="68" name="PlaceHolder 2"/>
           <p:cNvSpPr>
             <a:spLocks noGrp="1"/>
           </p:cNvSpPr>
@@ -1795,8 +2682,8 @@
         </p:nvSpPr>
         <p:spPr>
           <a:xfrm>
-            <a:off x="360000" y="1980000"/>
-            <a:ext cx="4479480" cy="2232000"/>
+            <a:off x="360000" y="1979280"/>
+            <a:ext cx="4478400" cy="2231280"/>
           </a:xfrm>
           <a:prstGeom prst="rect">
             <a:avLst/>
@@ -1805,23 +2692,23 @@
         <p:txBody>
           <a:bodyPr lIns="0" rIns="0" tIns="0" bIns="0"/>
           <a:p>
-            <a:endParaRPr b="1" lang="en-US" sz="2600" spc="-1" strike="noStrike">
-              <a:solidFill>
-                <a:srgbClr val="1c1c1c"/>
-              </a:solidFill>
-              <a:uFill>
-                <a:solidFill>
-                  <a:srgbClr val="ffffff"/>
-                </a:solidFill>
-              </a:uFill>
-              <a:latin typeface="Source Sans Pro Semibold"/>
-            </a:endParaRPr>
-          </a:p>
-        </p:txBody>
-      </p:sp>
-      <p:sp>
-        <p:nvSpPr>
-          <p:cNvPr id="75" name="PlaceHolder 3"/>
+            <a:endParaRPr b="0" lang="en-US" sz="3200" spc="-1" strike="noStrike">
+              <a:solidFill>
+                <a:srgbClr val="000000"/>
+              </a:solidFill>
+              <a:uFill>
+                <a:solidFill>
+                  <a:srgbClr val="ffffff"/>
+                </a:solidFill>
+              </a:uFill>
+              <a:latin typeface="Arial"/>
+            </a:endParaRPr>
+          </a:p>
+        </p:txBody>
+      </p:sp>
+      <p:sp>
+        <p:nvSpPr>
+          <p:cNvPr id="69" name="PlaceHolder 3"/>
           <p:cNvSpPr>
             <a:spLocks noGrp="1"/>
           </p:cNvSpPr>
@@ -1831,8 +2718,8 @@
         </p:nvSpPr>
         <p:spPr>
           <a:xfrm>
-            <a:off x="5063760" y="1980000"/>
-            <a:ext cx="4479480" cy="2232000"/>
+            <a:off x="5062680" y="1979280"/>
+            <a:ext cx="4478400" cy="2231280"/>
           </a:xfrm>
           <a:prstGeom prst="rect">
             <a:avLst/>
@@ -1841,23 +2728,23 @@
         <p:txBody>
           <a:bodyPr lIns="0" rIns="0" tIns="0" bIns="0"/>
           <a:p>
-            <a:endParaRPr b="1" lang="en-US" sz="2600" spc="-1" strike="noStrike">
-              <a:solidFill>
-                <a:srgbClr val="1c1c1c"/>
-              </a:solidFill>
-              <a:uFill>
-                <a:solidFill>
-                  <a:srgbClr val="ffffff"/>
-                </a:solidFill>
-              </a:uFill>
-              <a:latin typeface="Source Sans Pro Semibold"/>
-            </a:endParaRPr>
-          </a:p>
-        </p:txBody>
-      </p:sp>
-      <p:sp>
-        <p:nvSpPr>
-          <p:cNvPr id="76" name="PlaceHolder 4"/>
+            <a:endParaRPr b="0" lang="en-US" sz="3200" spc="-1" strike="noStrike">
+              <a:solidFill>
+                <a:srgbClr val="000000"/>
+              </a:solidFill>
+              <a:uFill>
+                <a:solidFill>
+                  <a:srgbClr val="ffffff"/>
+                </a:solidFill>
+              </a:uFill>
+              <a:latin typeface="Arial"/>
+            </a:endParaRPr>
+          </a:p>
+        </p:txBody>
+      </p:sp>
+      <p:sp>
+        <p:nvSpPr>
+          <p:cNvPr id="70" name="PlaceHolder 4"/>
           <p:cNvSpPr>
             <a:spLocks noGrp="1"/>
           </p:cNvSpPr>
@@ -1867,8 +2754,8 @@
         </p:nvSpPr>
         <p:spPr>
           <a:xfrm>
-            <a:off x="5063760" y="4424400"/>
-            <a:ext cx="4479480" cy="2232000"/>
+            <a:off x="5062680" y="4422960"/>
+            <a:ext cx="4478400" cy="2231280"/>
           </a:xfrm>
           <a:prstGeom prst="rect">
             <a:avLst/>
@@ -1877,23 +2764,23 @@
         <p:txBody>
           <a:bodyPr lIns="0" rIns="0" tIns="0" bIns="0"/>
           <a:p>
-            <a:endParaRPr b="1" lang="en-US" sz="2600" spc="-1" strike="noStrike">
-              <a:solidFill>
-                <a:srgbClr val="1c1c1c"/>
-              </a:solidFill>
-              <a:uFill>
-                <a:solidFill>
-                  <a:srgbClr val="ffffff"/>
-                </a:solidFill>
-              </a:uFill>
-              <a:latin typeface="Source Sans Pro Semibold"/>
-            </a:endParaRPr>
-          </a:p>
-        </p:txBody>
-      </p:sp>
-      <p:sp>
-        <p:nvSpPr>
-          <p:cNvPr id="77" name="PlaceHolder 5"/>
+            <a:endParaRPr b="0" lang="en-US" sz="3200" spc="-1" strike="noStrike">
+              <a:solidFill>
+                <a:srgbClr val="000000"/>
+              </a:solidFill>
+              <a:uFill>
+                <a:solidFill>
+                  <a:srgbClr val="ffffff"/>
+                </a:solidFill>
+              </a:uFill>
+              <a:latin typeface="Arial"/>
+            </a:endParaRPr>
+          </a:p>
+        </p:txBody>
+      </p:sp>
+      <p:sp>
+        <p:nvSpPr>
+          <p:cNvPr id="71" name="PlaceHolder 5"/>
           <p:cNvSpPr>
             <a:spLocks noGrp="1"/>
           </p:cNvSpPr>
@@ -1903,8 +2790,8 @@
         </p:nvSpPr>
         <p:spPr>
           <a:xfrm>
-            <a:off x="360000" y="4424400"/>
-            <a:ext cx="4479480" cy="2232000"/>
+            <a:off x="360000" y="4422960"/>
+            <a:ext cx="4478400" cy="2231280"/>
           </a:xfrm>
           <a:prstGeom prst="rect">
             <a:avLst/>
@@ -1913,16 +2800,16 @@
         <p:txBody>
           <a:bodyPr lIns="0" rIns="0" tIns="0" bIns="0"/>
           <a:p>
-            <a:endParaRPr b="1" lang="en-US" sz="2600" spc="-1" strike="noStrike">
-              <a:solidFill>
-                <a:srgbClr val="1c1c1c"/>
-              </a:solidFill>
-              <a:uFill>
-                <a:solidFill>
-                  <a:srgbClr val="ffffff"/>
-                </a:solidFill>
-              </a:uFill>
-              <a:latin typeface="Source Sans Pro Semibold"/>
+            <a:endParaRPr b="0" lang="en-US" sz="3200" spc="-1" strike="noStrike">
+              <a:solidFill>
+                <a:srgbClr val="000000"/>
+              </a:solidFill>
+              <a:uFill>
+                <a:solidFill>
+                  <a:srgbClr val="ffffff"/>
+                </a:solidFill>
+              </a:uFill>
+              <a:latin typeface="Arial"/>
             </a:endParaRPr>
           </a:p>
         </p:txBody>
@@ -1951,7 +2838,7 @@
       </p:grpSpPr>
       <p:sp>
         <p:nvSpPr>
-          <p:cNvPr id="78" name="PlaceHolder 1"/>
+          <p:cNvPr id="72" name="PlaceHolder 1"/>
           <p:cNvSpPr>
             <a:spLocks noGrp="1"/>
           </p:cNvSpPr>
@@ -1961,8 +2848,8 @@
         </p:nvSpPr>
         <p:spPr>
           <a:xfrm>
-            <a:off x="360000" y="360000"/>
-            <a:ext cx="9360000" cy="900000"/>
+            <a:off x="360000" y="360360"/>
+            <a:ext cx="9358200" cy="898560"/>
           </a:xfrm>
           <a:prstGeom prst="rect">
             <a:avLst/>
@@ -1971,23 +2858,24 @@
         <p:txBody>
           <a:bodyPr lIns="0" rIns="0" tIns="0" bIns="0" anchor="b"/>
           <a:p>
-            <a:endParaRPr b="1" lang="en-US" sz="3200" spc="-1" strike="noStrike">
-              <a:solidFill>
-                <a:srgbClr val="ffffff"/>
-              </a:solidFill>
-              <a:uFill>
-                <a:solidFill>
-                  <a:srgbClr val="ffffff"/>
-                </a:solidFill>
-              </a:uFill>
-              <a:latin typeface="Source Sans Pro Black"/>
-            </a:endParaRPr>
-          </a:p>
-        </p:txBody>
-      </p:sp>
-      <p:sp>
-        <p:nvSpPr>
-          <p:cNvPr id="79" name="PlaceHolder 2"/>
+            <a:pPr algn="ctr"/>
+            <a:endParaRPr b="0" lang="en-US" sz="4400" spc="-1" strike="noStrike">
+              <a:solidFill>
+                <a:srgbClr val="000000"/>
+              </a:solidFill>
+              <a:uFill>
+                <a:solidFill>
+                  <a:srgbClr val="ffffff"/>
+                </a:solidFill>
+              </a:uFill>
+              <a:latin typeface="Arial"/>
+            </a:endParaRPr>
+          </a:p>
+        </p:txBody>
+      </p:sp>
+      <p:sp>
+        <p:nvSpPr>
+          <p:cNvPr id="73" name="PlaceHolder 2"/>
           <p:cNvSpPr>
             <a:spLocks noGrp="1"/>
           </p:cNvSpPr>
@@ -1997,8 +2885,8 @@
         </p:nvSpPr>
         <p:spPr>
           <a:xfrm>
-            <a:off x="360000" y="1980000"/>
-            <a:ext cx="9180000" cy="4680000"/>
+            <a:off x="360000" y="1979280"/>
+            <a:ext cx="9177480" cy="4678200"/>
           </a:xfrm>
           <a:prstGeom prst="rect">
             <a:avLst/>
@@ -2007,23 +2895,23 @@
         <p:txBody>
           <a:bodyPr lIns="0" rIns="0" tIns="0" bIns="0"/>
           <a:p>
-            <a:endParaRPr b="1" lang="en-US" sz="2600" spc="-1" strike="noStrike">
-              <a:solidFill>
-                <a:srgbClr val="1c1c1c"/>
-              </a:solidFill>
-              <a:uFill>
-                <a:solidFill>
-                  <a:srgbClr val="ffffff"/>
-                </a:solidFill>
-              </a:uFill>
-              <a:latin typeface="Source Sans Pro Semibold"/>
-            </a:endParaRPr>
-          </a:p>
-        </p:txBody>
-      </p:sp>
-      <p:sp>
-        <p:nvSpPr>
-          <p:cNvPr id="80" name="PlaceHolder 3"/>
+            <a:endParaRPr b="0" lang="en-US" sz="3200" spc="-1" strike="noStrike">
+              <a:solidFill>
+                <a:srgbClr val="000000"/>
+              </a:solidFill>
+              <a:uFill>
+                <a:solidFill>
+                  <a:srgbClr val="ffffff"/>
+                </a:solidFill>
+              </a:uFill>
+              <a:latin typeface="Arial"/>
+            </a:endParaRPr>
+          </a:p>
+        </p:txBody>
+      </p:sp>
+      <p:sp>
+        <p:nvSpPr>
+          <p:cNvPr id="74" name="PlaceHolder 3"/>
           <p:cNvSpPr>
             <a:spLocks noGrp="1"/>
           </p:cNvSpPr>
@@ -2033,8 +2921,8 @@
         </p:nvSpPr>
         <p:spPr>
           <a:xfrm>
-            <a:off x="360000" y="1980000"/>
-            <a:ext cx="9180000" cy="4680000"/>
+            <a:off x="360000" y="1979280"/>
+            <a:ext cx="9177480" cy="4678200"/>
           </a:xfrm>
           <a:prstGeom prst="rect">
             <a:avLst/>
@@ -2043,23 +2931,23 @@
         <p:txBody>
           <a:bodyPr lIns="0" rIns="0" tIns="0" bIns="0"/>
           <a:p>
-            <a:endParaRPr b="1" lang="en-US" sz="2600" spc="-1" strike="noStrike">
-              <a:solidFill>
-                <a:srgbClr val="1c1c1c"/>
-              </a:solidFill>
-              <a:uFill>
-                <a:solidFill>
-                  <a:srgbClr val="ffffff"/>
-                </a:solidFill>
-              </a:uFill>
-              <a:latin typeface="Source Sans Pro Semibold"/>
+            <a:endParaRPr b="0" lang="en-US" sz="3200" spc="-1" strike="noStrike">
+              <a:solidFill>
+                <a:srgbClr val="000000"/>
+              </a:solidFill>
+              <a:uFill>
+                <a:solidFill>
+                  <a:srgbClr val="ffffff"/>
+                </a:solidFill>
+              </a:uFill>
+              <a:latin typeface="Arial"/>
             </a:endParaRPr>
           </a:p>
         </p:txBody>
       </p:sp>
       <p:pic>
         <p:nvPicPr>
-          <p:cNvPr id="81" name="" descr=""/>
+          <p:cNvPr id="75" name="" descr=""/>
           <p:cNvPicPr/>
           <p:nvPr/>
         </p:nvPicPr>
@@ -2069,8 +2957,8 @@
         </p:blipFill>
         <p:spPr>
           <a:xfrm>
-            <a:off x="2017080" y="1980000"/>
-            <a:ext cx="5865480" cy="4680000"/>
+            <a:off x="2016720" y="1978920"/>
+            <a:ext cx="5863320" cy="4678200"/>
           </a:xfrm>
           <a:prstGeom prst="rect">
             <a:avLst/>
@@ -2082,7 +2970,7 @@
       </p:pic>
       <p:pic>
         <p:nvPicPr>
-          <p:cNvPr id="82" name="" descr=""/>
+          <p:cNvPr id="76" name="" descr=""/>
           <p:cNvPicPr/>
           <p:nvPr/>
         </p:nvPicPr>
@@ -2092,8 +2980,8 @@
         </p:blipFill>
         <p:spPr>
           <a:xfrm>
-            <a:off x="2017080" y="1980000"/>
-            <a:ext cx="5865480" cy="4680000"/>
+            <a:off x="2016720" y="1978920"/>
+            <a:ext cx="5863320" cy="4678200"/>
           </a:xfrm>
           <a:prstGeom prst="rect">
             <a:avLst/>
@@ -2127,7 +3015,7 @@
       </p:grpSpPr>
       <p:sp>
         <p:nvSpPr>
-          <p:cNvPr id="11" name="PlaceHolder 1"/>
+          <p:cNvPr id="5" name="PlaceHolder 1"/>
           <p:cNvSpPr>
             <a:spLocks noGrp="1"/>
           </p:cNvSpPr>
@@ -2137,8 +3025,8 @@
         </p:nvSpPr>
         <p:spPr>
           <a:xfrm>
-            <a:off x="360000" y="360000"/>
-            <a:ext cx="9360000" cy="900000"/>
+            <a:off x="360000" y="360360"/>
+            <a:ext cx="9358200" cy="898560"/>
           </a:xfrm>
           <a:prstGeom prst="rect">
             <a:avLst/>
@@ -2147,23 +3035,24 @@
         <p:txBody>
           <a:bodyPr lIns="0" rIns="0" tIns="0" bIns="0" anchor="b"/>
           <a:p>
-            <a:endParaRPr b="1" lang="en-US" sz="3200" spc="-1" strike="noStrike">
-              <a:solidFill>
-                <a:srgbClr val="ffffff"/>
-              </a:solidFill>
-              <a:uFill>
-                <a:solidFill>
-                  <a:srgbClr val="ffffff"/>
-                </a:solidFill>
-              </a:uFill>
-              <a:latin typeface="Source Sans Pro Black"/>
-            </a:endParaRPr>
-          </a:p>
-        </p:txBody>
-      </p:sp>
-      <p:sp>
-        <p:nvSpPr>
-          <p:cNvPr id="12" name="PlaceHolder 2"/>
+            <a:pPr algn="ctr"/>
+            <a:endParaRPr b="0" lang="en-US" sz="4400" spc="-1" strike="noStrike">
+              <a:solidFill>
+                <a:srgbClr val="000000"/>
+              </a:solidFill>
+              <a:uFill>
+                <a:solidFill>
+                  <a:srgbClr val="ffffff"/>
+                </a:solidFill>
+              </a:uFill>
+              <a:latin typeface="Arial"/>
+            </a:endParaRPr>
+          </a:p>
+        </p:txBody>
+      </p:sp>
+      <p:sp>
+        <p:nvSpPr>
+          <p:cNvPr id="6" name="PlaceHolder 2"/>
           <p:cNvSpPr>
             <a:spLocks noGrp="1"/>
           </p:cNvSpPr>
@@ -2173,8 +3062,8 @@
         </p:nvSpPr>
         <p:spPr>
           <a:xfrm>
-            <a:off x="360000" y="1980000"/>
-            <a:ext cx="9180000" cy="4680000"/>
+            <a:off x="360000" y="1979280"/>
+            <a:ext cx="9177480" cy="4678200"/>
           </a:xfrm>
           <a:prstGeom prst="rect">
             <a:avLst/>
@@ -2183,16 +3072,16 @@
         <p:txBody>
           <a:bodyPr lIns="0" rIns="0" tIns="0" bIns="0"/>
           <a:p>
-            <a:endParaRPr b="1" lang="en-US" sz="2600" spc="-1" strike="noStrike">
-              <a:solidFill>
-                <a:srgbClr val="1c1c1c"/>
-              </a:solidFill>
-              <a:uFill>
-                <a:solidFill>
-                  <a:srgbClr val="ffffff"/>
-                </a:solidFill>
-              </a:uFill>
-              <a:latin typeface="Source Sans Pro Semibold"/>
+            <a:endParaRPr b="0" lang="en-US" sz="3200" spc="-1" strike="noStrike">
+              <a:solidFill>
+                <a:srgbClr val="000000"/>
+              </a:solidFill>
+              <a:uFill>
+                <a:solidFill>
+                  <a:srgbClr val="ffffff"/>
+                </a:solidFill>
+              </a:uFill>
+              <a:latin typeface="Arial"/>
             </a:endParaRPr>
           </a:p>
         </p:txBody>
@@ -2221,7 +3110,7 @@
       </p:grpSpPr>
       <p:sp>
         <p:nvSpPr>
-          <p:cNvPr id="13" name="PlaceHolder 1"/>
+          <p:cNvPr id="7" name="PlaceHolder 1"/>
           <p:cNvSpPr>
             <a:spLocks noGrp="1"/>
           </p:cNvSpPr>
@@ -2231,8 +3120,8 @@
         </p:nvSpPr>
         <p:spPr>
           <a:xfrm>
-            <a:off x="360000" y="360000"/>
-            <a:ext cx="9360000" cy="900000"/>
+            <a:off x="360000" y="360360"/>
+            <a:ext cx="9358200" cy="898560"/>
           </a:xfrm>
           <a:prstGeom prst="rect">
             <a:avLst/>
@@ -2241,23 +3130,24 @@
         <p:txBody>
           <a:bodyPr lIns="0" rIns="0" tIns="0" bIns="0" anchor="b"/>
           <a:p>
-            <a:endParaRPr b="1" lang="en-US" sz="3200" spc="-1" strike="noStrike">
-              <a:solidFill>
-                <a:srgbClr val="ffffff"/>
-              </a:solidFill>
-              <a:uFill>
-                <a:solidFill>
-                  <a:srgbClr val="ffffff"/>
-                </a:solidFill>
-              </a:uFill>
-              <a:latin typeface="Source Sans Pro Black"/>
-            </a:endParaRPr>
-          </a:p>
-        </p:txBody>
-      </p:sp>
-      <p:sp>
-        <p:nvSpPr>
-          <p:cNvPr id="14" name="PlaceHolder 2"/>
+            <a:pPr algn="ctr"/>
+            <a:endParaRPr b="0" lang="en-US" sz="4400" spc="-1" strike="noStrike">
+              <a:solidFill>
+                <a:srgbClr val="000000"/>
+              </a:solidFill>
+              <a:uFill>
+                <a:solidFill>
+                  <a:srgbClr val="ffffff"/>
+                </a:solidFill>
+              </a:uFill>
+              <a:latin typeface="Arial"/>
+            </a:endParaRPr>
+          </a:p>
+        </p:txBody>
+      </p:sp>
+      <p:sp>
+        <p:nvSpPr>
+          <p:cNvPr id="8" name="PlaceHolder 2"/>
           <p:cNvSpPr>
             <a:spLocks noGrp="1"/>
           </p:cNvSpPr>
@@ -2267,8 +3157,8 @@
         </p:nvSpPr>
         <p:spPr>
           <a:xfrm>
-            <a:off x="360000" y="1980000"/>
-            <a:ext cx="4479480" cy="4680000"/>
+            <a:off x="360000" y="1979280"/>
+            <a:ext cx="4478400" cy="4678200"/>
           </a:xfrm>
           <a:prstGeom prst="rect">
             <a:avLst/>
@@ -2277,23 +3167,23 @@
         <p:txBody>
           <a:bodyPr lIns="0" rIns="0" tIns="0" bIns="0"/>
           <a:p>
-            <a:endParaRPr b="1" lang="en-US" sz="2600" spc="-1" strike="noStrike">
-              <a:solidFill>
-                <a:srgbClr val="1c1c1c"/>
-              </a:solidFill>
-              <a:uFill>
-                <a:solidFill>
-                  <a:srgbClr val="ffffff"/>
-                </a:solidFill>
-              </a:uFill>
-              <a:latin typeface="Source Sans Pro Semibold"/>
-            </a:endParaRPr>
-          </a:p>
-        </p:txBody>
-      </p:sp>
-      <p:sp>
-        <p:nvSpPr>
-          <p:cNvPr id="15" name="PlaceHolder 3"/>
+            <a:endParaRPr b="0" lang="en-US" sz="3200" spc="-1" strike="noStrike">
+              <a:solidFill>
+                <a:srgbClr val="000000"/>
+              </a:solidFill>
+              <a:uFill>
+                <a:solidFill>
+                  <a:srgbClr val="ffffff"/>
+                </a:solidFill>
+              </a:uFill>
+              <a:latin typeface="Arial"/>
+            </a:endParaRPr>
+          </a:p>
+        </p:txBody>
+      </p:sp>
+      <p:sp>
+        <p:nvSpPr>
+          <p:cNvPr id="9" name="PlaceHolder 3"/>
           <p:cNvSpPr>
             <a:spLocks noGrp="1"/>
           </p:cNvSpPr>
@@ -2303,8 +3193,8 @@
         </p:nvSpPr>
         <p:spPr>
           <a:xfrm>
-            <a:off x="5063760" y="1980000"/>
-            <a:ext cx="4479480" cy="4680000"/>
+            <a:off x="5062680" y="1979280"/>
+            <a:ext cx="4478400" cy="4678200"/>
           </a:xfrm>
           <a:prstGeom prst="rect">
             <a:avLst/>
@@ -2313,16 +3203,16 @@
         <p:txBody>
           <a:bodyPr lIns="0" rIns="0" tIns="0" bIns="0"/>
           <a:p>
-            <a:endParaRPr b="1" lang="en-US" sz="2600" spc="-1" strike="noStrike">
-              <a:solidFill>
-                <a:srgbClr val="1c1c1c"/>
-              </a:solidFill>
-              <a:uFill>
-                <a:solidFill>
-                  <a:srgbClr val="ffffff"/>
-                </a:solidFill>
-              </a:uFill>
-              <a:latin typeface="Source Sans Pro Semibold"/>
+            <a:endParaRPr b="0" lang="en-US" sz="3200" spc="-1" strike="noStrike">
+              <a:solidFill>
+                <a:srgbClr val="000000"/>
+              </a:solidFill>
+              <a:uFill>
+                <a:solidFill>
+                  <a:srgbClr val="ffffff"/>
+                </a:solidFill>
+              </a:uFill>
+              <a:latin typeface="Arial"/>
             </a:endParaRPr>
           </a:p>
         </p:txBody>
@@ -2351,7 +3241,7 @@
       </p:grpSpPr>
       <p:sp>
         <p:nvSpPr>
-          <p:cNvPr id="16" name="PlaceHolder 1"/>
+          <p:cNvPr id="10" name="PlaceHolder 1"/>
           <p:cNvSpPr>
             <a:spLocks noGrp="1"/>
           </p:cNvSpPr>
@@ -2361,8 +3251,8 @@
         </p:nvSpPr>
         <p:spPr>
           <a:xfrm>
-            <a:off x="360000" y="360000"/>
-            <a:ext cx="9360000" cy="900000"/>
+            <a:off x="360000" y="360360"/>
+            <a:ext cx="9358200" cy="898560"/>
           </a:xfrm>
           <a:prstGeom prst="rect">
             <a:avLst/>
@@ -2371,16 +3261,17 @@
         <p:txBody>
           <a:bodyPr lIns="0" rIns="0" tIns="0" bIns="0" anchor="b"/>
           <a:p>
-            <a:endParaRPr b="1" lang="en-US" sz="3200" spc="-1" strike="noStrike">
-              <a:solidFill>
-                <a:srgbClr val="ffffff"/>
-              </a:solidFill>
-              <a:uFill>
-                <a:solidFill>
-                  <a:srgbClr val="ffffff"/>
-                </a:solidFill>
-              </a:uFill>
-              <a:latin typeface="Source Sans Pro Black"/>
+            <a:pPr algn="ctr"/>
+            <a:endParaRPr b="0" lang="en-US" sz="4400" spc="-1" strike="noStrike">
+              <a:solidFill>
+                <a:srgbClr val="000000"/>
+              </a:solidFill>
+              <a:uFill>
+                <a:solidFill>
+                  <a:srgbClr val="ffffff"/>
+                </a:solidFill>
+              </a:uFill>
+              <a:latin typeface="Arial"/>
             </a:endParaRPr>
           </a:p>
         </p:txBody>
@@ -2409,7 +3300,7 @@
       </p:grpSpPr>
       <p:sp>
         <p:nvSpPr>
-          <p:cNvPr id="17" name="PlaceHolder 1"/>
+          <p:cNvPr id="11" name="PlaceHolder 1"/>
           <p:cNvSpPr>
             <a:spLocks noGrp="1"/>
           </p:cNvSpPr>
@@ -2419,26 +3310,27 @@
         </p:nvSpPr>
         <p:spPr>
           <a:xfrm>
-            <a:off x="360000" y="360000"/>
-            <a:ext cx="9360000" cy="4173120"/>
-          </a:xfrm>
-          <a:prstGeom prst="rect">
-            <a:avLst/>
-          </a:prstGeom>
-        </p:spPr>
-        <p:txBody>
-          <a:bodyPr lIns="0" rIns="0" tIns="0" bIns="0"/>
-          <a:p>
-            <a:endParaRPr b="0" lang="en-US" sz="2600" spc="-1" strike="noStrike">
-              <a:solidFill>
-                <a:srgbClr val="1c1c1c"/>
-              </a:solidFill>
-              <a:uFill>
-                <a:solidFill>
-                  <a:srgbClr val="ffffff"/>
-                </a:solidFill>
-              </a:uFill>
-              <a:latin typeface="Source Sans Pro Light"/>
+            <a:off x="360000" y="360360"/>
+            <a:ext cx="9358200" cy="4166640"/>
+          </a:xfrm>
+          <a:prstGeom prst="rect">
+            <a:avLst/>
+          </a:prstGeom>
+        </p:spPr>
+        <p:txBody>
+          <a:bodyPr lIns="0" rIns="0" tIns="0" bIns="0" anchor="ctr"/>
+          <a:p>
+            <a:pPr marL="342720" indent="-342720" algn="ctr"/>
+            <a:endParaRPr b="0" lang="en-US" sz="3200" spc="-1" strike="noStrike">
+              <a:solidFill>
+                <a:srgbClr val="000000"/>
+              </a:solidFill>
+              <a:uFill>
+                <a:solidFill>
+                  <a:srgbClr val="ffffff"/>
+                </a:solidFill>
+              </a:uFill>
+              <a:latin typeface="Arial"/>
             </a:endParaRPr>
           </a:p>
         </p:txBody>
@@ -2467,7 +3359,7 @@
       </p:grpSpPr>
       <p:sp>
         <p:nvSpPr>
-          <p:cNvPr id="18" name="PlaceHolder 1"/>
+          <p:cNvPr id="12" name="PlaceHolder 1"/>
           <p:cNvSpPr>
             <a:spLocks noGrp="1"/>
           </p:cNvSpPr>
@@ -2477,8 +3369,8 @@
         </p:nvSpPr>
         <p:spPr>
           <a:xfrm>
-            <a:off x="360000" y="360000"/>
-            <a:ext cx="9360000" cy="900000"/>
+            <a:off x="360000" y="360360"/>
+            <a:ext cx="9358200" cy="898560"/>
           </a:xfrm>
           <a:prstGeom prst="rect">
             <a:avLst/>
@@ -2487,23 +3379,24 @@
         <p:txBody>
           <a:bodyPr lIns="0" rIns="0" tIns="0" bIns="0" anchor="b"/>
           <a:p>
-            <a:endParaRPr b="1" lang="en-US" sz="3200" spc="-1" strike="noStrike">
-              <a:solidFill>
-                <a:srgbClr val="ffffff"/>
-              </a:solidFill>
-              <a:uFill>
-                <a:solidFill>
-                  <a:srgbClr val="ffffff"/>
-                </a:solidFill>
-              </a:uFill>
-              <a:latin typeface="Source Sans Pro Black"/>
-            </a:endParaRPr>
-          </a:p>
-        </p:txBody>
-      </p:sp>
-      <p:sp>
-        <p:nvSpPr>
-          <p:cNvPr id="19" name="PlaceHolder 2"/>
+            <a:pPr algn="ctr"/>
+            <a:endParaRPr b="0" lang="en-US" sz="4400" spc="-1" strike="noStrike">
+              <a:solidFill>
+                <a:srgbClr val="000000"/>
+              </a:solidFill>
+              <a:uFill>
+                <a:solidFill>
+                  <a:srgbClr val="ffffff"/>
+                </a:solidFill>
+              </a:uFill>
+              <a:latin typeface="Arial"/>
+            </a:endParaRPr>
+          </a:p>
+        </p:txBody>
+      </p:sp>
+      <p:sp>
+        <p:nvSpPr>
+          <p:cNvPr id="13" name="PlaceHolder 2"/>
           <p:cNvSpPr>
             <a:spLocks noGrp="1"/>
           </p:cNvSpPr>
@@ -2513,8 +3406,8 @@
         </p:nvSpPr>
         <p:spPr>
           <a:xfrm>
-            <a:off x="360000" y="1980000"/>
-            <a:ext cx="4479480" cy="2232000"/>
+            <a:off x="360000" y="1979280"/>
+            <a:ext cx="4478400" cy="2231280"/>
           </a:xfrm>
           <a:prstGeom prst="rect">
             <a:avLst/>
@@ -2523,23 +3416,23 @@
         <p:txBody>
           <a:bodyPr lIns="0" rIns="0" tIns="0" bIns="0"/>
           <a:p>
-            <a:endParaRPr b="1" lang="en-US" sz="2600" spc="-1" strike="noStrike">
-              <a:solidFill>
-                <a:srgbClr val="1c1c1c"/>
-              </a:solidFill>
-              <a:uFill>
-                <a:solidFill>
-                  <a:srgbClr val="ffffff"/>
-                </a:solidFill>
-              </a:uFill>
-              <a:latin typeface="Source Sans Pro Semibold"/>
-            </a:endParaRPr>
-          </a:p>
-        </p:txBody>
-      </p:sp>
-      <p:sp>
-        <p:nvSpPr>
-          <p:cNvPr id="20" name="PlaceHolder 3"/>
+            <a:endParaRPr b="0" lang="en-US" sz="3200" spc="-1" strike="noStrike">
+              <a:solidFill>
+                <a:srgbClr val="000000"/>
+              </a:solidFill>
+              <a:uFill>
+                <a:solidFill>
+                  <a:srgbClr val="ffffff"/>
+                </a:solidFill>
+              </a:uFill>
+              <a:latin typeface="Arial"/>
+            </a:endParaRPr>
+          </a:p>
+        </p:txBody>
+      </p:sp>
+      <p:sp>
+        <p:nvSpPr>
+          <p:cNvPr id="14" name="PlaceHolder 3"/>
           <p:cNvSpPr>
             <a:spLocks noGrp="1"/>
           </p:cNvSpPr>
@@ -2549,8 +3442,8 @@
         </p:nvSpPr>
         <p:spPr>
           <a:xfrm>
-            <a:off x="360000" y="4424400"/>
-            <a:ext cx="4479480" cy="2232000"/>
+            <a:off x="360000" y="4422960"/>
+            <a:ext cx="4478400" cy="2231280"/>
           </a:xfrm>
           <a:prstGeom prst="rect">
             <a:avLst/>
@@ -2559,23 +3452,23 @@
         <p:txBody>
           <a:bodyPr lIns="0" rIns="0" tIns="0" bIns="0"/>
           <a:p>
-            <a:endParaRPr b="1" lang="en-US" sz="2600" spc="-1" strike="noStrike">
-              <a:solidFill>
-                <a:srgbClr val="1c1c1c"/>
-              </a:solidFill>
-              <a:uFill>
-                <a:solidFill>
-                  <a:srgbClr val="ffffff"/>
-                </a:solidFill>
-              </a:uFill>
-              <a:latin typeface="Source Sans Pro Semibold"/>
-            </a:endParaRPr>
-          </a:p>
-        </p:txBody>
-      </p:sp>
-      <p:sp>
-        <p:nvSpPr>
-          <p:cNvPr id="21" name="PlaceHolder 4"/>
+            <a:endParaRPr b="0" lang="en-US" sz="3200" spc="-1" strike="noStrike">
+              <a:solidFill>
+                <a:srgbClr val="000000"/>
+              </a:solidFill>
+              <a:uFill>
+                <a:solidFill>
+                  <a:srgbClr val="ffffff"/>
+                </a:solidFill>
+              </a:uFill>
+              <a:latin typeface="Arial"/>
+            </a:endParaRPr>
+          </a:p>
+        </p:txBody>
+      </p:sp>
+      <p:sp>
+        <p:nvSpPr>
+          <p:cNvPr id="15" name="PlaceHolder 4"/>
           <p:cNvSpPr>
             <a:spLocks noGrp="1"/>
           </p:cNvSpPr>
@@ -2585,8 +3478,8 @@
         </p:nvSpPr>
         <p:spPr>
           <a:xfrm>
-            <a:off x="5063760" y="1980000"/>
-            <a:ext cx="4479480" cy="4680000"/>
+            <a:off x="5062680" y="1979280"/>
+            <a:ext cx="4478400" cy="4678200"/>
           </a:xfrm>
           <a:prstGeom prst="rect">
             <a:avLst/>
@@ -2595,16 +3488,16 @@
         <p:txBody>
           <a:bodyPr lIns="0" rIns="0" tIns="0" bIns="0"/>
           <a:p>
-            <a:endParaRPr b="1" lang="en-US" sz="2600" spc="-1" strike="noStrike">
-              <a:solidFill>
-                <a:srgbClr val="1c1c1c"/>
-              </a:solidFill>
-              <a:uFill>
-                <a:solidFill>
-                  <a:srgbClr val="ffffff"/>
-                </a:solidFill>
-              </a:uFill>
-              <a:latin typeface="Source Sans Pro Semibold"/>
+            <a:endParaRPr b="0" lang="en-US" sz="3200" spc="-1" strike="noStrike">
+              <a:solidFill>
+                <a:srgbClr val="000000"/>
+              </a:solidFill>
+              <a:uFill>
+                <a:solidFill>
+                  <a:srgbClr val="ffffff"/>
+                </a:solidFill>
+              </a:uFill>
+              <a:latin typeface="Arial"/>
             </a:endParaRPr>
           </a:p>
         </p:txBody>
@@ -2633,7 +3526,7 @@
       </p:grpSpPr>
       <p:sp>
         <p:nvSpPr>
-          <p:cNvPr id="22" name="PlaceHolder 1"/>
+          <p:cNvPr id="16" name="PlaceHolder 1"/>
           <p:cNvSpPr>
             <a:spLocks noGrp="1"/>
           </p:cNvSpPr>
@@ -2643,8 +3536,8 @@
         </p:nvSpPr>
         <p:spPr>
           <a:xfrm>
-            <a:off x="360000" y="360000"/>
-            <a:ext cx="9360000" cy="900000"/>
+            <a:off x="360000" y="360360"/>
+            <a:ext cx="9358200" cy="898560"/>
           </a:xfrm>
           <a:prstGeom prst="rect">
             <a:avLst/>
@@ -2653,23 +3546,24 @@
         <p:txBody>
           <a:bodyPr lIns="0" rIns="0" tIns="0" bIns="0" anchor="b"/>
           <a:p>
-            <a:endParaRPr b="1" lang="en-US" sz="3200" spc="-1" strike="noStrike">
-              <a:solidFill>
-                <a:srgbClr val="ffffff"/>
-              </a:solidFill>
-              <a:uFill>
-                <a:solidFill>
-                  <a:srgbClr val="ffffff"/>
-                </a:solidFill>
-              </a:uFill>
-              <a:latin typeface="Source Sans Pro Black"/>
-            </a:endParaRPr>
-          </a:p>
-        </p:txBody>
-      </p:sp>
-      <p:sp>
-        <p:nvSpPr>
-          <p:cNvPr id="23" name="PlaceHolder 2"/>
+            <a:pPr algn="ctr"/>
+            <a:endParaRPr b="0" lang="en-US" sz="4400" spc="-1" strike="noStrike">
+              <a:solidFill>
+                <a:srgbClr val="000000"/>
+              </a:solidFill>
+              <a:uFill>
+                <a:solidFill>
+                  <a:srgbClr val="ffffff"/>
+                </a:solidFill>
+              </a:uFill>
+              <a:latin typeface="Arial"/>
+            </a:endParaRPr>
+          </a:p>
+        </p:txBody>
+      </p:sp>
+      <p:sp>
+        <p:nvSpPr>
+          <p:cNvPr id="17" name="PlaceHolder 2"/>
           <p:cNvSpPr>
             <a:spLocks noGrp="1"/>
           </p:cNvSpPr>
@@ -2679,8 +3573,8 @@
         </p:nvSpPr>
         <p:spPr>
           <a:xfrm>
-            <a:off x="360000" y="1980000"/>
-            <a:ext cx="4479480" cy="4680000"/>
+            <a:off x="360000" y="1979280"/>
+            <a:ext cx="4478400" cy="4678200"/>
           </a:xfrm>
           <a:prstGeom prst="rect">
             <a:avLst/>
@@ -2689,23 +3583,23 @@
         <p:txBody>
           <a:bodyPr lIns="0" rIns="0" tIns="0" bIns="0"/>
           <a:p>
-            <a:endParaRPr b="1" lang="en-US" sz="2600" spc="-1" strike="noStrike">
-              <a:solidFill>
-                <a:srgbClr val="1c1c1c"/>
-              </a:solidFill>
-              <a:uFill>
-                <a:solidFill>
-                  <a:srgbClr val="ffffff"/>
-                </a:solidFill>
-              </a:uFill>
-              <a:latin typeface="Source Sans Pro Semibold"/>
-            </a:endParaRPr>
-          </a:p>
-        </p:txBody>
-      </p:sp>
-      <p:sp>
-        <p:nvSpPr>
-          <p:cNvPr id="24" name="PlaceHolder 3"/>
+            <a:endParaRPr b="0" lang="en-US" sz="3200" spc="-1" strike="noStrike">
+              <a:solidFill>
+                <a:srgbClr val="000000"/>
+              </a:solidFill>
+              <a:uFill>
+                <a:solidFill>
+                  <a:srgbClr val="ffffff"/>
+                </a:solidFill>
+              </a:uFill>
+              <a:latin typeface="Arial"/>
+            </a:endParaRPr>
+          </a:p>
+        </p:txBody>
+      </p:sp>
+      <p:sp>
+        <p:nvSpPr>
+          <p:cNvPr id="18" name="PlaceHolder 3"/>
           <p:cNvSpPr>
             <a:spLocks noGrp="1"/>
           </p:cNvSpPr>
@@ -2715,8 +3609,8 @@
         </p:nvSpPr>
         <p:spPr>
           <a:xfrm>
-            <a:off x="5063760" y="1980000"/>
-            <a:ext cx="4479480" cy="2232000"/>
+            <a:off x="5062680" y="1979280"/>
+            <a:ext cx="4478400" cy="2231280"/>
           </a:xfrm>
           <a:prstGeom prst="rect">
             <a:avLst/>
@@ -2725,23 +3619,23 @@
         <p:txBody>
           <a:bodyPr lIns="0" rIns="0" tIns="0" bIns="0"/>
           <a:p>
-            <a:endParaRPr b="1" lang="en-US" sz="2600" spc="-1" strike="noStrike">
-              <a:solidFill>
-                <a:srgbClr val="1c1c1c"/>
-              </a:solidFill>
-              <a:uFill>
-                <a:solidFill>
-                  <a:srgbClr val="ffffff"/>
-                </a:solidFill>
-              </a:uFill>
-              <a:latin typeface="Source Sans Pro Semibold"/>
-            </a:endParaRPr>
-          </a:p>
-        </p:txBody>
-      </p:sp>
-      <p:sp>
-        <p:nvSpPr>
-          <p:cNvPr id="25" name="PlaceHolder 4"/>
+            <a:endParaRPr b="0" lang="en-US" sz="3200" spc="-1" strike="noStrike">
+              <a:solidFill>
+                <a:srgbClr val="000000"/>
+              </a:solidFill>
+              <a:uFill>
+                <a:solidFill>
+                  <a:srgbClr val="ffffff"/>
+                </a:solidFill>
+              </a:uFill>
+              <a:latin typeface="Arial"/>
+            </a:endParaRPr>
+          </a:p>
+        </p:txBody>
+      </p:sp>
+      <p:sp>
+        <p:nvSpPr>
+          <p:cNvPr id="19" name="PlaceHolder 4"/>
           <p:cNvSpPr>
             <a:spLocks noGrp="1"/>
           </p:cNvSpPr>
@@ -2751,8 +3645,8 @@
         </p:nvSpPr>
         <p:spPr>
           <a:xfrm>
-            <a:off x="5063760" y="4424400"/>
-            <a:ext cx="4479480" cy="2232000"/>
+            <a:off x="5062680" y="4422960"/>
+            <a:ext cx="4478400" cy="2231280"/>
           </a:xfrm>
           <a:prstGeom prst="rect">
             <a:avLst/>
@@ -2761,16 +3655,16 @@
         <p:txBody>
           <a:bodyPr lIns="0" rIns="0" tIns="0" bIns="0"/>
           <a:p>
-            <a:endParaRPr b="1" lang="en-US" sz="2600" spc="-1" strike="noStrike">
-              <a:solidFill>
-                <a:srgbClr val="1c1c1c"/>
-              </a:solidFill>
-              <a:uFill>
-                <a:solidFill>
-                  <a:srgbClr val="ffffff"/>
-                </a:solidFill>
-              </a:uFill>
-              <a:latin typeface="Source Sans Pro Semibold"/>
+            <a:endParaRPr b="0" lang="en-US" sz="3200" spc="-1" strike="noStrike">
+              <a:solidFill>
+                <a:srgbClr val="000000"/>
+              </a:solidFill>
+              <a:uFill>
+                <a:solidFill>
+                  <a:srgbClr val="ffffff"/>
+                </a:solidFill>
+              </a:uFill>
+              <a:latin typeface="Arial"/>
             </a:endParaRPr>
           </a:p>
         </p:txBody>
@@ -2799,7 +3693,7 @@
       </p:grpSpPr>
       <p:sp>
         <p:nvSpPr>
-          <p:cNvPr id="26" name="PlaceHolder 1"/>
+          <p:cNvPr id="20" name="PlaceHolder 1"/>
           <p:cNvSpPr>
             <a:spLocks noGrp="1"/>
           </p:cNvSpPr>
@@ -2809,8 +3703,8 @@
         </p:nvSpPr>
         <p:spPr>
           <a:xfrm>
-            <a:off x="360000" y="360000"/>
-            <a:ext cx="9360000" cy="900000"/>
+            <a:off x="360000" y="360360"/>
+            <a:ext cx="9358200" cy="898560"/>
           </a:xfrm>
           <a:prstGeom prst="rect">
             <a:avLst/>
@@ -2819,23 +3713,24 @@
         <p:txBody>
           <a:bodyPr lIns="0" rIns="0" tIns="0" bIns="0" anchor="b"/>
           <a:p>
-            <a:endParaRPr b="1" lang="en-US" sz="3200" spc="-1" strike="noStrike">
-              <a:solidFill>
-                <a:srgbClr val="ffffff"/>
-              </a:solidFill>
-              <a:uFill>
-                <a:solidFill>
-                  <a:srgbClr val="ffffff"/>
-                </a:solidFill>
-              </a:uFill>
-              <a:latin typeface="Source Sans Pro Black"/>
-            </a:endParaRPr>
-          </a:p>
-        </p:txBody>
-      </p:sp>
-      <p:sp>
-        <p:nvSpPr>
-          <p:cNvPr id="27" name="PlaceHolder 2"/>
+            <a:pPr algn="ctr"/>
+            <a:endParaRPr b="0" lang="en-US" sz="4400" spc="-1" strike="noStrike">
+              <a:solidFill>
+                <a:srgbClr val="000000"/>
+              </a:solidFill>
+              <a:uFill>
+                <a:solidFill>
+                  <a:srgbClr val="ffffff"/>
+                </a:solidFill>
+              </a:uFill>
+              <a:latin typeface="Arial"/>
+            </a:endParaRPr>
+          </a:p>
+        </p:txBody>
+      </p:sp>
+      <p:sp>
+        <p:nvSpPr>
+          <p:cNvPr id="21" name="PlaceHolder 2"/>
           <p:cNvSpPr>
             <a:spLocks noGrp="1"/>
           </p:cNvSpPr>
@@ -2845,8 +3740,8 @@
         </p:nvSpPr>
         <p:spPr>
           <a:xfrm>
-            <a:off x="360000" y="1980000"/>
-            <a:ext cx="4479480" cy="2232000"/>
+            <a:off x="360000" y="1979280"/>
+            <a:ext cx="4478400" cy="2231280"/>
           </a:xfrm>
           <a:prstGeom prst="rect">
             <a:avLst/>
@@ -2855,23 +3750,23 @@
         <p:txBody>
           <a:bodyPr lIns="0" rIns="0" tIns="0" bIns="0"/>
           <a:p>
-            <a:endParaRPr b="1" lang="en-US" sz="2600" spc="-1" strike="noStrike">
-              <a:solidFill>
-                <a:srgbClr val="1c1c1c"/>
-              </a:solidFill>
-              <a:uFill>
-                <a:solidFill>
-                  <a:srgbClr val="ffffff"/>
-                </a:solidFill>
-              </a:uFill>
-              <a:latin typeface="Source Sans Pro Semibold"/>
-            </a:endParaRPr>
-          </a:p>
-        </p:txBody>
-      </p:sp>
-      <p:sp>
-        <p:nvSpPr>
-          <p:cNvPr id="28" name="PlaceHolder 3"/>
+            <a:endParaRPr b="0" lang="en-US" sz="3200" spc="-1" strike="noStrike">
+              <a:solidFill>
+                <a:srgbClr val="000000"/>
+              </a:solidFill>
+              <a:uFill>
+                <a:solidFill>
+                  <a:srgbClr val="ffffff"/>
+                </a:solidFill>
+              </a:uFill>
+              <a:latin typeface="Arial"/>
+            </a:endParaRPr>
+          </a:p>
+        </p:txBody>
+      </p:sp>
+      <p:sp>
+        <p:nvSpPr>
+          <p:cNvPr id="22" name="PlaceHolder 3"/>
           <p:cNvSpPr>
             <a:spLocks noGrp="1"/>
           </p:cNvSpPr>
@@ -2881,8 +3776,8 @@
         </p:nvSpPr>
         <p:spPr>
           <a:xfrm>
-            <a:off x="5063760" y="1980000"/>
-            <a:ext cx="4479480" cy="2232000"/>
+            <a:off x="5062680" y="1979280"/>
+            <a:ext cx="4478400" cy="2231280"/>
           </a:xfrm>
           <a:prstGeom prst="rect">
             <a:avLst/>
@@ -2891,23 +3786,23 @@
         <p:txBody>
           <a:bodyPr lIns="0" rIns="0" tIns="0" bIns="0"/>
           <a:p>
-            <a:endParaRPr b="1" lang="en-US" sz="2600" spc="-1" strike="noStrike">
-              <a:solidFill>
-                <a:srgbClr val="1c1c1c"/>
-              </a:solidFill>
-              <a:uFill>
-                <a:solidFill>
-                  <a:srgbClr val="ffffff"/>
-                </a:solidFill>
-              </a:uFill>
-              <a:latin typeface="Source Sans Pro Semibold"/>
-            </a:endParaRPr>
-          </a:p>
-        </p:txBody>
-      </p:sp>
-      <p:sp>
-        <p:nvSpPr>
-          <p:cNvPr id="29" name="PlaceHolder 4"/>
+            <a:endParaRPr b="0" lang="en-US" sz="3200" spc="-1" strike="noStrike">
+              <a:solidFill>
+                <a:srgbClr val="000000"/>
+              </a:solidFill>
+              <a:uFill>
+                <a:solidFill>
+                  <a:srgbClr val="ffffff"/>
+                </a:solidFill>
+              </a:uFill>
+              <a:latin typeface="Arial"/>
+            </a:endParaRPr>
+          </a:p>
+        </p:txBody>
+      </p:sp>
+      <p:sp>
+        <p:nvSpPr>
+          <p:cNvPr id="23" name="PlaceHolder 4"/>
           <p:cNvSpPr>
             <a:spLocks noGrp="1"/>
           </p:cNvSpPr>
@@ -2917,8 +3812,8 @@
         </p:nvSpPr>
         <p:spPr>
           <a:xfrm>
-            <a:off x="360000" y="4424400"/>
-            <a:ext cx="9180000" cy="2232000"/>
+            <a:off x="360000" y="4422960"/>
+            <a:ext cx="9177480" cy="2231280"/>
           </a:xfrm>
           <a:prstGeom prst="rect">
             <a:avLst/>
@@ -2927,16 +3822,16 @@
         <p:txBody>
           <a:bodyPr lIns="0" rIns="0" tIns="0" bIns="0"/>
           <a:p>
-            <a:endParaRPr b="1" lang="en-US" sz="2600" spc="-1" strike="noStrike">
-              <a:solidFill>
-                <a:srgbClr val="1c1c1c"/>
-              </a:solidFill>
-              <a:uFill>
-                <a:solidFill>
-                  <a:srgbClr val="ffffff"/>
-                </a:solidFill>
-              </a:uFill>
-              <a:latin typeface="Source Sans Pro Semibold"/>
+            <a:endParaRPr b="0" lang="en-US" sz="3200" spc="-1" strike="noStrike">
+              <a:solidFill>
+                <a:srgbClr val="000000"/>
+              </a:solidFill>
+              <a:uFill>
+                <a:solidFill>
+                  <a:srgbClr val="ffffff"/>
+                </a:solidFill>
+              </a:uFill>
+              <a:latin typeface="Arial"/>
             </a:endParaRPr>
           </a:p>
         </p:txBody>
@@ -2949,6 +3844,13 @@
 <file path=ppt/slideMasters/slideMaster1.xml><?xml version="1.0" encoding="utf-8"?>
 <p:sldMaster xmlns:a="http://schemas.openxmlformats.org/drawingml/2006/main" xmlns:p="http://schemas.openxmlformats.org/presentationml/2006/main" xmlns:r="http://schemas.openxmlformats.org/officeDocument/2006/relationships" xmlns:p14="http://schemas.microsoft.com/office/powerpoint/2010/main" xmlns:p15="http://schemas.microsoft.com/office/powerpoint/2012/main" xmlns:mc="http://schemas.openxmlformats.org/markup-compatibility/2006">
   <p:cSld>
+    <p:bg>
+      <p:bgPr>
+        <a:solidFill>
+          <a:srgbClr val="ffffff"/>
+        </a:solidFill>
+      </p:bgPr>
+    </p:bg>
     <p:spTree>
       <p:nvGrpSpPr>
         <p:cNvPr id="1" name=""/>
@@ -2971,8 +3873,8 @@
         </p:nvSpPr>
         <p:spPr>
           <a:xfrm>
-            <a:off x="0" y="180000"/>
-            <a:ext cx="9720000" cy="1260000"/>
+            <a:off x="0" y="3149640"/>
+            <a:ext cx="9720360" cy="1258920"/>
           </a:xfrm>
           <a:prstGeom prst="rect">
             <a:avLst/>
@@ -2980,7 +3882,7 @@
           <a:solidFill>
             <a:srgbClr val="e74c3c"/>
           </a:solidFill>
-          <a:ln w="72000">
+          <a:ln>
             <a:noFill/>
           </a:ln>
         </p:spPr>
@@ -2993,91 +3895,7 @@
       </p:sp>
       <p:sp>
         <p:nvSpPr>
-          <p:cNvPr id="1" name="CustomShape 2"/>
-          <p:cNvSpPr/>
-          <p:nvPr/>
-        </p:nvSpPr>
-        <p:spPr>
-          <a:xfrm>
-            <a:off x="7560000" y="6840000"/>
-            <a:ext cx="2520000" cy="540000"/>
-          </a:xfrm>
-          <a:prstGeom prst="rect">
-            <a:avLst/>
-          </a:prstGeom>
-          <a:solidFill>
-            <a:srgbClr val="e74c3c"/>
-          </a:solidFill>
-          <a:ln w="72000">
-            <a:noFill/>
-          </a:ln>
-        </p:spPr>
-        <p:style>
-          <a:lnRef idx="0"/>
-          <a:fillRef idx="0"/>
-          <a:effectRef idx="0"/>
-          <a:fontRef idx="minor"/>
-        </p:style>
-      </p:sp>
-      <p:sp>
-        <p:nvSpPr>
-          <p:cNvPr id="2" name="CustomShape 3"/>
-          <p:cNvSpPr/>
-          <p:nvPr/>
-        </p:nvSpPr>
-        <p:spPr>
-          <a:xfrm>
-            <a:off x="900000" y="6840000"/>
-            <a:ext cx="6480000" cy="540000"/>
-          </a:xfrm>
-          <a:prstGeom prst="rect">
-            <a:avLst/>
-          </a:prstGeom>
-          <a:solidFill>
-            <a:srgbClr val="bdc3c7"/>
-          </a:solidFill>
-          <a:ln w="72000">
-            <a:noFill/>
-          </a:ln>
-        </p:spPr>
-        <p:style>
-          <a:lnRef idx="0"/>
-          <a:fillRef idx="0"/>
-          <a:effectRef idx="0"/>
-          <a:fontRef idx="minor"/>
-        </p:style>
-      </p:sp>
-      <p:sp>
-        <p:nvSpPr>
-          <p:cNvPr id="3" name="CustomShape 4"/>
-          <p:cNvSpPr/>
-          <p:nvPr/>
-        </p:nvSpPr>
-        <p:spPr>
-          <a:xfrm>
-            <a:off x="180000" y="6840000"/>
-            <a:ext cx="540000" cy="540000"/>
-          </a:xfrm>
-          <a:prstGeom prst="rect">
-            <a:avLst/>
-          </a:prstGeom>
-          <a:solidFill>
-            <a:srgbClr val="f44336"/>
-          </a:solidFill>
-          <a:ln w="72000">
-            <a:noFill/>
-          </a:ln>
-        </p:spPr>
-        <p:style>
-          <a:lnRef idx="0"/>
-          <a:fillRef idx="0"/>
-          <a:effectRef idx="0"/>
-          <a:fontRef idx="minor"/>
-        </p:style>
-      </p:sp>
-      <p:sp>
-        <p:nvSpPr>
-          <p:cNvPr id="4" name="PlaceHolder 5"/>
+          <p:cNvPr id="1" name="PlaceHolder 2"/>
           <p:cNvSpPr>
             <a:spLocks noGrp="1"/>
           </p:cNvSpPr>
@@ -3087,8 +3905,8 @@
         </p:nvSpPr>
         <p:spPr>
           <a:xfrm>
-            <a:off x="360000" y="360000"/>
-            <a:ext cx="9360000" cy="900000"/>
+            <a:off x="360000" y="360360"/>
+            <a:ext cx="9358200" cy="898560"/>
           </a:xfrm>
           <a:prstGeom prst="rect">
             <a:avLst/>
@@ -3097,37 +3915,38 @@
         <p:txBody>
           <a:bodyPr lIns="0" rIns="0" tIns="0" bIns="0" anchor="b"/>
           <a:p>
+            <a:pPr algn="ctr"/>
             <a:r>
-              <a:rPr b="1" lang="en-US" sz="3200" spc="-1" strike="noStrike">
-                <a:solidFill>
-                  <a:srgbClr val="ffffff"/>
+              <a:rPr b="0" lang="en-US" sz="4400" spc="-1" strike="noStrike">
+                <a:solidFill>
+                  <a:srgbClr val="000000"/>
                 </a:solidFill>
                 <a:uFill>
                   <a:solidFill>
                     <a:srgbClr val="ffffff"/>
                   </a:solidFill>
                 </a:uFill>
-                <a:latin typeface="Source Sans Pro Black"/>
+                <a:latin typeface="Arial"/>
               </a:rPr>
               <a:t>Click to edit the title text format</a:t>
             </a:r>
-            <a:endParaRPr b="1" lang="en-US" sz="3200" spc="-1" strike="noStrike">
-              <a:solidFill>
-                <a:srgbClr val="ffffff"/>
-              </a:solidFill>
-              <a:uFill>
-                <a:solidFill>
-                  <a:srgbClr val="ffffff"/>
-                </a:solidFill>
-              </a:uFill>
-              <a:latin typeface="Source Sans Pro Black"/>
-            </a:endParaRPr>
-          </a:p>
-        </p:txBody>
-      </p:sp>
-      <p:sp>
-        <p:nvSpPr>
-          <p:cNvPr id="5" name="PlaceHolder 6"/>
+            <a:endParaRPr b="0" lang="en-US" sz="4400" spc="-1" strike="noStrike">
+              <a:solidFill>
+                <a:srgbClr val="000000"/>
+              </a:solidFill>
+              <a:uFill>
+                <a:solidFill>
+                  <a:srgbClr val="ffffff"/>
+                </a:solidFill>
+              </a:uFill>
+              <a:latin typeface="Arial"/>
+            </a:endParaRPr>
+          </a:p>
+        </p:txBody>
+      </p:sp>
+      <p:sp>
+        <p:nvSpPr>
+          <p:cNvPr id="2" name="PlaceHolder 3"/>
           <p:cNvSpPr>
             <a:spLocks noGrp="1"/>
           </p:cNvSpPr>
@@ -3137,361 +3956,239 @@
         </p:nvSpPr>
         <p:spPr>
           <a:xfrm>
-            <a:off x="360000" y="1980000"/>
-            <a:ext cx="9180000" cy="4680000"/>
-          </a:xfrm>
-          <a:prstGeom prst="rect">
-            <a:avLst/>
-          </a:prstGeom>
-        </p:spPr>
-        <p:txBody>
-          <a:bodyPr lIns="0" rIns="0" tIns="0" bIns="0"/>
-          <a:p>
-            <a:pPr/>
+            <a:off x="502920" y="1768320"/>
+            <a:ext cx="9070920" cy="4988160"/>
+          </a:xfrm>
+          <a:prstGeom prst="rect">
+            <a:avLst/>
+          </a:prstGeom>
+        </p:spPr>
+        <p:txBody>
+          <a:bodyPr lIns="0" rIns="0" tIns="28080" bIns="0"/>
+          <a:p>
+            <a:pPr marL="342720" indent="-342720"/>
             <a:r>
-              <a:rPr b="1" lang="en-US" sz="2600" spc="-1" strike="noStrike">
-                <a:solidFill>
-                  <a:srgbClr val="1c1c1c"/>
+              <a:rPr b="0" lang="en-US" sz="3200" spc="-1" strike="noStrike">
+                <a:solidFill>
+                  <a:srgbClr val="000000"/>
                 </a:solidFill>
                 <a:uFill>
                   <a:solidFill>
                     <a:srgbClr val="ffffff"/>
                   </a:solidFill>
                 </a:uFill>
-                <a:latin typeface="Source Sans Pro Semibold"/>
+                <a:latin typeface="Arial"/>
               </a:rPr>
               <a:t>Click to edit the outline text format</a:t>
             </a:r>
-            <a:endParaRPr b="1" lang="en-US" sz="2600" spc="-1" strike="noStrike">
-              <a:solidFill>
-                <a:srgbClr val="1c1c1c"/>
-              </a:solidFill>
-              <a:uFill>
-                <a:solidFill>
-                  <a:srgbClr val="ffffff"/>
-                </a:solidFill>
-              </a:uFill>
-              <a:latin typeface="Source Sans Pro Semibold"/>
-            </a:endParaRPr>
-          </a:p>
-          <a:p>
-            <a:pPr lvl="1" marL="288000"/>
+            <a:endParaRPr b="0" lang="en-US" sz="3200" spc="-1" strike="noStrike">
+              <a:solidFill>
+                <a:srgbClr val="000000"/>
+              </a:solidFill>
+              <a:uFill>
+                <a:solidFill>
+                  <a:srgbClr val="ffffff"/>
+                </a:solidFill>
+              </a:uFill>
+              <a:latin typeface="Arial"/>
+            </a:endParaRPr>
+          </a:p>
+          <a:p>
+            <a:pPr lvl="1" marL="742680" indent="-285480"/>
             <a:r>
-              <a:rPr b="0" lang="en-US" sz="2200" spc="-1" strike="noStrike">
-                <a:solidFill>
-                  <a:srgbClr val="1c1c1c"/>
+              <a:rPr b="0" lang="en-US" sz="2800" spc="-1" strike="noStrike">
+                <a:solidFill>
+                  <a:srgbClr val="000000"/>
                 </a:solidFill>
                 <a:uFill>
                   <a:solidFill>
                     <a:srgbClr val="ffffff"/>
                   </a:solidFill>
                 </a:uFill>
-                <a:latin typeface="Source Sans Pro Light"/>
+                <a:latin typeface="Arial"/>
               </a:rPr>
               <a:t>Second Outline Level</a:t>
             </a:r>
-            <a:endParaRPr b="0" lang="en-US" sz="2200" spc="-1" strike="noStrike">
-              <a:solidFill>
-                <a:srgbClr val="1c1c1c"/>
-              </a:solidFill>
-              <a:uFill>
-                <a:solidFill>
-                  <a:srgbClr val="ffffff"/>
-                </a:solidFill>
-              </a:uFill>
-              <a:latin typeface="Source Sans Pro Light"/>
-            </a:endParaRPr>
-          </a:p>
-          <a:p>
-            <a:pPr lvl="2" marL="576000"/>
+            <a:endParaRPr b="0" lang="en-US" sz="2800" spc="-1" strike="noStrike">
+              <a:solidFill>
+                <a:srgbClr val="000000"/>
+              </a:solidFill>
+              <a:uFill>
+                <a:solidFill>
+                  <a:srgbClr val="ffffff"/>
+                </a:solidFill>
+              </a:uFill>
+              <a:latin typeface="Arial"/>
+            </a:endParaRPr>
+          </a:p>
+          <a:p>
+            <a:pPr lvl="2" marL="1143000" indent="-228600">
+              <a:buClr>
+                <a:srgbClr val="000000"/>
+              </a:buClr>
+              <a:buFont typeface="Times New Roman"/>
+              <a:buChar char="•"/>
+            </a:pPr>
             <a:r>
-              <a:rPr b="0" lang="en-US" sz="1800" spc="-1" strike="noStrike">
-                <a:solidFill>
-                  <a:srgbClr val="1c1c1c"/>
+              <a:rPr b="0" lang="en-US" sz="2400" spc="-1" strike="noStrike">
+                <a:solidFill>
+                  <a:srgbClr val="000000"/>
                 </a:solidFill>
                 <a:uFill>
                   <a:solidFill>
                     <a:srgbClr val="ffffff"/>
                   </a:solidFill>
                 </a:uFill>
-                <a:latin typeface="Source Sans Pro Light"/>
+                <a:latin typeface="Arial"/>
               </a:rPr>
               <a:t>Third Outline Level</a:t>
             </a:r>
-            <a:endParaRPr b="0" lang="en-US" sz="1800" spc="-1" strike="noStrike">
-              <a:solidFill>
-                <a:srgbClr val="1c1c1c"/>
-              </a:solidFill>
-              <a:uFill>
-                <a:solidFill>
-                  <a:srgbClr val="ffffff"/>
-                </a:solidFill>
-              </a:uFill>
-              <a:latin typeface="Source Sans Pro Light"/>
-            </a:endParaRPr>
-          </a:p>
-          <a:p>
-            <a:pPr lvl="3" marL="864000"/>
+            <a:endParaRPr b="0" lang="en-US" sz="2400" spc="-1" strike="noStrike">
+              <a:solidFill>
+                <a:srgbClr val="000000"/>
+              </a:solidFill>
+              <a:uFill>
+                <a:solidFill>
+                  <a:srgbClr val="ffffff"/>
+                </a:solidFill>
+              </a:uFill>
+              <a:latin typeface="Arial"/>
+            </a:endParaRPr>
+          </a:p>
+          <a:p>
+            <a:pPr lvl="3" marL="1600200" indent="-228600">
+              <a:buClr>
+                <a:srgbClr val="000000"/>
+              </a:buClr>
+              <a:buFont typeface="Times New Roman"/>
+              <a:buChar char="–"/>
+            </a:pPr>
             <a:r>
-              <a:rPr b="0" lang="en-US" sz="1600" spc="-1" strike="noStrike">
-                <a:solidFill>
-                  <a:srgbClr val="1c1c1c"/>
+              <a:rPr b="0" lang="en-US" sz="2000" spc="-1" strike="noStrike">
+                <a:solidFill>
+                  <a:srgbClr val="000000"/>
                 </a:solidFill>
                 <a:uFill>
                   <a:solidFill>
                     <a:srgbClr val="ffffff"/>
                   </a:solidFill>
                 </a:uFill>
-                <a:latin typeface="Source Sans Pro Light"/>
+                <a:latin typeface="Arial"/>
               </a:rPr>
               <a:t>Fourth Outline Level</a:t>
             </a:r>
-            <a:endParaRPr b="0" lang="en-US" sz="1600" spc="-1" strike="noStrike">
-              <a:solidFill>
-                <a:srgbClr val="1c1c1c"/>
-              </a:solidFill>
-              <a:uFill>
-                <a:solidFill>
-                  <a:srgbClr val="ffffff"/>
-                </a:solidFill>
-              </a:uFill>
-              <a:latin typeface="Source Sans Pro Light"/>
-            </a:endParaRPr>
-          </a:p>
-          <a:p>
-            <a:pPr lvl="4" marL="1152000"/>
+            <a:endParaRPr b="0" lang="en-US" sz="2000" spc="-1" strike="noStrike">
+              <a:solidFill>
+                <a:srgbClr val="000000"/>
+              </a:solidFill>
+              <a:uFill>
+                <a:solidFill>
+                  <a:srgbClr val="ffffff"/>
+                </a:solidFill>
+              </a:uFill>
+              <a:latin typeface="Arial"/>
+            </a:endParaRPr>
+          </a:p>
+          <a:p>
+            <a:pPr lvl="4" marL="2057400" indent="-228600">
+              <a:buClr>
+                <a:srgbClr val="000000"/>
+              </a:buClr>
+              <a:buFont typeface="Times New Roman"/>
+              <a:buChar char="»"/>
+            </a:pPr>
             <a:r>
-              <a:rPr b="0" lang="en-US" sz="1600" spc="-1" strike="noStrike">
-                <a:solidFill>
-                  <a:srgbClr val="1c1c1c"/>
+              <a:rPr b="0" lang="en-US" sz="2000" spc="-1" strike="noStrike">
+                <a:solidFill>
+                  <a:srgbClr val="000000"/>
                 </a:solidFill>
                 <a:uFill>
                   <a:solidFill>
                     <a:srgbClr val="ffffff"/>
                   </a:solidFill>
                 </a:uFill>
-                <a:latin typeface="Source Sans Pro Light"/>
+                <a:latin typeface="Arial"/>
               </a:rPr>
               <a:t>Fifth Outline Level</a:t>
             </a:r>
-            <a:endParaRPr b="0" lang="en-US" sz="1600" spc="-1" strike="noStrike">
-              <a:solidFill>
-                <a:srgbClr val="1c1c1c"/>
-              </a:solidFill>
-              <a:uFill>
-                <a:solidFill>
-                  <a:srgbClr val="ffffff"/>
-                </a:solidFill>
-              </a:uFill>
-              <a:latin typeface="Source Sans Pro Light"/>
-            </a:endParaRPr>
-          </a:p>
-          <a:p>
-            <a:pPr lvl="5" marL="1440000"/>
+            <a:endParaRPr b="0" lang="en-US" sz="2000" spc="-1" strike="noStrike">
+              <a:solidFill>
+                <a:srgbClr val="000000"/>
+              </a:solidFill>
+              <a:uFill>
+                <a:solidFill>
+                  <a:srgbClr val="ffffff"/>
+                </a:solidFill>
+              </a:uFill>
+              <a:latin typeface="Arial"/>
+            </a:endParaRPr>
+          </a:p>
+          <a:p>
+            <a:pPr lvl="5" marL="2057400" indent="-228600">
+              <a:buClr>
+                <a:srgbClr val="000000"/>
+              </a:buClr>
+              <a:buFont typeface="Times New Roman"/>
+              <a:buChar char="»"/>
+            </a:pPr>
             <a:r>
-              <a:rPr b="0" lang="en-US" sz="1600" spc="-1" strike="noStrike">
-                <a:solidFill>
-                  <a:srgbClr val="1c1c1c"/>
+              <a:rPr b="0" lang="en-US" sz="2000" spc="-1" strike="noStrike">
+                <a:solidFill>
+                  <a:srgbClr val="000000"/>
                 </a:solidFill>
                 <a:uFill>
                   <a:solidFill>
                     <a:srgbClr val="ffffff"/>
                   </a:solidFill>
                 </a:uFill>
-                <a:latin typeface="Source Sans Pro Light"/>
+                <a:latin typeface="Arial"/>
               </a:rPr>
               <a:t>Sixth Outline Level</a:t>
             </a:r>
-            <a:endParaRPr b="0" lang="en-US" sz="1600" spc="-1" strike="noStrike">
-              <a:solidFill>
-                <a:srgbClr val="1c1c1c"/>
-              </a:solidFill>
-              <a:uFill>
-                <a:solidFill>
-                  <a:srgbClr val="ffffff"/>
-                </a:solidFill>
-              </a:uFill>
-              <a:latin typeface="Source Sans Pro Light"/>
-            </a:endParaRPr>
-          </a:p>
-          <a:p>
-            <a:pPr lvl="6" marL="1728000"/>
+            <a:endParaRPr b="0" lang="en-US" sz="2000" spc="-1" strike="noStrike">
+              <a:solidFill>
+                <a:srgbClr val="000000"/>
+              </a:solidFill>
+              <a:uFill>
+                <a:solidFill>
+                  <a:srgbClr val="ffffff"/>
+                </a:solidFill>
+              </a:uFill>
+              <a:latin typeface="Arial"/>
+            </a:endParaRPr>
+          </a:p>
+          <a:p>
+            <a:pPr lvl="6" marL="2057400" indent="-228600">
+              <a:buClr>
+                <a:srgbClr val="000000"/>
+              </a:buClr>
+              <a:buFont typeface="Times New Roman"/>
+              <a:buChar char="»"/>
+            </a:pPr>
             <a:r>
-              <a:rPr b="0" lang="en-US" sz="1600" spc="-1" strike="noStrike">
-                <a:solidFill>
-                  <a:srgbClr val="1c1c1c"/>
+              <a:rPr b="0" lang="en-US" sz="2000" spc="-1" strike="noStrike">
+                <a:solidFill>
+                  <a:srgbClr val="000000"/>
                 </a:solidFill>
                 <a:uFill>
                   <a:solidFill>
                     <a:srgbClr val="ffffff"/>
                   </a:solidFill>
                 </a:uFill>
-                <a:latin typeface="Source Sans Pro Light"/>
+                <a:latin typeface="Arial"/>
               </a:rPr>
               <a:t>Seventh Outline Level</a:t>
             </a:r>
-            <a:endParaRPr b="0" lang="en-US" sz="1600" spc="-1" strike="noStrike">
-              <a:solidFill>
-                <a:srgbClr val="1c1c1c"/>
-              </a:solidFill>
-              <a:uFill>
-                <a:solidFill>
-                  <a:srgbClr val="ffffff"/>
-                </a:solidFill>
-              </a:uFill>
-              <a:latin typeface="Source Sans Pro Light"/>
-            </a:endParaRPr>
-          </a:p>
-        </p:txBody>
-      </p:sp>
-      <p:sp>
-        <p:nvSpPr>
-          <p:cNvPr id="6" name="PlaceHolder 7"/>
-          <p:cNvSpPr>
-            <a:spLocks noGrp="1"/>
-          </p:cNvSpPr>
-          <p:nvPr>
-            <p:ph type="dt"/>
-          </p:nvPr>
-        </p:nvSpPr>
-        <p:spPr>
-          <a:xfrm>
-            <a:off x="7560000" y="6840000"/>
-            <a:ext cx="2340000" cy="540000"/>
-          </a:xfrm>
-          <a:prstGeom prst="rect">
-            <a:avLst/>
-          </a:prstGeom>
-        </p:spPr>
-        <p:txBody>
-          <a:bodyPr lIns="0" rIns="0" tIns="0" bIns="0" anchor="ctr"/>
-          <a:p>
-            <a:r>
-              <a:rPr b="1" lang="en-US" sz="1800" spc="-1" strike="noStrike">
-                <a:solidFill>
-                  <a:srgbClr val="ffffff"/>
-                </a:solidFill>
-                <a:uFill>
-                  <a:solidFill>
-                    <a:srgbClr val="ffffff"/>
-                  </a:solidFill>
-                </a:uFill>
-                <a:latin typeface="Source Sans Pro Black"/>
-              </a:rPr>
-              <a:t>&lt;date/time&gt;</a:t>
-            </a:r>
-            <a:endParaRPr b="1" lang="en-US" sz="1800" spc="-1" strike="noStrike">
-              <a:solidFill>
-                <a:srgbClr val="ffffff"/>
-              </a:solidFill>
-              <a:uFill>
-                <a:solidFill>
-                  <a:srgbClr val="ffffff"/>
-                </a:solidFill>
-              </a:uFill>
-              <a:latin typeface="Source Sans Pro Black"/>
-            </a:endParaRPr>
-          </a:p>
-        </p:txBody>
-      </p:sp>
-      <p:sp>
-        <p:nvSpPr>
-          <p:cNvPr id="7" name="PlaceHolder 8"/>
-          <p:cNvSpPr>
-            <a:spLocks noGrp="1"/>
-          </p:cNvSpPr>
-          <p:nvPr>
-            <p:ph type="ftr"/>
-          </p:nvPr>
-        </p:nvSpPr>
-        <p:spPr>
-          <a:xfrm>
-            <a:off x="1080000" y="6840000"/>
-            <a:ext cx="3240000" cy="540000"/>
-          </a:xfrm>
-          <a:prstGeom prst="rect">
-            <a:avLst/>
-          </a:prstGeom>
-        </p:spPr>
-        <p:txBody>
-          <a:bodyPr lIns="0" rIns="0" tIns="0" bIns="0" anchor="ctr"/>
-          <a:p>
-            <a:pPr algn="ctr"/>
-            <a:r>
-              <a:rPr b="1" lang="en-US" sz="1800" spc="-1" strike="noStrike">
-                <a:solidFill>
-                  <a:srgbClr val="ffffff"/>
-                </a:solidFill>
-                <a:uFill>
-                  <a:solidFill>
-                    <a:srgbClr val="ffffff"/>
-                  </a:solidFill>
-                </a:uFill>
-                <a:latin typeface="Source Sans Pro Black"/>
-              </a:rPr>
-              <a:t>&lt;footer&gt;</a:t>
-            </a:r>
-            <a:endParaRPr b="1" lang="en-US" sz="1800" spc="-1" strike="noStrike">
-              <a:solidFill>
-                <a:srgbClr val="ffffff"/>
-              </a:solidFill>
-              <a:uFill>
-                <a:solidFill>
-                  <a:srgbClr val="ffffff"/>
-                </a:solidFill>
-              </a:uFill>
-              <a:latin typeface="Source Sans Pro Black"/>
-            </a:endParaRPr>
-          </a:p>
-        </p:txBody>
-      </p:sp>
-      <p:sp>
-        <p:nvSpPr>
-          <p:cNvPr id="8" name="PlaceHolder 9"/>
-          <p:cNvSpPr>
-            <a:spLocks noGrp="1"/>
-          </p:cNvSpPr>
-          <p:nvPr>
-            <p:ph type="sldNum"/>
-          </p:nvPr>
-        </p:nvSpPr>
-        <p:spPr>
-          <a:xfrm>
-            <a:off x="180000" y="6840000"/>
-            <a:ext cx="540000" cy="540000"/>
-          </a:xfrm>
-          <a:prstGeom prst="rect">
-            <a:avLst/>
-          </a:prstGeom>
-        </p:spPr>
-        <p:txBody>
-          <a:bodyPr lIns="0" rIns="0" tIns="0" bIns="0" anchor="ctr"/>
-          <a:p>
-            <a:pPr algn="ctr"/>
-            <a:fld id="{E1E933D8-7E65-4E10-9FBA-4E1F38BAA605}" type="slidenum">
-              <a:rPr b="1" lang="en-US" sz="1800" spc="-1" strike="noStrike">
-                <a:solidFill>
-                  <a:srgbClr val="ffffff"/>
-                </a:solidFill>
-                <a:uFill>
-                  <a:solidFill>
-                    <a:srgbClr val="ffffff"/>
-                  </a:solidFill>
-                </a:uFill>
-                <a:latin typeface="Source Sans Pro Black"/>
-              </a:rPr>
-              <a:t>&lt;number&gt;</a:t>
-            </a:fld>
-            <a:endParaRPr b="1" lang="en-US" sz="1800" spc="-1" strike="noStrike">
-              <a:solidFill>
-                <a:srgbClr val="ffffff"/>
-              </a:solidFill>
-              <a:uFill>
-                <a:solidFill>
-                  <a:srgbClr val="ffffff"/>
-                </a:solidFill>
-              </a:uFill>
-              <a:latin typeface="Source Sans Pro Black"/>
+            <a:endParaRPr b="0" lang="en-US" sz="2000" spc="-1" strike="noStrike">
+              <a:solidFill>
+                <a:srgbClr val="000000"/>
+              </a:solidFill>
+              <a:uFill>
+                <a:solidFill>
+                  <a:srgbClr val="ffffff"/>
+                </a:solidFill>
+              </a:uFill>
+              <a:latin typeface="Arial"/>
             </a:endParaRPr>
           </a:p>
         </p:txBody>
@@ -3519,6 +4216,13 @@
 <file path=ppt/slideMasters/slideMaster2.xml><?xml version="1.0" encoding="utf-8"?>
 <p:sldMaster xmlns:a="http://schemas.openxmlformats.org/drawingml/2006/main" xmlns:p="http://schemas.openxmlformats.org/presentationml/2006/main" xmlns:r="http://schemas.openxmlformats.org/officeDocument/2006/relationships" xmlns:p14="http://schemas.microsoft.com/office/powerpoint/2010/main" xmlns:p15="http://schemas.microsoft.com/office/powerpoint/2012/main" xmlns:mc="http://schemas.openxmlformats.org/markup-compatibility/2006">
   <p:cSld>
+    <p:bg>
+      <p:bgPr>
+        <a:solidFill>
+          <a:srgbClr val="ffffff"/>
+        </a:solidFill>
+      </p:bgPr>
+    </p:bg>
     <p:spTree>
       <p:nvGrpSpPr>
         <p:cNvPr id="1" name=""/>
@@ -3535,14 +4239,14 @@
       </p:grpSpPr>
       <p:sp>
         <p:nvSpPr>
-          <p:cNvPr id="43" name="CustomShape 1"/>
+          <p:cNvPr id="37" name="CustomShape 1"/>
           <p:cNvSpPr/>
           <p:nvPr/>
         </p:nvSpPr>
         <p:spPr>
           <a:xfrm>
-            <a:off x="0" y="3150000"/>
-            <a:ext cx="9720000" cy="1260000"/>
+            <a:off x="0" y="179280"/>
+            <a:ext cx="9720360" cy="1258920"/>
           </a:xfrm>
           <a:prstGeom prst="rect">
             <a:avLst/>
@@ -3563,7 +4267,91 @@
       </p:sp>
       <p:sp>
         <p:nvSpPr>
-          <p:cNvPr id="44" name="PlaceHolder 2"/>
+          <p:cNvPr id="38" name="CustomShape 2"/>
+          <p:cNvSpPr/>
+          <p:nvPr/>
+        </p:nvSpPr>
+        <p:spPr>
+          <a:xfrm>
+            <a:off x="7559640" y="6840360"/>
+            <a:ext cx="2519280" cy="540000"/>
+          </a:xfrm>
+          <a:prstGeom prst="rect">
+            <a:avLst/>
+          </a:prstGeom>
+          <a:solidFill>
+            <a:srgbClr val="e74c3c"/>
+          </a:solidFill>
+          <a:ln>
+            <a:noFill/>
+          </a:ln>
+        </p:spPr>
+        <p:style>
+          <a:lnRef idx="0"/>
+          <a:fillRef idx="0"/>
+          <a:effectRef idx="0"/>
+          <a:fontRef idx="minor"/>
+        </p:style>
+      </p:sp>
+      <p:sp>
+        <p:nvSpPr>
+          <p:cNvPr id="39" name="CustomShape 3"/>
+          <p:cNvSpPr/>
+          <p:nvPr/>
+        </p:nvSpPr>
+        <p:spPr>
+          <a:xfrm>
+            <a:off x="900000" y="6840360"/>
+            <a:ext cx="6480360" cy="540000"/>
+          </a:xfrm>
+          <a:prstGeom prst="rect">
+            <a:avLst/>
+          </a:prstGeom>
+          <a:solidFill>
+            <a:srgbClr val="bdc3c7"/>
+          </a:solidFill>
+          <a:ln>
+            <a:noFill/>
+          </a:ln>
+        </p:spPr>
+        <p:style>
+          <a:lnRef idx="0"/>
+          <a:fillRef idx="0"/>
+          <a:effectRef idx="0"/>
+          <a:fontRef idx="minor"/>
+        </p:style>
+      </p:sp>
+      <p:sp>
+        <p:nvSpPr>
+          <p:cNvPr id="40" name="CustomShape 4"/>
+          <p:cNvSpPr/>
+          <p:nvPr/>
+        </p:nvSpPr>
+        <p:spPr>
+          <a:xfrm>
+            <a:off x="179280" y="6840360"/>
+            <a:ext cx="540000" cy="540000"/>
+          </a:xfrm>
+          <a:prstGeom prst="rect">
+            <a:avLst/>
+          </a:prstGeom>
+          <a:solidFill>
+            <a:srgbClr val="f44336"/>
+          </a:solidFill>
+          <a:ln>
+            <a:noFill/>
+          </a:ln>
+        </p:spPr>
+        <p:style>
+          <a:lnRef idx="0"/>
+          <a:fillRef idx="0"/>
+          <a:effectRef idx="0"/>
+          <a:fontRef idx="minor"/>
+        </p:style>
+      </p:sp>
+      <p:sp>
+        <p:nvSpPr>
+          <p:cNvPr id="41" name="PlaceHolder 5"/>
           <p:cNvSpPr>
             <a:spLocks noGrp="1"/>
           </p:cNvSpPr>
@@ -3573,8 +4361,8 @@
         </p:nvSpPr>
         <p:spPr>
           <a:xfrm>
-            <a:off x="360000" y="3330000"/>
-            <a:ext cx="9360000" cy="900000"/>
+            <a:off x="360000" y="360360"/>
+            <a:ext cx="9358200" cy="898560"/>
           </a:xfrm>
           <a:prstGeom prst="rect">
             <a:avLst/>
@@ -3583,37 +4371,38 @@
         <p:txBody>
           <a:bodyPr lIns="0" rIns="0" tIns="0" bIns="0" anchor="b"/>
           <a:p>
+            <a:pPr algn="ctr"/>
             <a:r>
-              <a:rPr b="1" lang="en-US" sz="3200" spc="-1" strike="noStrike">
-                <a:solidFill>
-                  <a:srgbClr val="ffffff"/>
+              <a:rPr b="0" lang="en-US" sz="4400" spc="-1" strike="noStrike">
+                <a:solidFill>
+                  <a:srgbClr val="000000"/>
                 </a:solidFill>
                 <a:uFill>
                   <a:solidFill>
                     <a:srgbClr val="ffffff"/>
                   </a:solidFill>
                 </a:uFill>
-                <a:latin typeface="Source Sans Pro Black"/>
+                <a:latin typeface="Arial"/>
               </a:rPr>
               <a:t>Click to edit the title text format</a:t>
             </a:r>
-            <a:endParaRPr b="1" lang="en-US" sz="3200" spc="-1" strike="noStrike">
-              <a:solidFill>
-                <a:srgbClr val="ffffff"/>
-              </a:solidFill>
-              <a:uFill>
-                <a:solidFill>
-                  <a:srgbClr val="ffffff"/>
-                </a:solidFill>
-              </a:uFill>
-              <a:latin typeface="Source Sans Pro Black"/>
-            </a:endParaRPr>
-          </a:p>
-        </p:txBody>
-      </p:sp>
-      <p:sp>
-        <p:nvSpPr>
-          <p:cNvPr id="45" name="PlaceHolder 3"/>
+            <a:endParaRPr b="0" lang="en-US" sz="4400" spc="-1" strike="noStrike">
+              <a:solidFill>
+                <a:srgbClr val="000000"/>
+              </a:solidFill>
+              <a:uFill>
+                <a:solidFill>
+                  <a:srgbClr val="ffffff"/>
+                </a:solidFill>
+              </a:uFill>
+              <a:latin typeface="Arial"/>
+            </a:endParaRPr>
+          </a:p>
+        </p:txBody>
+      </p:sp>
+      <p:sp>
+        <p:nvSpPr>
+          <p:cNvPr id="42" name="PlaceHolder 6"/>
           <p:cNvSpPr>
             <a:spLocks noGrp="1"/>
           </p:cNvSpPr>
@@ -3623,8 +4412,8 @@
         </p:nvSpPr>
         <p:spPr>
           <a:xfrm>
-            <a:off x="540000" y="4680000"/>
-            <a:ext cx="9180000" cy="2520000"/>
+            <a:off x="360000" y="1979280"/>
+            <a:ext cx="9177480" cy="4678200"/>
           </a:xfrm>
           <a:prstGeom prst="rect">
             <a:avLst/>
@@ -3633,351 +4422,229 @@
         <p:txBody>
           <a:bodyPr lIns="0" rIns="0" tIns="0" bIns="0"/>
           <a:p>
-            <a:pPr/>
+            <a:pPr marL="342720" indent="-342720"/>
             <a:r>
-              <a:rPr b="1" lang="en-US" sz="2600" spc="-1" strike="noStrike">
-                <a:solidFill>
-                  <a:srgbClr val="1c1c1c"/>
+              <a:rPr b="0" lang="en-US" sz="3200" spc="-1" strike="noStrike">
+                <a:solidFill>
+                  <a:srgbClr val="000000"/>
                 </a:solidFill>
                 <a:uFill>
                   <a:solidFill>
                     <a:srgbClr val="ffffff"/>
                   </a:solidFill>
                 </a:uFill>
-                <a:latin typeface="Source Sans Pro Semibold"/>
+                <a:latin typeface="Arial"/>
               </a:rPr>
               <a:t>Click to edit the outline text format</a:t>
             </a:r>
-            <a:endParaRPr b="1" lang="en-US" sz="2600" spc="-1" strike="noStrike">
-              <a:solidFill>
-                <a:srgbClr val="1c1c1c"/>
-              </a:solidFill>
-              <a:uFill>
-                <a:solidFill>
-                  <a:srgbClr val="ffffff"/>
-                </a:solidFill>
-              </a:uFill>
-              <a:latin typeface="Source Sans Pro Semibold"/>
-            </a:endParaRPr>
-          </a:p>
-          <a:p>
-            <a:pPr lvl="1" marL="288000"/>
+            <a:endParaRPr b="0" lang="en-US" sz="3200" spc="-1" strike="noStrike">
+              <a:solidFill>
+                <a:srgbClr val="000000"/>
+              </a:solidFill>
+              <a:uFill>
+                <a:solidFill>
+                  <a:srgbClr val="ffffff"/>
+                </a:solidFill>
+              </a:uFill>
+              <a:latin typeface="Arial"/>
+            </a:endParaRPr>
+          </a:p>
+          <a:p>
+            <a:pPr lvl="1" marL="742680" indent="-285480"/>
             <a:r>
-              <a:rPr b="0" lang="en-US" sz="2200" spc="-1" strike="noStrike">
-                <a:solidFill>
-                  <a:srgbClr val="1c1c1c"/>
+              <a:rPr b="0" lang="en-US" sz="2800" spc="-1" strike="noStrike">
+                <a:solidFill>
+                  <a:srgbClr val="000000"/>
                 </a:solidFill>
                 <a:uFill>
                   <a:solidFill>
                     <a:srgbClr val="ffffff"/>
                   </a:solidFill>
                 </a:uFill>
-                <a:latin typeface="Source Sans Pro Light"/>
+                <a:latin typeface="Arial"/>
               </a:rPr>
               <a:t>Second Outline Level</a:t>
             </a:r>
-            <a:endParaRPr b="0" lang="en-US" sz="2200" spc="-1" strike="noStrike">
-              <a:solidFill>
-                <a:srgbClr val="1c1c1c"/>
-              </a:solidFill>
-              <a:uFill>
-                <a:solidFill>
-                  <a:srgbClr val="ffffff"/>
-                </a:solidFill>
-              </a:uFill>
-              <a:latin typeface="Source Sans Pro Light"/>
-            </a:endParaRPr>
-          </a:p>
-          <a:p>
-            <a:pPr lvl="2" marL="576000"/>
+            <a:endParaRPr b="0" lang="en-US" sz="2800" spc="-1" strike="noStrike">
+              <a:solidFill>
+                <a:srgbClr val="000000"/>
+              </a:solidFill>
+              <a:uFill>
+                <a:solidFill>
+                  <a:srgbClr val="ffffff"/>
+                </a:solidFill>
+              </a:uFill>
+              <a:latin typeface="Arial"/>
+            </a:endParaRPr>
+          </a:p>
+          <a:p>
+            <a:pPr lvl="2" marL="1143000" indent="-228600">
+              <a:buClr>
+                <a:srgbClr val="000000"/>
+              </a:buClr>
+              <a:buFont typeface="Times New Roman"/>
+              <a:buChar char="•"/>
+            </a:pPr>
             <a:r>
-              <a:rPr b="0" lang="en-US" sz="1800" spc="-1" strike="noStrike">
-                <a:solidFill>
-                  <a:srgbClr val="1c1c1c"/>
+              <a:rPr b="0" lang="en-US" sz="2400" spc="-1" strike="noStrike">
+                <a:solidFill>
+                  <a:srgbClr val="000000"/>
                 </a:solidFill>
                 <a:uFill>
                   <a:solidFill>
                     <a:srgbClr val="ffffff"/>
                   </a:solidFill>
                 </a:uFill>
-                <a:latin typeface="Source Sans Pro Light"/>
+                <a:latin typeface="Arial"/>
               </a:rPr>
               <a:t>Third Outline Level</a:t>
             </a:r>
-            <a:endParaRPr b="0" lang="en-US" sz="1800" spc="-1" strike="noStrike">
-              <a:solidFill>
-                <a:srgbClr val="1c1c1c"/>
-              </a:solidFill>
-              <a:uFill>
-                <a:solidFill>
-                  <a:srgbClr val="ffffff"/>
-                </a:solidFill>
-              </a:uFill>
-              <a:latin typeface="Source Sans Pro Light"/>
-            </a:endParaRPr>
-          </a:p>
-          <a:p>
-            <a:pPr lvl="3" marL="864000"/>
+            <a:endParaRPr b="0" lang="en-US" sz="2400" spc="-1" strike="noStrike">
+              <a:solidFill>
+                <a:srgbClr val="000000"/>
+              </a:solidFill>
+              <a:uFill>
+                <a:solidFill>
+                  <a:srgbClr val="ffffff"/>
+                </a:solidFill>
+              </a:uFill>
+              <a:latin typeface="Arial"/>
+            </a:endParaRPr>
+          </a:p>
+          <a:p>
+            <a:pPr lvl="3" marL="1600200" indent="-228600">
+              <a:buClr>
+                <a:srgbClr val="000000"/>
+              </a:buClr>
+              <a:buFont typeface="Times New Roman"/>
+              <a:buChar char="–"/>
+            </a:pPr>
             <a:r>
-              <a:rPr b="0" lang="en-US" sz="1600" spc="-1" strike="noStrike">
-                <a:solidFill>
-                  <a:srgbClr val="1c1c1c"/>
+              <a:rPr b="0" lang="en-US" sz="2000" spc="-1" strike="noStrike">
+                <a:solidFill>
+                  <a:srgbClr val="000000"/>
                 </a:solidFill>
                 <a:uFill>
                   <a:solidFill>
                     <a:srgbClr val="ffffff"/>
                   </a:solidFill>
                 </a:uFill>
-                <a:latin typeface="Source Sans Pro Light"/>
+                <a:latin typeface="Arial"/>
               </a:rPr>
               <a:t>Fourth Outline Level</a:t>
             </a:r>
-            <a:endParaRPr b="0" lang="en-US" sz="1600" spc="-1" strike="noStrike">
-              <a:solidFill>
-                <a:srgbClr val="1c1c1c"/>
-              </a:solidFill>
-              <a:uFill>
-                <a:solidFill>
-                  <a:srgbClr val="ffffff"/>
-                </a:solidFill>
-              </a:uFill>
-              <a:latin typeface="Source Sans Pro Light"/>
-            </a:endParaRPr>
-          </a:p>
-          <a:p>
-            <a:pPr lvl="4" marL="1152000"/>
+            <a:endParaRPr b="0" lang="en-US" sz="2000" spc="-1" strike="noStrike">
+              <a:solidFill>
+                <a:srgbClr val="000000"/>
+              </a:solidFill>
+              <a:uFill>
+                <a:solidFill>
+                  <a:srgbClr val="ffffff"/>
+                </a:solidFill>
+              </a:uFill>
+              <a:latin typeface="Arial"/>
+            </a:endParaRPr>
+          </a:p>
+          <a:p>
+            <a:pPr lvl="4" marL="2057400" indent="-228600">
+              <a:buClr>
+                <a:srgbClr val="000000"/>
+              </a:buClr>
+              <a:buFont typeface="Times New Roman"/>
+              <a:buChar char="»"/>
+            </a:pPr>
             <a:r>
-              <a:rPr b="0" lang="en-US" sz="1600" spc="-1" strike="noStrike">
-                <a:solidFill>
-                  <a:srgbClr val="1c1c1c"/>
+              <a:rPr b="0" lang="en-US" sz="2000" spc="-1" strike="noStrike">
+                <a:solidFill>
+                  <a:srgbClr val="000000"/>
                 </a:solidFill>
                 <a:uFill>
                   <a:solidFill>
                     <a:srgbClr val="ffffff"/>
                   </a:solidFill>
                 </a:uFill>
-                <a:latin typeface="Source Sans Pro Light"/>
+                <a:latin typeface="Arial"/>
               </a:rPr>
               <a:t>Fifth Outline Level</a:t>
             </a:r>
-            <a:endParaRPr b="0" lang="en-US" sz="1600" spc="-1" strike="noStrike">
-              <a:solidFill>
-                <a:srgbClr val="1c1c1c"/>
-              </a:solidFill>
-              <a:uFill>
-                <a:solidFill>
-                  <a:srgbClr val="ffffff"/>
-                </a:solidFill>
-              </a:uFill>
-              <a:latin typeface="Source Sans Pro Light"/>
-            </a:endParaRPr>
-          </a:p>
-          <a:p>
-            <a:pPr lvl="5" marL="1440000"/>
+            <a:endParaRPr b="0" lang="en-US" sz="2000" spc="-1" strike="noStrike">
+              <a:solidFill>
+                <a:srgbClr val="000000"/>
+              </a:solidFill>
+              <a:uFill>
+                <a:solidFill>
+                  <a:srgbClr val="ffffff"/>
+                </a:solidFill>
+              </a:uFill>
+              <a:latin typeface="Arial"/>
+            </a:endParaRPr>
+          </a:p>
+          <a:p>
+            <a:pPr lvl="5" marL="2057400" indent="-228600">
+              <a:buClr>
+                <a:srgbClr val="000000"/>
+              </a:buClr>
+              <a:buFont typeface="Times New Roman"/>
+              <a:buChar char="»"/>
+            </a:pPr>
             <a:r>
-              <a:rPr b="0" lang="en-US" sz="1600" spc="-1" strike="noStrike">
-                <a:solidFill>
-                  <a:srgbClr val="1c1c1c"/>
+              <a:rPr b="0" lang="en-US" sz="2000" spc="-1" strike="noStrike">
+                <a:solidFill>
+                  <a:srgbClr val="000000"/>
                 </a:solidFill>
                 <a:uFill>
                   <a:solidFill>
                     <a:srgbClr val="ffffff"/>
                   </a:solidFill>
                 </a:uFill>
-                <a:latin typeface="Source Sans Pro Light"/>
+                <a:latin typeface="Arial"/>
               </a:rPr>
               <a:t>Sixth Outline Level</a:t>
             </a:r>
-            <a:endParaRPr b="0" lang="en-US" sz="1600" spc="-1" strike="noStrike">
-              <a:solidFill>
-                <a:srgbClr val="1c1c1c"/>
-              </a:solidFill>
-              <a:uFill>
-                <a:solidFill>
-                  <a:srgbClr val="ffffff"/>
-                </a:solidFill>
-              </a:uFill>
-              <a:latin typeface="Source Sans Pro Light"/>
-            </a:endParaRPr>
-          </a:p>
-          <a:p>
-            <a:pPr lvl="6" marL="1728000"/>
+            <a:endParaRPr b="0" lang="en-US" sz="2000" spc="-1" strike="noStrike">
+              <a:solidFill>
+                <a:srgbClr val="000000"/>
+              </a:solidFill>
+              <a:uFill>
+                <a:solidFill>
+                  <a:srgbClr val="ffffff"/>
+                </a:solidFill>
+              </a:uFill>
+              <a:latin typeface="Arial"/>
+            </a:endParaRPr>
+          </a:p>
+          <a:p>
+            <a:pPr lvl="6" marL="2057400" indent="-228600">
+              <a:buClr>
+                <a:srgbClr val="000000"/>
+              </a:buClr>
+              <a:buFont typeface="Times New Roman"/>
+              <a:buChar char="»"/>
+            </a:pPr>
             <a:r>
-              <a:rPr b="0" lang="en-US" sz="1600" spc="-1" strike="noStrike">
-                <a:solidFill>
-                  <a:srgbClr val="1c1c1c"/>
+              <a:rPr b="0" lang="en-US" sz="2000" spc="-1" strike="noStrike">
+                <a:solidFill>
+                  <a:srgbClr val="000000"/>
                 </a:solidFill>
                 <a:uFill>
                   <a:solidFill>
                     <a:srgbClr val="ffffff"/>
                   </a:solidFill>
                 </a:uFill>
-                <a:latin typeface="Source Sans Pro Light"/>
+                <a:latin typeface="Arial"/>
               </a:rPr>
               <a:t>Seventh Outline Level</a:t>
             </a:r>
-            <a:endParaRPr b="0" lang="en-US" sz="1600" spc="-1" strike="noStrike">
-              <a:solidFill>
-                <a:srgbClr val="1c1c1c"/>
-              </a:solidFill>
-              <a:uFill>
-                <a:solidFill>
-                  <a:srgbClr val="ffffff"/>
-                </a:solidFill>
-              </a:uFill>
-              <a:latin typeface="Source Sans Pro Light"/>
-            </a:endParaRPr>
-          </a:p>
-        </p:txBody>
-      </p:sp>
-      <p:sp>
-        <p:nvSpPr>
-          <p:cNvPr id="46" name="PlaceHolder 4"/>
-          <p:cNvSpPr>
-            <a:spLocks noGrp="1"/>
-          </p:cNvSpPr>
-          <p:nvPr>
-            <p:ph type="dt"/>
-          </p:nvPr>
-        </p:nvSpPr>
-        <p:spPr>
-          <a:xfrm>
-            <a:off x="7560000" y="6840000"/>
-            <a:ext cx="2340000" cy="540000"/>
-          </a:xfrm>
-          <a:prstGeom prst="rect">
-            <a:avLst/>
-          </a:prstGeom>
-        </p:spPr>
-        <p:txBody>
-          <a:bodyPr lIns="0" rIns="0" tIns="0" bIns="0" anchor="ctr"/>
-          <a:p>
-            <a:r>
-              <a:rPr b="1" lang="en-US" sz="1800" spc="-1" strike="noStrike">
-                <a:solidFill>
-                  <a:srgbClr val="ffffff"/>
-                </a:solidFill>
-                <a:uFill>
-                  <a:solidFill>
-                    <a:srgbClr val="ffffff"/>
-                  </a:solidFill>
-                </a:uFill>
-                <a:latin typeface="Source Sans Pro Black"/>
-              </a:rPr>
-              <a:t> </a:t>
-            </a:r>
-            <a:endParaRPr b="1" lang="en-US" sz="1800" spc="-1" strike="noStrike">
-              <a:solidFill>
-                <a:srgbClr val="ffffff"/>
-              </a:solidFill>
-              <a:uFill>
-                <a:solidFill>
-                  <a:srgbClr val="ffffff"/>
-                </a:solidFill>
-              </a:uFill>
-              <a:latin typeface="Source Sans Pro Black"/>
-            </a:endParaRPr>
-          </a:p>
-        </p:txBody>
-      </p:sp>
-      <p:sp>
-        <p:nvSpPr>
-          <p:cNvPr id="47" name="PlaceHolder 5"/>
-          <p:cNvSpPr>
-            <a:spLocks noGrp="1"/>
-          </p:cNvSpPr>
-          <p:nvPr>
-            <p:ph type="ftr"/>
-          </p:nvPr>
-        </p:nvSpPr>
-        <p:spPr>
-          <a:xfrm>
-            <a:off x="1080000" y="6840000"/>
-            <a:ext cx="3240000" cy="540000"/>
-          </a:xfrm>
-          <a:prstGeom prst="rect">
-            <a:avLst/>
-          </a:prstGeom>
-        </p:spPr>
-        <p:txBody>
-          <a:bodyPr lIns="0" rIns="0" tIns="0" bIns="0" anchor="ctr"/>
-          <a:p>
-            <a:pPr algn="ctr"/>
-            <a:r>
-              <a:rPr b="1" lang="en-US" sz="1800" spc="-1" strike="noStrike">
-                <a:solidFill>
-                  <a:srgbClr val="ffffff"/>
-                </a:solidFill>
-                <a:uFill>
-                  <a:solidFill>
-                    <a:srgbClr val="ffffff"/>
-                  </a:solidFill>
-                </a:uFill>
-                <a:latin typeface="Source Sans Pro Black"/>
-              </a:rPr>
-              <a:t> </a:t>
-            </a:r>
-            <a:endParaRPr b="1" lang="en-US" sz="1800" spc="-1" strike="noStrike">
-              <a:solidFill>
-                <a:srgbClr val="ffffff"/>
-              </a:solidFill>
-              <a:uFill>
-                <a:solidFill>
-                  <a:srgbClr val="ffffff"/>
-                </a:solidFill>
-              </a:uFill>
-              <a:latin typeface="Source Sans Pro Black"/>
-            </a:endParaRPr>
-          </a:p>
-        </p:txBody>
-      </p:sp>
-      <p:sp>
-        <p:nvSpPr>
-          <p:cNvPr id="48" name="PlaceHolder 6"/>
-          <p:cNvSpPr>
-            <a:spLocks noGrp="1"/>
-          </p:cNvSpPr>
-          <p:nvPr>
-            <p:ph type="sldNum"/>
-          </p:nvPr>
-        </p:nvSpPr>
-        <p:spPr>
-          <a:xfrm>
-            <a:off x="180000" y="6840000"/>
-            <a:ext cx="540000" cy="540000"/>
-          </a:xfrm>
-          <a:prstGeom prst="rect">
-            <a:avLst/>
-          </a:prstGeom>
-        </p:spPr>
-        <p:txBody>
-          <a:bodyPr lIns="0" rIns="0" tIns="0" bIns="0"/>
-          <a:p>
-            <a:pPr algn="r"/>
-            <a:fld id="{B2A6578E-8D62-47C3-B5EE-B53700451F51}" type="slidenum">
-              <a:rPr b="1" lang="en-US" sz="1800" spc="-1" strike="noStrike">
-                <a:solidFill>
-                  <a:srgbClr val="ffffff"/>
-                </a:solidFill>
-                <a:uFill>
-                  <a:solidFill>
-                    <a:srgbClr val="ffffff"/>
-                  </a:solidFill>
-                </a:uFill>
-                <a:latin typeface="Source Sans Pro Black"/>
-              </a:rPr>
-              <a:t>1</a:t>
-            </a:fld>
-            <a:endParaRPr b="1" lang="en-US" sz="1800" spc="-1" strike="noStrike">
-              <a:solidFill>
-                <a:srgbClr val="ffffff"/>
-              </a:solidFill>
-              <a:uFill>
-                <a:solidFill>
-                  <a:srgbClr val="ffffff"/>
-                </a:solidFill>
-              </a:uFill>
-              <a:latin typeface="Source Sans Pro Black"/>
+            <a:endParaRPr b="0" lang="en-US" sz="2000" spc="-1" strike="noStrike">
+              <a:solidFill>
+                <a:srgbClr val="000000"/>
+              </a:solidFill>
+              <a:uFill>
+                <a:solidFill>
+                  <a:srgbClr val="ffffff"/>
+                </a:solidFill>
+              </a:uFill>
+              <a:latin typeface="Arial"/>
             </a:endParaRPr>
           </a:p>
         </p:txBody>
@@ -4005,6 +4672,13 @@
 <file path=ppt/slides/slide1.xml><?xml version="1.0" encoding="utf-8"?>
 <p:sld xmlns:a="http://schemas.openxmlformats.org/drawingml/2006/main" xmlns:p="http://schemas.openxmlformats.org/presentationml/2006/main" xmlns:r="http://schemas.openxmlformats.org/officeDocument/2006/relationships" xmlns:p14="http://schemas.microsoft.com/office/powerpoint/2010/main" xmlns:p15="http://schemas.microsoft.com/office/powerpoint/2012/main" xmlns:mc="http://schemas.openxmlformats.org/markup-compatibility/2006">
   <p:cSld>
+    <p:bg>
+      <p:bgPr>
+        <a:solidFill>
+          <a:srgbClr val="ffffff"/>
+        </a:solidFill>
+      </p:bgPr>
+    </p:bg>
     <p:spTree>
       <p:nvGrpSpPr>
         <p:cNvPr id="1" name=""/>
@@ -4021,13 +4695,13 @@
       </p:grpSpPr>
       <p:sp>
         <p:nvSpPr>
-          <p:cNvPr id="83" name="TextShape 1"/>
-          <p:cNvSpPr txBox="1"/>
+          <p:cNvPr id="83" name="CustomShape 1"/>
+          <p:cNvSpPr/>
           <p:nvPr/>
         </p:nvSpPr>
         <p:spPr>
           <a:xfrm>
-            <a:off x="360000" y="3330000"/>
+            <a:off x="360360" y="3330720"/>
             <a:ext cx="9360000" cy="900000"/>
           </a:xfrm>
           <a:prstGeom prst="rect">
@@ -4038,9 +4712,20 @@
             <a:noFill/>
           </a:ln>
         </p:spPr>
+        <p:style>
+          <a:lnRef idx="0"/>
+          <a:fillRef idx="0"/>
+          <a:effectRef idx="0"/>
+          <a:fontRef idx="minor"/>
+        </p:style>
         <p:txBody>
           <a:bodyPr lIns="0" rIns="0" tIns="0" bIns="0" anchor="b"/>
           <a:p>
+            <a:pPr>
+              <a:lnSpc>
+                <a:spcPct val="100000"/>
+              </a:lnSpc>
+            </a:pPr>
             <a:r>
               <a:rPr b="1" lang="en-US" sz="3200" spc="-1" strike="noStrike">
                 <a:solidFill>
@@ -4055,30 +4740,30 @@
               </a:rPr>
               <a:t>Automatic Machine Knitting of 3D Meshes</a:t>
             </a:r>
-            <a:endParaRPr b="1" lang="en-US" sz="3200" spc="-1" strike="noStrike">
-              <a:solidFill>
-                <a:srgbClr val="ffffff"/>
-              </a:solidFill>
-              <a:uFill>
-                <a:solidFill>
-                  <a:srgbClr val="ffffff"/>
-                </a:solidFill>
-              </a:uFill>
-              <a:latin typeface="Source Sans Pro Black"/>
-            </a:endParaRPr>
-          </a:p>
-        </p:txBody>
-      </p:sp>
-      <p:sp>
-        <p:nvSpPr>
-          <p:cNvPr id="84" name="TextShape 2"/>
-          <p:cNvSpPr txBox="1"/>
+            <a:endParaRPr b="0" lang="en-US" sz="1800" spc="-1" strike="noStrike">
+              <a:solidFill>
+                <a:srgbClr val="000000"/>
+              </a:solidFill>
+              <a:uFill>
+                <a:solidFill>
+                  <a:srgbClr val="ffffff"/>
+                </a:solidFill>
+              </a:uFill>
+              <a:latin typeface="Arial"/>
+            </a:endParaRPr>
+          </a:p>
+        </p:txBody>
+      </p:sp>
+      <p:sp>
+        <p:nvSpPr>
+          <p:cNvPr id="84" name="CustomShape 2"/>
+          <p:cNvSpPr/>
           <p:nvPr/>
         </p:nvSpPr>
         <p:spPr>
           <a:xfrm>
-            <a:off x="540000" y="4680000"/>
-            <a:ext cx="9180000" cy="2520000"/>
+            <a:off x="539640" y="4680000"/>
+            <a:ext cx="9178920" cy="2519280"/>
           </a:xfrm>
           <a:prstGeom prst="rect">
             <a:avLst/>
@@ -4088,22 +4773,52 @@
             <a:noFill/>
           </a:ln>
         </p:spPr>
+        <p:style>
+          <a:lnRef idx="0"/>
+          <a:fillRef idx="0"/>
+          <a:effectRef idx="0"/>
+          <a:fontRef idx="minor"/>
+        </p:style>
         <p:txBody>
           <a:bodyPr lIns="0" rIns="0" tIns="0" bIns="0"/>
           <a:p>
-            <a:endParaRPr b="0" lang="en-US" sz="2200" spc="-1" strike="noStrike">
-              <a:solidFill>
-                <a:srgbClr val="1c1c1c"/>
-              </a:solidFill>
-              <a:uFill>
-                <a:solidFill>
-                  <a:srgbClr val="ffffff"/>
-                </a:solidFill>
-              </a:uFill>
-              <a:latin typeface="Source Sans Pro Light"/>
-            </a:endParaRPr>
-          </a:p>
-          <a:p>
+            <a:pPr>
+              <a:lnSpc>
+                <a:spcPct val="100000"/>
+              </a:lnSpc>
+            </a:pPr>
+            <a:r>
+              <a:rPr b="0" lang="en-US" sz="2200" spc="-1" strike="noStrike">
+                <a:solidFill>
+                  <a:srgbClr val="1c1c1c"/>
+                </a:solidFill>
+                <a:uFill>
+                  <a:solidFill>
+                    <a:srgbClr val="ffffff"/>
+                  </a:solidFill>
+                </a:uFill>
+                <a:latin typeface="Source Sans Pro Light"/>
+              </a:rPr>
+              <a:t> </a:t>
+            </a:r>
+            <a:endParaRPr b="0" lang="en-US" sz="1800" spc="-1" strike="noStrike">
+              <a:solidFill>
+                <a:srgbClr val="000000"/>
+              </a:solidFill>
+              <a:uFill>
+                <a:solidFill>
+                  <a:srgbClr val="ffffff"/>
+                </a:solidFill>
+              </a:uFill>
+              <a:latin typeface="Arial"/>
+            </a:endParaRPr>
+          </a:p>
+          <a:p>
+            <a:pPr>
+              <a:lnSpc>
+                <a:spcPct val="100000"/>
+              </a:lnSpc>
+            </a:pPr>
             <a:r>
               <a:rPr b="0" lang="en-US" sz="2200" spc="-1" strike="noStrike">
                 <a:solidFill>
@@ -4118,19 +4833,24 @@
               </a:rPr>
               <a:t>Presentation of “Automatic Machine Knitting of 3D Meshes” by Narayan, Albaugh, Hodgins, Coros and McCann</a:t>
             </a:r>
-            <a:endParaRPr b="0" lang="en-US" sz="2200" spc="-1" strike="noStrike">
-              <a:solidFill>
-                <a:srgbClr val="1c1c1c"/>
-              </a:solidFill>
-              <a:uFill>
-                <a:solidFill>
-                  <a:srgbClr val="ffffff"/>
-                </a:solidFill>
-              </a:uFill>
-              <a:latin typeface="Source Sans Pro Light"/>
-            </a:endParaRPr>
-          </a:p>
-          <a:p>
+            <a:endParaRPr b="0" lang="en-US" sz="1800" spc="-1" strike="noStrike">
+              <a:solidFill>
+                <a:srgbClr val="000000"/>
+              </a:solidFill>
+              <a:uFill>
+                <a:solidFill>
+                  <a:srgbClr val="ffffff"/>
+                </a:solidFill>
+              </a:uFill>
+              <a:latin typeface="Arial"/>
+            </a:endParaRPr>
+          </a:p>
+          <a:p>
+            <a:pPr>
+              <a:lnSpc>
+                <a:spcPct val="100000"/>
+              </a:lnSpc>
+            </a:pPr>
             <a:r>
               <a:rPr b="0" lang="en-US" sz="2200" spc="-1" strike="noStrike">
                 <a:solidFill>
@@ -4145,32 +4865,56 @@
               </a:rPr>
               <a:t>Published in ACM Transactions on Graphics (TOG), 08/2018, Volume 37, Issue 3</a:t>
             </a:r>
-            <a:endParaRPr b="0" lang="en-US" sz="2200" spc="-1" strike="noStrike">
-              <a:solidFill>
-                <a:srgbClr val="1c1c1c"/>
-              </a:solidFill>
-              <a:uFill>
-                <a:solidFill>
-                  <a:srgbClr val="ffffff"/>
-                </a:solidFill>
-              </a:uFill>
-              <a:latin typeface="Source Sans Pro Light"/>
-            </a:endParaRPr>
-          </a:p>
-          <a:p>
-            <a:endParaRPr b="0" lang="en-US" sz="2200" spc="-1" strike="noStrike">
-              <a:solidFill>
-                <a:srgbClr val="1c1c1c"/>
-              </a:solidFill>
-              <a:uFill>
-                <a:solidFill>
-                  <a:srgbClr val="ffffff"/>
-                </a:solidFill>
-              </a:uFill>
-              <a:latin typeface="Source Sans Pro Light"/>
-            </a:endParaRPr>
-          </a:p>
-          <a:p>
+            <a:endParaRPr b="0" lang="en-US" sz="1800" spc="-1" strike="noStrike">
+              <a:solidFill>
+                <a:srgbClr val="000000"/>
+              </a:solidFill>
+              <a:uFill>
+                <a:solidFill>
+                  <a:srgbClr val="ffffff"/>
+                </a:solidFill>
+              </a:uFill>
+              <a:latin typeface="Arial"/>
+            </a:endParaRPr>
+          </a:p>
+          <a:p>
+            <a:pPr>
+              <a:lnSpc>
+                <a:spcPct val="100000"/>
+              </a:lnSpc>
+            </a:pPr>
+            <a:r>
+              <a:rPr b="0" lang="en-US" sz="2200" spc="-1" strike="noStrike">
+                <a:solidFill>
+                  <a:srgbClr val="1c1c1c"/>
+                </a:solidFill>
+                <a:uFill>
+                  <a:solidFill>
+                    <a:srgbClr val="ffffff"/>
+                  </a:solidFill>
+                </a:uFill>
+                <a:latin typeface="Source Sans Pro Light"/>
+              </a:rPr>
+              <a:t> </a:t>
+            </a:r>
+            <a:endParaRPr b="0" lang="en-US" sz="1800" spc="-1" strike="noStrike">
+              <a:solidFill>
+                <a:srgbClr val="000000"/>
+              </a:solidFill>
+              <a:uFill>
+                <a:solidFill>
+                  <a:srgbClr val="ffffff"/>
+                </a:solidFill>
+              </a:uFill>
+              <a:latin typeface="Arial"/>
+            </a:endParaRPr>
+          </a:p>
+          <a:p>
+            <a:pPr>
+              <a:lnSpc>
+                <a:spcPct val="100000"/>
+              </a:lnSpc>
+            </a:pPr>
             <a:r>
               <a:rPr b="0" lang="en-US" sz="2200" spc="-1" strike="noStrike">
                 <a:solidFill>
@@ -4185,29 +4929,48 @@
               </a:rPr>
               <a:t>Summary for class CS536, by Joseph Heenan </a:t>
             </a:r>
-            <a:endParaRPr b="0" lang="en-US" sz="2200" spc="-1" strike="noStrike">
-              <a:solidFill>
-                <a:srgbClr val="1c1c1c"/>
-              </a:solidFill>
-              <a:uFill>
-                <a:solidFill>
-                  <a:srgbClr val="ffffff"/>
-                </a:solidFill>
-              </a:uFill>
-              <a:latin typeface="Source Sans Pro Light"/>
-            </a:endParaRPr>
-          </a:p>
-          <a:p>
-            <a:endParaRPr b="0" lang="en-US" sz="2200" spc="-1" strike="noStrike">
-              <a:solidFill>
-                <a:srgbClr val="1c1c1c"/>
-              </a:solidFill>
-              <a:uFill>
-                <a:solidFill>
-                  <a:srgbClr val="ffffff"/>
-                </a:solidFill>
-              </a:uFill>
-              <a:latin typeface="Source Sans Pro Light"/>
+            <a:endParaRPr b="0" lang="en-US" sz="1800" spc="-1" strike="noStrike">
+              <a:solidFill>
+                <a:srgbClr val="000000"/>
+              </a:solidFill>
+              <a:uFill>
+                <a:solidFill>
+                  <a:srgbClr val="ffffff"/>
+                </a:solidFill>
+              </a:uFill>
+              <a:latin typeface="Arial"/>
+            </a:endParaRPr>
+          </a:p>
+          <a:p>
+            <a:pPr>
+              <a:lnSpc>
+                <a:spcPct val="100000"/>
+              </a:lnSpc>
+            </a:pPr>
+            <a:r>
+              <a:rPr b="0" lang="en-US" sz="2200" spc="-1" strike="noStrike">
+                <a:solidFill>
+                  <a:srgbClr val="1c1c1c"/>
+                </a:solidFill>
+                <a:uFill>
+                  <a:solidFill>
+                    <a:srgbClr val="ffffff"/>
+                  </a:solidFill>
+                </a:uFill>
+                <a:latin typeface="Source Sans Pro Light"/>
+              </a:rPr>
+              <a:t> </a:t>
+            </a:r>
+            <a:endParaRPr b="0" lang="en-US" sz="1800" spc="-1" strike="noStrike">
+              <a:solidFill>
+                <a:srgbClr val="000000"/>
+              </a:solidFill>
+              <a:uFill>
+                <a:solidFill>
+                  <a:srgbClr val="ffffff"/>
+                </a:solidFill>
+              </a:uFill>
+              <a:latin typeface="Arial"/>
             </a:endParaRPr>
           </a:p>
         </p:txBody>
@@ -4220,7 +4983,7 @@
         <p:cTn id="1" dur="indefinite" restart="never" nodeType="tmRoot">
           <p:childTnLst>
             <p:seq>
-              <p:cTn id="2" nodeType="mainSeq"/>
+              <p:cTn id="2" dur="indefinite" nodeType="mainSeq"/>
               <p:prevCondLst>
                 <p:cond delay="0" evt="onPrev">
                   <p:tgtEl>
@@ -4247,6 +5010,13 @@
 <file path=ppt/slides/slide10.xml><?xml version="1.0" encoding="utf-8"?>
 <p:sld xmlns:a="http://schemas.openxmlformats.org/drawingml/2006/main" xmlns:p="http://schemas.openxmlformats.org/presentationml/2006/main" xmlns:r="http://schemas.openxmlformats.org/officeDocument/2006/relationships" xmlns:p14="http://schemas.microsoft.com/office/powerpoint/2010/main" xmlns:p15="http://schemas.microsoft.com/office/powerpoint/2012/main" xmlns:mc="http://schemas.openxmlformats.org/markup-compatibility/2006">
   <p:cSld>
+    <p:bg>
+      <p:bgPr>
+        <a:solidFill>
+          <a:srgbClr val="ffffff"/>
+        </a:solidFill>
+      </p:bgPr>
+    </p:bg>
     <p:spTree>
       <p:nvGrpSpPr>
         <p:cNvPr id="1" name=""/>
@@ -4263,13 +5033,13 @@
       </p:grpSpPr>
       <p:sp>
         <p:nvSpPr>
-          <p:cNvPr id="110" name="TextShape 1"/>
-          <p:cNvSpPr txBox="1"/>
+          <p:cNvPr id="110" name="CustomShape 1"/>
+          <p:cNvSpPr/>
           <p:nvPr/>
         </p:nvSpPr>
         <p:spPr>
           <a:xfrm>
-            <a:off x="360000" y="360000"/>
+            <a:off x="360360" y="360360"/>
             <a:ext cx="9360000" cy="900000"/>
           </a:xfrm>
           <a:prstGeom prst="rect">
@@ -4280,9 +5050,20 @@
             <a:noFill/>
           </a:ln>
         </p:spPr>
+        <p:style>
+          <a:lnRef idx="0"/>
+          <a:fillRef idx="0"/>
+          <a:effectRef idx="0"/>
+          <a:fontRef idx="minor"/>
+        </p:style>
         <p:txBody>
           <a:bodyPr lIns="0" rIns="0" tIns="0" bIns="0" anchor="b"/>
           <a:p>
+            <a:pPr>
+              <a:lnSpc>
+                <a:spcPct val="100000"/>
+              </a:lnSpc>
+            </a:pPr>
             <a:r>
               <a:rPr b="1" lang="en-US" sz="3200" spc="-1" strike="noStrike">
                 <a:solidFill>
@@ -4297,30 +5078,30 @@
               </a:rPr>
               <a:t>Overview of Implementation (continued)</a:t>
             </a:r>
-            <a:endParaRPr b="1" lang="en-US" sz="3200" spc="-1" strike="noStrike">
-              <a:solidFill>
-                <a:srgbClr val="ffffff"/>
-              </a:solidFill>
-              <a:uFill>
-                <a:solidFill>
-                  <a:srgbClr val="ffffff"/>
-                </a:solidFill>
-              </a:uFill>
-              <a:latin typeface="Source Sans Pro Black"/>
-            </a:endParaRPr>
-          </a:p>
-        </p:txBody>
-      </p:sp>
-      <p:sp>
-        <p:nvSpPr>
-          <p:cNvPr id="111" name="TextShape 2"/>
-          <p:cNvSpPr txBox="1"/>
+            <a:endParaRPr b="0" lang="en-US" sz="1800" spc="-1" strike="noStrike">
+              <a:solidFill>
+                <a:srgbClr val="000000"/>
+              </a:solidFill>
+              <a:uFill>
+                <a:solidFill>
+                  <a:srgbClr val="ffffff"/>
+                </a:solidFill>
+              </a:uFill>
+              <a:latin typeface="Arial"/>
+            </a:endParaRPr>
+          </a:p>
+        </p:txBody>
+      </p:sp>
+      <p:sp>
+        <p:nvSpPr>
+          <p:cNvPr id="111" name="CustomShape 2"/>
+          <p:cNvSpPr/>
           <p:nvPr/>
         </p:nvSpPr>
         <p:spPr>
           <a:xfrm>
-            <a:off x="457200" y="1645920"/>
-            <a:ext cx="9180000" cy="4680000"/>
+            <a:off x="457200" y="1646280"/>
+            <a:ext cx="9178920" cy="4680000"/>
           </a:xfrm>
           <a:prstGeom prst="rect">
             <a:avLst/>
@@ -4330,10 +5111,20 @@
             <a:noFill/>
           </a:ln>
         </p:spPr>
+        <p:style>
+          <a:lnRef idx="0"/>
+          <a:fillRef idx="0"/>
+          <a:effectRef idx="0"/>
+          <a:fontRef idx="minor"/>
+        </p:style>
         <p:txBody>
           <a:bodyPr lIns="0" rIns="0" tIns="0" bIns="0"/>
           <a:p>
-            <a:pPr/>
+            <a:pPr>
+              <a:lnSpc>
+                <a:spcPct val="100000"/>
+              </a:lnSpc>
+            </a:pPr>
             <a:r>
               <a:rPr b="1" lang="en-US" sz="2600" spc="-1" strike="noStrike">
                 <a:solidFill>
@@ -4348,20 +5139,24 @@
               </a:rPr>
               <a:t>Struct Parameters specifies width of desired stitch</a:t>
             </a:r>
-            <a:endParaRPr b="1" lang="en-US" sz="2600" spc="-1" strike="noStrike">
-              <a:solidFill>
-                <a:srgbClr val="1c1c1c"/>
-              </a:solidFill>
-              <a:uFill>
-                <a:solidFill>
-                  <a:srgbClr val="ffffff"/>
-                </a:solidFill>
-              </a:uFill>
-              <a:latin typeface="Source Sans Pro Semibold"/>
-            </a:endParaRPr>
-          </a:p>
-          <a:p>
-            <a:pPr/>
+            <a:endParaRPr b="0" lang="en-US" sz="1800" spc="-1" strike="noStrike">
+              <a:solidFill>
+                <a:srgbClr val="000000"/>
+              </a:solidFill>
+              <a:uFill>
+                <a:solidFill>
+                  <a:srgbClr val="ffffff"/>
+                </a:solidFill>
+              </a:uFill>
+              <a:latin typeface="Arial"/>
+            </a:endParaRPr>
+          </a:p>
+          <a:p>
+            <a:pPr>
+              <a:lnSpc>
+                <a:spcPct val="100000"/>
+              </a:lnSpc>
+            </a:pPr>
             <a:r>
               <a:rPr b="1" lang="en-US" sz="2600" spc="-1" strike="noStrike">
                 <a:solidFill>
@@ -4376,20 +5171,24 @@
               </a:rPr>
               <a:t>A struct Stitch represents one stitch around the tube surface of a garment, e.g. around the level set of an intersecting plane</a:t>
             </a:r>
-            <a:endParaRPr b="1" lang="en-US" sz="2600" spc="-1" strike="noStrike">
-              <a:solidFill>
-                <a:srgbClr val="1c1c1c"/>
-              </a:solidFill>
-              <a:uFill>
-                <a:solidFill>
-                  <a:srgbClr val="ffffff"/>
-                </a:solidFill>
-              </a:uFill>
-              <a:latin typeface="Source Sans Pro Semibold"/>
-            </a:endParaRPr>
-          </a:p>
-          <a:p>
-            <a:pPr/>
+            <a:endParaRPr b="0" lang="en-US" sz="1800" spc="-1" strike="noStrike">
+              <a:solidFill>
+                <a:srgbClr val="000000"/>
+              </a:solidFill>
+              <a:uFill>
+                <a:solidFill>
+                  <a:srgbClr val="ffffff"/>
+                </a:solidFill>
+              </a:uFill>
+              <a:latin typeface="Arial"/>
+            </a:endParaRPr>
+          </a:p>
+          <a:p>
+            <a:pPr>
+              <a:lnSpc>
+                <a:spcPct val="100000"/>
+              </a:lnSpc>
+            </a:pPr>
             <a:r>
               <a:rPr b="1" lang="en-US" sz="2600" spc="-1" strike="noStrike">
                 <a:solidFill>
@@ -4404,20 +5203,24 @@
               </a:rPr>
               <a:t>trim_model removes any chains that cross on themselves as opposed to ending at a starting vertix</a:t>
             </a:r>
-            <a:endParaRPr b="1" lang="en-US" sz="2600" spc="-1" strike="noStrike">
-              <a:solidFill>
-                <a:srgbClr val="1c1c1c"/>
-              </a:solidFill>
-              <a:uFill>
-                <a:solidFill>
-                  <a:srgbClr val="ffffff"/>
-                </a:solidFill>
-              </a:uFill>
-              <a:latin typeface="Source Sans Pro Semibold"/>
-            </a:endParaRPr>
-          </a:p>
-          <a:p>
-            <a:pPr/>
+            <a:endParaRPr b="0" lang="en-US" sz="1800" spc="-1" strike="noStrike">
+              <a:solidFill>
+                <a:srgbClr val="000000"/>
+              </a:solidFill>
+              <a:uFill>
+                <a:solidFill>
+                  <a:srgbClr val="ffffff"/>
+                </a:solidFill>
+              </a:uFill>
+              <a:latin typeface="Arial"/>
+            </a:endParaRPr>
+          </a:p>
+          <a:p>
+            <a:pPr>
+              <a:lnSpc>
+                <a:spcPct val="100000"/>
+              </a:lnSpc>
+            </a:pPr>
             <a:r>
               <a:rPr b="1" lang="en-US" sz="2600" spc="-1" strike="noStrike">
                 <a:solidFill>
@@ -4432,20 +5235,24 @@
               </a:rPr>
               <a:t>Software is itself only partially documented, but represents great potential.</a:t>
             </a:r>
-            <a:endParaRPr b="1" lang="en-US" sz="2600" spc="-1" strike="noStrike">
-              <a:solidFill>
-                <a:srgbClr val="1c1c1c"/>
-              </a:solidFill>
-              <a:uFill>
-                <a:solidFill>
-                  <a:srgbClr val="ffffff"/>
-                </a:solidFill>
-              </a:uFill>
-              <a:latin typeface="Source Sans Pro Semibold"/>
-            </a:endParaRPr>
-          </a:p>
-          <a:p>
-            <a:pPr/>
+            <a:endParaRPr b="0" lang="en-US" sz="1800" spc="-1" strike="noStrike">
+              <a:solidFill>
+                <a:srgbClr val="000000"/>
+              </a:solidFill>
+              <a:uFill>
+                <a:solidFill>
+                  <a:srgbClr val="ffffff"/>
+                </a:solidFill>
+              </a:uFill>
+              <a:latin typeface="Arial"/>
+            </a:endParaRPr>
+          </a:p>
+          <a:p>
+            <a:pPr>
+              <a:lnSpc>
+                <a:spcPct val="100000"/>
+              </a:lnSpc>
+            </a:pPr>
             <a:r>
               <a:rPr b="1" lang="en-US" sz="2600" spc="-1" strike="noStrike">
                 <a:solidFill>
@@ -4460,16 +5267,16 @@
               </a:rPr>
               <a:t> </a:t>
             </a:r>
-            <a:endParaRPr b="1" lang="en-US" sz="2600" spc="-1" strike="noStrike">
-              <a:solidFill>
-                <a:srgbClr val="1c1c1c"/>
-              </a:solidFill>
-              <a:uFill>
-                <a:solidFill>
-                  <a:srgbClr val="ffffff"/>
-                </a:solidFill>
-              </a:uFill>
-              <a:latin typeface="Source Sans Pro Semibold"/>
+            <a:endParaRPr b="0" lang="en-US" sz="1800" spc="-1" strike="noStrike">
+              <a:solidFill>
+                <a:srgbClr val="000000"/>
+              </a:solidFill>
+              <a:uFill>
+                <a:solidFill>
+                  <a:srgbClr val="ffffff"/>
+                </a:solidFill>
+              </a:uFill>
+              <a:latin typeface="Arial"/>
             </a:endParaRPr>
           </a:p>
         </p:txBody>
@@ -4482,7 +5289,811 @@
         <p:cTn id="19" dur="indefinite" restart="never" nodeType="tmRoot">
           <p:childTnLst>
             <p:seq>
-              <p:cTn id="20" nodeType="mainSeq"/>
+              <p:cTn id="20" dur="indefinite" nodeType="mainSeq"/>
+              <p:prevCondLst>
+                <p:cond delay="0" evt="onPrev">
+                  <p:tgtEl>
+                    <p:sldTgt/>
+                  </p:tgtEl>
+                </p:cond>
+              </p:prevCondLst>
+              <p:nextCondLst>
+                <p:cond delay="0" evt="onNext">
+                  <p:tgtEl>
+                    <p:sldTgt/>
+                  </p:tgtEl>
+                </p:cond>
+              </p:nextCondLst>
+            </p:seq>
+          </p:childTnLst>
+        </p:cTn>
+      </p:par>
+    </p:tnLst>
+  </p:timing>
+</p:sld>
+</file>
+
+<file path=ppt/slides/slide11.xml><?xml version="1.0" encoding="utf-8"?>
+<p:sld xmlns:a="http://schemas.openxmlformats.org/drawingml/2006/main" xmlns:p="http://schemas.openxmlformats.org/presentationml/2006/main" xmlns:r="http://schemas.openxmlformats.org/officeDocument/2006/relationships" xmlns:p14="http://schemas.microsoft.com/office/powerpoint/2010/main" xmlns:p15="http://schemas.microsoft.com/office/powerpoint/2012/main" xmlns:mc="http://schemas.openxmlformats.org/markup-compatibility/2006">
+  <p:cSld>
+    <p:bg>
+      <p:bgPr>
+        <a:solidFill>
+          <a:srgbClr val="ffffff"/>
+        </a:solidFill>
+      </p:bgPr>
+    </p:bg>
+    <p:spTree>
+      <p:nvGrpSpPr>
+        <p:cNvPr id="1" name=""/>
+        <p:cNvGrpSpPr/>
+        <p:nvPr/>
+      </p:nvGrpSpPr>
+      <p:grpSpPr>
+        <a:xfrm>
+          <a:off x="0" y="0"/>
+          <a:ext cx="0" cy="0"/>
+          <a:chOff x="0" y="0"/>
+          <a:chExt cx="0" cy="0"/>
+        </a:xfrm>
+      </p:grpSpPr>
+      <p:sp>
+        <p:nvSpPr>
+          <p:cNvPr id="112" name="CustomShape 1"/>
+          <p:cNvSpPr/>
+          <p:nvPr/>
+        </p:nvSpPr>
+        <p:spPr>
+          <a:xfrm>
+            <a:off x="360360" y="360360"/>
+            <a:ext cx="9360000" cy="900000"/>
+          </a:xfrm>
+          <a:prstGeom prst="rect">
+            <a:avLst/>
+          </a:prstGeom>
+          <a:noFill/>
+          <a:ln>
+            <a:noFill/>
+          </a:ln>
+        </p:spPr>
+        <p:style>
+          <a:lnRef idx="0"/>
+          <a:fillRef idx="0"/>
+          <a:effectRef idx="0"/>
+          <a:fontRef idx="minor"/>
+        </p:style>
+        <p:txBody>
+          <a:bodyPr lIns="0" rIns="0" tIns="0" bIns="0" anchor="b"/>
+          <a:p>
+            <a:pPr>
+              <a:lnSpc>
+                <a:spcPct val="100000"/>
+              </a:lnSpc>
+            </a:pPr>
+            <a:r>
+              <a:rPr b="1" lang="en-US" sz="3200" spc="-1" strike="noStrike">
+                <a:solidFill>
+                  <a:srgbClr val="ffffff"/>
+                </a:solidFill>
+                <a:uFill>
+                  <a:solidFill>
+                    <a:srgbClr val="ffffff"/>
+                  </a:solidFill>
+                </a:uFill>
+                <a:latin typeface="Source Sans Pro Black"/>
+              </a:rPr>
+              <a:t>Walkthru of Software – Timing Nodes</a:t>
+            </a:r>
+            <a:endParaRPr b="0" lang="en-US" sz="1800" spc="-1" strike="noStrike">
+              <a:solidFill>
+                <a:srgbClr val="000000"/>
+              </a:solidFill>
+              <a:uFill>
+                <a:solidFill>
+                  <a:srgbClr val="ffffff"/>
+                </a:solidFill>
+              </a:uFill>
+              <a:latin typeface="Arial"/>
+            </a:endParaRPr>
+          </a:p>
+        </p:txBody>
+      </p:sp>
+      <p:sp>
+        <p:nvSpPr>
+          <p:cNvPr id="113" name="CustomShape 2"/>
+          <p:cNvSpPr/>
+          <p:nvPr/>
+        </p:nvSpPr>
+        <p:spPr>
+          <a:xfrm>
+            <a:off x="457200" y="1646280"/>
+            <a:ext cx="9178920" cy="4680000"/>
+          </a:xfrm>
+          <a:prstGeom prst="rect">
+            <a:avLst/>
+          </a:prstGeom>
+          <a:noFill/>
+          <a:ln>
+            <a:noFill/>
+          </a:ln>
+        </p:spPr>
+        <p:style>
+          <a:lnRef idx="0"/>
+          <a:fillRef idx="0"/>
+          <a:effectRef idx="0"/>
+          <a:fontRef idx="minor"/>
+        </p:style>
+        <p:txBody>
+          <a:bodyPr lIns="0" rIns="0" tIns="0" bIns="0"/>
+          <a:p>
+            <a:pPr>
+              <a:lnSpc>
+                <a:spcPct val="100000"/>
+              </a:lnSpc>
+            </a:pPr>
+            <a:r>
+              <a:rPr b="1" lang="en-US" sz="2600" spc="-1" strike="noStrike">
+                <a:solidFill>
+                  <a:srgbClr val="1c1c1c"/>
+                </a:solidFill>
+                <a:uFill>
+                  <a:solidFill>
+                    <a:srgbClr val="ffffff"/>
+                  </a:solidFill>
+                </a:uFill>
+                <a:latin typeface="Source Sans Pro Semibold"/>
+              </a:rPr>
+              <a:t>The autoknit executable allows a user to visualize to constructed knit graph and select start and stop vertices. Note: I could not compile the scheduler so only tested knit graph construction</a:t>
+            </a:r>
+            <a:endParaRPr b="0" lang="en-US" sz="1800" spc="-1" strike="noStrike">
+              <a:solidFill>
+                <a:srgbClr val="000000"/>
+              </a:solidFill>
+              <a:uFill>
+                <a:solidFill>
+                  <a:srgbClr val="ffffff"/>
+                </a:solidFill>
+              </a:uFill>
+              <a:latin typeface="Arial"/>
+            </a:endParaRPr>
+          </a:p>
+          <a:p>
+            <a:pPr>
+              <a:lnSpc>
+                <a:spcPct val="100000"/>
+              </a:lnSpc>
+            </a:pPr>
+            <a:r>
+              <a:rPr b="1" lang="en-US" sz="2600" spc="-1" strike="noStrike">
+                <a:solidFill>
+                  <a:srgbClr val="1c1c1c"/>
+                </a:solidFill>
+                <a:uFill>
+                  <a:solidFill>
+                    <a:srgbClr val="ffffff"/>
+                  </a:solidFill>
+                </a:uFill>
+                <a:latin typeface="Source Sans Pro Semibold"/>
+              </a:rPr>
+              <a:t> </a:t>
+            </a:r>
+            <a:endParaRPr b="0" lang="en-US" sz="1800" spc="-1" strike="noStrike">
+              <a:solidFill>
+                <a:srgbClr val="000000"/>
+              </a:solidFill>
+              <a:uFill>
+                <a:solidFill>
+                  <a:srgbClr val="ffffff"/>
+                </a:solidFill>
+              </a:uFill>
+              <a:latin typeface="Arial"/>
+            </a:endParaRPr>
+          </a:p>
+        </p:txBody>
+      </p:sp>
+      <p:pic>
+        <p:nvPicPr>
+          <p:cNvPr id="114" name="" descr=""/>
+          <p:cNvPicPr/>
+          <p:nvPr/>
+        </p:nvPicPr>
+        <p:blipFill>
+          <a:blip r:embed="rId1"/>
+          <a:stretch/>
+        </p:blipFill>
+        <p:spPr>
+          <a:xfrm>
+            <a:off x="3292560" y="3475080"/>
+            <a:ext cx="3200400" cy="3013200"/>
+          </a:xfrm>
+          <a:prstGeom prst="rect">
+            <a:avLst/>
+          </a:prstGeom>
+          <a:ln>
+            <a:noFill/>
+          </a:ln>
+        </p:spPr>
+      </p:pic>
+    </p:spTree>
+  </p:cSld>
+  <p:timing>
+    <p:tnLst>
+      <p:par>
+        <p:cTn id="21" dur="indefinite" restart="never" nodeType="tmRoot">
+          <p:childTnLst>
+            <p:seq>
+              <p:cTn id="22" dur="indefinite" nodeType="mainSeq"/>
+              <p:prevCondLst>
+                <p:cond delay="0" evt="onPrev">
+                  <p:tgtEl>
+                    <p:sldTgt/>
+                  </p:tgtEl>
+                </p:cond>
+              </p:prevCondLst>
+              <p:nextCondLst>
+                <p:cond delay="0" evt="onNext">
+                  <p:tgtEl>
+                    <p:sldTgt/>
+                  </p:tgtEl>
+                </p:cond>
+              </p:nextCondLst>
+            </p:seq>
+          </p:childTnLst>
+        </p:cTn>
+      </p:par>
+    </p:tnLst>
+  </p:timing>
+</p:sld>
+</file>
+
+<file path=ppt/slides/slide12.xml><?xml version="1.0" encoding="utf-8"?>
+<p:sld xmlns:a="http://schemas.openxmlformats.org/drawingml/2006/main" xmlns:p="http://schemas.openxmlformats.org/presentationml/2006/main" xmlns:r="http://schemas.openxmlformats.org/officeDocument/2006/relationships" xmlns:p14="http://schemas.microsoft.com/office/powerpoint/2010/main" xmlns:p15="http://schemas.microsoft.com/office/powerpoint/2012/main" xmlns:mc="http://schemas.openxmlformats.org/markup-compatibility/2006">
+  <p:cSld>
+    <p:bg>
+      <p:bgPr>
+        <a:solidFill>
+          <a:srgbClr val="ffffff"/>
+        </a:solidFill>
+      </p:bgPr>
+    </p:bg>
+    <p:spTree>
+      <p:nvGrpSpPr>
+        <p:cNvPr id="1" name=""/>
+        <p:cNvGrpSpPr/>
+        <p:nvPr/>
+      </p:nvGrpSpPr>
+      <p:grpSpPr>
+        <a:xfrm>
+          <a:off x="0" y="0"/>
+          <a:ext cx="0" cy="0"/>
+          <a:chOff x="0" y="0"/>
+          <a:chExt cx="0" cy="0"/>
+        </a:xfrm>
+      </p:grpSpPr>
+      <p:sp>
+        <p:nvSpPr>
+          <p:cNvPr id="115" name="CustomShape 1"/>
+          <p:cNvSpPr/>
+          <p:nvPr/>
+        </p:nvSpPr>
+        <p:spPr>
+          <a:xfrm>
+            <a:off x="360360" y="360360"/>
+            <a:ext cx="9360000" cy="900000"/>
+          </a:xfrm>
+          <a:prstGeom prst="rect">
+            <a:avLst/>
+          </a:prstGeom>
+          <a:noFill/>
+          <a:ln>
+            <a:noFill/>
+          </a:ln>
+        </p:spPr>
+        <p:style>
+          <a:lnRef idx="0"/>
+          <a:fillRef idx="0"/>
+          <a:effectRef idx="0"/>
+          <a:fontRef idx="minor"/>
+        </p:style>
+        <p:txBody>
+          <a:bodyPr lIns="0" rIns="0" tIns="0" bIns="0" anchor="b"/>
+          <a:p>
+            <a:pPr>
+              <a:lnSpc>
+                <a:spcPct val="100000"/>
+              </a:lnSpc>
+            </a:pPr>
+            <a:r>
+              <a:rPr b="1" lang="en-US" sz="3200" spc="-1" strike="noStrike">
+                <a:solidFill>
+                  <a:srgbClr val="ffffff"/>
+                </a:solidFill>
+                <a:uFill>
+                  <a:solidFill>
+                    <a:srgbClr val="ffffff"/>
+                  </a:solidFill>
+                </a:uFill>
+                <a:latin typeface="Source Sans Pro Black"/>
+              </a:rPr>
+              <a:t>Walkthru of Software – Knit Graph</a:t>
+            </a:r>
+            <a:endParaRPr b="0" lang="en-US" sz="1800" spc="-1" strike="noStrike">
+              <a:solidFill>
+                <a:srgbClr val="000000"/>
+              </a:solidFill>
+              <a:uFill>
+                <a:solidFill>
+                  <a:srgbClr val="ffffff"/>
+                </a:solidFill>
+              </a:uFill>
+              <a:latin typeface="Arial"/>
+            </a:endParaRPr>
+          </a:p>
+        </p:txBody>
+      </p:sp>
+      <p:sp>
+        <p:nvSpPr>
+          <p:cNvPr id="116" name="CustomShape 2"/>
+          <p:cNvSpPr/>
+          <p:nvPr/>
+        </p:nvSpPr>
+        <p:spPr>
+          <a:xfrm>
+            <a:off x="457200" y="1646280"/>
+            <a:ext cx="9178920" cy="4680000"/>
+          </a:xfrm>
+          <a:prstGeom prst="rect">
+            <a:avLst/>
+          </a:prstGeom>
+          <a:noFill/>
+          <a:ln>
+            <a:noFill/>
+          </a:ln>
+        </p:spPr>
+        <p:style>
+          <a:lnRef idx="0"/>
+          <a:fillRef idx="0"/>
+          <a:effectRef idx="0"/>
+          <a:fontRef idx="minor"/>
+        </p:style>
+        <p:txBody>
+          <a:bodyPr lIns="0" rIns="0" tIns="0" bIns="0"/>
+          <a:p>
+            <a:pPr>
+              <a:lnSpc>
+                <a:spcPct val="100000"/>
+              </a:lnSpc>
+            </a:pPr>
+            <a:r>
+              <a:rPr b="1" lang="en-US" sz="2600" spc="-1" strike="noStrike">
+                <a:solidFill>
+                  <a:srgbClr val="1c1c1c"/>
+                </a:solidFill>
+                <a:uFill>
+                  <a:solidFill>
+                    <a:srgbClr val="ffffff"/>
+                  </a:solidFill>
+                </a:uFill>
+                <a:latin typeface="Source Sans Pro Semibold"/>
+              </a:rPr>
+              <a:t>The knit graph is constructed automatically, slice by slice, from the bottom starting node that was selected in blue</a:t>
+            </a:r>
+            <a:endParaRPr b="0" lang="en-US" sz="1800" spc="-1" strike="noStrike">
+              <a:solidFill>
+                <a:srgbClr val="000000"/>
+              </a:solidFill>
+              <a:uFill>
+                <a:solidFill>
+                  <a:srgbClr val="ffffff"/>
+                </a:solidFill>
+              </a:uFill>
+              <a:latin typeface="Arial"/>
+            </a:endParaRPr>
+          </a:p>
+          <a:p>
+            <a:pPr>
+              <a:lnSpc>
+                <a:spcPct val="100000"/>
+              </a:lnSpc>
+            </a:pPr>
+            <a:r>
+              <a:rPr b="1" lang="en-US" sz="2600" spc="-1" strike="noStrike">
+                <a:solidFill>
+                  <a:srgbClr val="1c1c1c"/>
+                </a:solidFill>
+                <a:uFill>
+                  <a:solidFill>
+                    <a:srgbClr val="ffffff"/>
+                  </a:solidFill>
+                </a:uFill>
+                <a:latin typeface="Source Sans Pro Semibold"/>
+              </a:rPr>
+              <a:t> </a:t>
+            </a:r>
+            <a:endParaRPr b="0" lang="en-US" sz="1800" spc="-1" strike="noStrike">
+              <a:solidFill>
+                <a:srgbClr val="000000"/>
+              </a:solidFill>
+              <a:uFill>
+                <a:solidFill>
+                  <a:srgbClr val="ffffff"/>
+                </a:solidFill>
+              </a:uFill>
+              <a:latin typeface="Arial"/>
+            </a:endParaRPr>
+          </a:p>
+        </p:txBody>
+      </p:sp>
+      <p:pic>
+        <p:nvPicPr>
+          <p:cNvPr id="117" name="" descr=""/>
+          <p:cNvPicPr/>
+          <p:nvPr/>
+        </p:nvPicPr>
+        <p:blipFill>
+          <a:blip r:embed="rId1"/>
+          <a:stretch/>
+        </p:blipFill>
+        <p:spPr>
+          <a:xfrm>
+            <a:off x="2744640" y="3017880"/>
+            <a:ext cx="4570560" cy="3382920"/>
+          </a:xfrm>
+          <a:prstGeom prst="rect">
+            <a:avLst/>
+          </a:prstGeom>
+          <a:ln>
+            <a:noFill/>
+          </a:ln>
+        </p:spPr>
+      </p:pic>
+    </p:spTree>
+  </p:cSld>
+  <p:timing>
+    <p:tnLst>
+      <p:par>
+        <p:cTn id="23" dur="indefinite" restart="never" nodeType="tmRoot">
+          <p:childTnLst>
+            <p:seq>
+              <p:cTn id="24" dur="indefinite" nodeType="mainSeq"/>
+              <p:prevCondLst>
+                <p:cond delay="0" evt="onPrev">
+                  <p:tgtEl>
+                    <p:sldTgt/>
+                  </p:tgtEl>
+                </p:cond>
+              </p:prevCondLst>
+              <p:nextCondLst>
+                <p:cond delay="0" evt="onNext">
+                  <p:tgtEl>
+                    <p:sldTgt/>
+                  </p:tgtEl>
+                </p:cond>
+              </p:nextCondLst>
+            </p:seq>
+          </p:childTnLst>
+        </p:cTn>
+      </p:par>
+    </p:tnLst>
+  </p:timing>
+</p:sld>
+</file>
+
+<file path=ppt/slides/slide13.xml><?xml version="1.0" encoding="utf-8"?>
+<p:sld xmlns:a="http://schemas.openxmlformats.org/drawingml/2006/main" xmlns:p="http://schemas.openxmlformats.org/presentationml/2006/main" xmlns:r="http://schemas.openxmlformats.org/officeDocument/2006/relationships" xmlns:p14="http://schemas.microsoft.com/office/powerpoint/2010/main" xmlns:p15="http://schemas.microsoft.com/office/powerpoint/2012/main" xmlns:mc="http://schemas.openxmlformats.org/markup-compatibility/2006">
+  <p:cSld>
+    <p:bg>
+      <p:bgPr>
+        <a:solidFill>
+          <a:srgbClr val="ffffff"/>
+        </a:solidFill>
+      </p:bgPr>
+    </p:bg>
+    <p:spTree>
+      <p:nvGrpSpPr>
+        <p:cNvPr id="1" name=""/>
+        <p:cNvGrpSpPr/>
+        <p:nvPr/>
+      </p:nvGrpSpPr>
+      <p:grpSpPr>
+        <a:xfrm>
+          <a:off x="0" y="0"/>
+          <a:ext cx="0" cy="0"/>
+          <a:chOff x="0" y="0"/>
+          <a:chExt cx="0" cy="0"/>
+        </a:xfrm>
+      </p:grpSpPr>
+      <p:sp>
+        <p:nvSpPr>
+          <p:cNvPr id="118" name="CustomShape 1"/>
+          <p:cNvSpPr/>
+          <p:nvPr/>
+        </p:nvSpPr>
+        <p:spPr>
+          <a:xfrm>
+            <a:off x="360360" y="360360"/>
+            <a:ext cx="9360000" cy="900000"/>
+          </a:xfrm>
+          <a:prstGeom prst="rect">
+            <a:avLst/>
+          </a:prstGeom>
+          <a:noFill/>
+          <a:ln>
+            <a:noFill/>
+          </a:ln>
+        </p:spPr>
+        <p:style>
+          <a:lnRef idx="0"/>
+          <a:fillRef idx="0"/>
+          <a:effectRef idx="0"/>
+          <a:fontRef idx="minor"/>
+        </p:style>
+        <p:txBody>
+          <a:bodyPr lIns="0" rIns="0" tIns="0" bIns="0" anchor="b"/>
+          <a:p>
+            <a:pPr>
+              <a:lnSpc>
+                <a:spcPct val="100000"/>
+              </a:lnSpc>
+            </a:pPr>
+            <a:r>
+              <a:rPr b="1" lang="en-US" sz="3200" spc="-1" strike="noStrike">
+                <a:solidFill>
+                  <a:srgbClr val="ffffff"/>
+                </a:solidFill>
+                <a:uFill>
+                  <a:solidFill>
+                    <a:srgbClr val="ffffff"/>
+                  </a:solidFill>
+                </a:uFill>
+                <a:latin typeface="Source Sans Pro Black"/>
+              </a:rPr>
+              <a:t>Conclusions</a:t>
+            </a:r>
+            <a:endParaRPr b="0" lang="en-US" sz="1800" spc="-1" strike="noStrike">
+              <a:solidFill>
+                <a:srgbClr val="000000"/>
+              </a:solidFill>
+              <a:uFill>
+                <a:solidFill>
+                  <a:srgbClr val="ffffff"/>
+                </a:solidFill>
+              </a:uFill>
+              <a:latin typeface="Arial"/>
+            </a:endParaRPr>
+          </a:p>
+        </p:txBody>
+      </p:sp>
+      <p:sp>
+        <p:nvSpPr>
+          <p:cNvPr id="119" name="CustomShape 2"/>
+          <p:cNvSpPr/>
+          <p:nvPr/>
+        </p:nvSpPr>
+        <p:spPr>
+          <a:xfrm>
+            <a:off x="457200" y="1646280"/>
+            <a:ext cx="9178920" cy="4680000"/>
+          </a:xfrm>
+          <a:prstGeom prst="rect">
+            <a:avLst/>
+          </a:prstGeom>
+          <a:noFill/>
+          <a:ln>
+            <a:noFill/>
+          </a:ln>
+        </p:spPr>
+        <p:style>
+          <a:lnRef idx="0"/>
+          <a:fillRef idx="0"/>
+          <a:effectRef idx="0"/>
+          <a:fontRef idx="minor"/>
+        </p:style>
+        <p:txBody>
+          <a:bodyPr lIns="0" rIns="0" tIns="0" bIns="0"/>
+          <a:p>
+            <a:pPr>
+              <a:lnSpc>
+                <a:spcPct val="100000"/>
+              </a:lnSpc>
+            </a:pPr>
+            <a:r>
+              <a:rPr b="1" lang="en-US" sz="2600" spc="-1" strike="noStrike">
+                <a:solidFill>
+                  <a:srgbClr val="1c1c1c"/>
+                </a:solidFill>
+                <a:uFill>
+                  <a:solidFill>
+                    <a:srgbClr val="ffffff"/>
+                  </a:solidFill>
+                </a:uFill>
+                <a:latin typeface="Source Sans Pro Semibold"/>
+              </a:rPr>
+              <a:t>This paper shows a potential to make 3D knitting accessible to a wide range of designers and modelers</a:t>
+            </a:r>
+            <a:endParaRPr b="0" lang="en-US" sz="1800" spc="-1" strike="noStrike">
+              <a:solidFill>
+                <a:srgbClr val="000000"/>
+              </a:solidFill>
+              <a:uFill>
+                <a:solidFill>
+                  <a:srgbClr val="ffffff"/>
+                </a:solidFill>
+              </a:uFill>
+              <a:latin typeface="Arial"/>
+            </a:endParaRPr>
+          </a:p>
+          <a:p>
+            <a:pPr>
+              <a:lnSpc>
+                <a:spcPct val="100000"/>
+              </a:lnSpc>
+            </a:pPr>
+            <a:r>
+              <a:rPr b="1" lang="en-US" sz="2600" spc="-1" strike="noStrike">
+                <a:solidFill>
+                  <a:srgbClr val="1c1c1c"/>
+                </a:solidFill>
+                <a:uFill>
+                  <a:solidFill>
+                    <a:srgbClr val="ffffff"/>
+                  </a:solidFill>
+                </a:uFill>
+                <a:latin typeface="Source Sans Pro Semibold"/>
+              </a:rPr>
+              <a:t> </a:t>
+            </a:r>
+            <a:endParaRPr b="0" lang="en-US" sz="1800" spc="-1" strike="noStrike">
+              <a:solidFill>
+                <a:srgbClr val="000000"/>
+              </a:solidFill>
+              <a:uFill>
+                <a:solidFill>
+                  <a:srgbClr val="ffffff"/>
+                </a:solidFill>
+              </a:uFill>
+              <a:latin typeface="Arial"/>
+            </a:endParaRPr>
+          </a:p>
+          <a:p>
+            <a:pPr>
+              <a:lnSpc>
+                <a:spcPct val="100000"/>
+              </a:lnSpc>
+            </a:pPr>
+            <a:r>
+              <a:rPr b="1" lang="en-US" sz="2600" spc="-1" strike="noStrike">
+                <a:solidFill>
+                  <a:srgbClr val="1c1c1c"/>
+                </a:solidFill>
+                <a:uFill>
+                  <a:solidFill>
+                    <a:srgbClr val="ffffff"/>
+                  </a:solidFill>
+                </a:uFill>
+                <a:latin typeface="Source Sans Pro Semibold"/>
+              </a:rPr>
+              <a:t>The construction of a “knit graph” appears to facilitate the creation of even complex objects</a:t>
+            </a:r>
+            <a:endParaRPr b="0" lang="en-US" sz="1800" spc="-1" strike="noStrike">
+              <a:solidFill>
+                <a:srgbClr val="000000"/>
+              </a:solidFill>
+              <a:uFill>
+                <a:solidFill>
+                  <a:srgbClr val="ffffff"/>
+                </a:solidFill>
+              </a:uFill>
+              <a:latin typeface="Arial"/>
+            </a:endParaRPr>
+          </a:p>
+          <a:p>
+            <a:pPr>
+              <a:lnSpc>
+                <a:spcPct val="100000"/>
+              </a:lnSpc>
+            </a:pPr>
+            <a:r>
+              <a:rPr b="1" lang="en-US" sz="2600" spc="-1" strike="noStrike">
+                <a:solidFill>
+                  <a:srgbClr val="1c1c1c"/>
+                </a:solidFill>
+                <a:uFill>
+                  <a:solidFill>
+                    <a:srgbClr val="ffffff"/>
+                  </a:solidFill>
+                </a:uFill>
+                <a:latin typeface="Source Sans Pro Semibold"/>
+              </a:rPr>
+              <a:t> </a:t>
+            </a:r>
+            <a:endParaRPr b="0" lang="en-US" sz="1800" spc="-1" strike="noStrike">
+              <a:solidFill>
+                <a:srgbClr val="000000"/>
+              </a:solidFill>
+              <a:uFill>
+                <a:solidFill>
+                  <a:srgbClr val="ffffff"/>
+                </a:solidFill>
+              </a:uFill>
+              <a:latin typeface="Arial"/>
+            </a:endParaRPr>
+          </a:p>
+          <a:p>
+            <a:pPr>
+              <a:lnSpc>
+                <a:spcPct val="100000"/>
+              </a:lnSpc>
+            </a:pPr>
+            <a:r>
+              <a:rPr b="1" lang="en-US" sz="2600" spc="-1" strike="noStrike">
+                <a:solidFill>
+                  <a:srgbClr val="1c1c1c"/>
+                </a:solidFill>
+                <a:uFill>
+                  <a:solidFill>
+                    <a:srgbClr val="ffffff"/>
+                  </a:solidFill>
+                </a:uFill>
+                <a:latin typeface="Source Sans Pro Semibold"/>
+              </a:rPr>
+              <a:t>The provided autoknit code, while not fully documented, is a promising starting point for further research. Authors note the code could in theory be ported to other (non Seiko) knitting machines. </a:t>
+            </a:r>
+            <a:endParaRPr b="0" lang="en-US" sz="1800" spc="-1" strike="noStrike">
+              <a:solidFill>
+                <a:srgbClr val="000000"/>
+              </a:solidFill>
+              <a:uFill>
+                <a:solidFill>
+                  <a:srgbClr val="ffffff"/>
+                </a:solidFill>
+              </a:uFill>
+              <a:latin typeface="Arial"/>
+            </a:endParaRPr>
+          </a:p>
+          <a:p>
+            <a:pPr>
+              <a:lnSpc>
+                <a:spcPct val="100000"/>
+              </a:lnSpc>
+            </a:pPr>
+            <a:r>
+              <a:rPr b="1" lang="en-US" sz="2600" spc="-1" strike="noStrike">
+                <a:solidFill>
+                  <a:srgbClr val="1c1c1c"/>
+                </a:solidFill>
+                <a:uFill>
+                  <a:solidFill>
+                    <a:srgbClr val="ffffff"/>
+                  </a:solidFill>
+                </a:uFill>
+                <a:latin typeface="Source Sans Pro Semibold"/>
+              </a:rPr>
+              <a:t> </a:t>
+            </a:r>
+            <a:endParaRPr b="0" lang="en-US" sz="1800" spc="-1" strike="noStrike">
+              <a:solidFill>
+                <a:srgbClr val="000000"/>
+              </a:solidFill>
+              <a:uFill>
+                <a:solidFill>
+                  <a:srgbClr val="ffffff"/>
+                </a:solidFill>
+              </a:uFill>
+              <a:latin typeface="Arial"/>
+            </a:endParaRPr>
+          </a:p>
+        </p:txBody>
+      </p:sp>
+    </p:spTree>
+  </p:cSld>
+  <p:timing>
+    <p:tnLst>
+      <p:par>
+        <p:cTn id="25" dur="indefinite" restart="never" nodeType="tmRoot">
+          <p:childTnLst>
+            <p:seq>
+              <p:cTn id="26" dur="indefinite" nodeType="mainSeq"/>
               <p:prevCondLst>
                 <p:cond delay="0" evt="onPrev">
                   <p:tgtEl>
@@ -4509,6 +6120,13 @@
 <file path=ppt/slides/slide2.xml><?xml version="1.0" encoding="utf-8"?>
 <p:sld xmlns:a="http://schemas.openxmlformats.org/drawingml/2006/main" xmlns:p="http://schemas.openxmlformats.org/presentationml/2006/main" xmlns:r="http://schemas.openxmlformats.org/officeDocument/2006/relationships" xmlns:p14="http://schemas.microsoft.com/office/powerpoint/2010/main" xmlns:p15="http://schemas.microsoft.com/office/powerpoint/2012/main" xmlns:mc="http://schemas.openxmlformats.org/markup-compatibility/2006">
   <p:cSld>
+    <p:bg>
+      <p:bgPr>
+        <a:solidFill>
+          <a:srgbClr val="ffffff"/>
+        </a:solidFill>
+      </p:bgPr>
+    </p:bg>
     <p:spTree>
       <p:nvGrpSpPr>
         <p:cNvPr id="1" name=""/>
@@ -4525,13 +6143,13 @@
       </p:grpSpPr>
       <p:sp>
         <p:nvSpPr>
-          <p:cNvPr id="85" name="TextShape 1"/>
-          <p:cNvSpPr txBox="1"/>
+          <p:cNvPr id="85" name="CustomShape 1"/>
+          <p:cNvSpPr/>
           <p:nvPr/>
         </p:nvSpPr>
         <p:spPr>
           <a:xfrm>
-            <a:off x="360000" y="360000"/>
+            <a:off x="360360" y="360360"/>
             <a:ext cx="9360000" cy="900000"/>
           </a:xfrm>
           <a:prstGeom prst="rect">
@@ -4542,9 +6160,20 @@
             <a:noFill/>
           </a:ln>
         </p:spPr>
+        <p:style>
+          <a:lnRef idx="0"/>
+          <a:fillRef idx="0"/>
+          <a:effectRef idx="0"/>
+          <a:fontRef idx="minor"/>
+        </p:style>
         <p:txBody>
           <a:bodyPr lIns="0" rIns="0" tIns="0" bIns="0" anchor="b"/>
           <a:p>
+            <a:pPr>
+              <a:lnSpc>
+                <a:spcPct val="100000"/>
+              </a:lnSpc>
+            </a:pPr>
             <a:r>
               <a:rPr b="1" lang="en-US" sz="3200" spc="-1" strike="noStrike">
                 <a:solidFill>
@@ -4559,30 +6188,30 @@
               </a:rPr>
               <a:t>What is automatic machine knitting?</a:t>
             </a:r>
-            <a:endParaRPr b="1" lang="en-US" sz="3200" spc="-1" strike="noStrike">
-              <a:solidFill>
-                <a:srgbClr val="ffffff"/>
-              </a:solidFill>
-              <a:uFill>
-                <a:solidFill>
-                  <a:srgbClr val="ffffff"/>
-                </a:solidFill>
-              </a:uFill>
-              <a:latin typeface="Source Sans Pro Black"/>
-            </a:endParaRPr>
-          </a:p>
-        </p:txBody>
-      </p:sp>
-      <p:sp>
-        <p:nvSpPr>
-          <p:cNvPr id="86" name="TextShape 2"/>
-          <p:cNvSpPr txBox="1"/>
+            <a:endParaRPr b="0" lang="en-US" sz="1800" spc="-1" strike="noStrike">
+              <a:solidFill>
+                <a:srgbClr val="000000"/>
+              </a:solidFill>
+              <a:uFill>
+                <a:solidFill>
+                  <a:srgbClr val="ffffff"/>
+                </a:solidFill>
+              </a:uFill>
+              <a:latin typeface="Arial"/>
+            </a:endParaRPr>
+          </a:p>
+        </p:txBody>
+      </p:sp>
+      <p:sp>
+        <p:nvSpPr>
+          <p:cNvPr id="86" name="CustomShape 2"/>
+          <p:cNvSpPr/>
           <p:nvPr/>
         </p:nvSpPr>
         <p:spPr>
           <a:xfrm>
-            <a:off x="360000" y="5120640"/>
-            <a:ext cx="9180000" cy="1539360"/>
+            <a:off x="360360" y="5121360"/>
+            <a:ext cx="9178920" cy="1538280"/>
           </a:xfrm>
           <a:prstGeom prst="rect">
             <a:avLst/>
@@ -4592,10 +6221,20 @@
             <a:noFill/>
           </a:ln>
         </p:spPr>
+        <p:style>
+          <a:lnRef idx="0"/>
+          <a:fillRef idx="0"/>
+          <a:effectRef idx="0"/>
+          <a:fontRef idx="minor"/>
+        </p:style>
         <p:txBody>
           <a:bodyPr lIns="0" rIns="0" tIns="0" bIns="0"/>
           <a:p>
-            <a:pPr/>
+            <a:pPr>
+              <a:lnSpc>
+                <a:spcPct val="100000"/>
+              </a:lnSpc>
+            </a:pPr>
             <a:r>
               <a:rPr b="1" lang="en-US" sz="2600" spc="-1" strike="noStrike">
                 <a:solidFill>
@@ -4610,16 +6249,16 @@
               </a:rPr>
               <a:t>Automatic machine knitting per Narayan et al allows a 3D object in .obj format to be transformed to a knit structure via a 5-step process that closely matches a foam replica (6)</a:t>
             </a:r>
-            <a:endParaRPr b="1" lang="en-US" sz="2600" spc="-1" strike="noStrike">
-              <a:solidFill>
-                <a:srgbClr val="1c1c1c"/>
-              </a:solidFill>
-              <a:uFill>
-                <a:solidFill>
-                  <a:srgbClr val="ffffff"/>
-                </a:solidFill>
-              </a:uFill>
-              <a:latin typeface="Source Sans Pro Semibold"/>
+            <a:endParaRPr b="0" lang="en-US" sz="1800" spc="-1" strike="noStrike">
+              <a:solidFill>
+                <a:srgbClr val="000000"/>
+              </a:solidFill>
+              <a:uFill>
+                <a:solidFill>
+                  <a:srgbClr val="ffffff"/>
+                </a:solidFill>
+              </a:uFill>
+              <a:latin typeface="Arial"/>
             </a:endParaRPr>
           </a:p>
         </p:txBody>
@@ -4636,8 +6275,8 @@
         </p:blipFill>
         <p:spPr>
           <a:xfrm>
-            <a:off x="1151640" y="1590480"/>
-            <a:ext cx="8083800" cy="3255840"/>
+            <a:off x="1150920" y="1590840"/>
+            <a:ext cx="8083440" cy="3255840"/>
           </a:xfrm>
           <a:prstGeom prst="rect">
             <a:avLst/>
@@ -4655,7 +6294,7 @@
         <p:cTn id="3" dur="indefinite" restart="never" nodeType="tmRoot">
           <p:childTnLst>
             <p:seq>
-              <p:cTn id="4" nodeType="mainSeq"/>
+              <p:cTn id="4" dur="indefinite" nodeType="mainSeq"/>
               <p:prevCondLst>
                 <p:cond delay="0" evt="onPrev">
                   <p:tgtEl>
@@ -4682,6 +6321,13 @@
 <file path=ppt/slides/slide3.xml><?xml version="1.0" encoding="utf-8"?>
 <p:sld xmlns:a="http://schemas.openxmlformats.org/drawingml/2006/main" xmlns:p="http://schemas.openxmlformats.org/presentationml/2006/main" xmlns:r="http://schemas.openxmlformats.org/officeDocument/2006/relationships" xmlns:p14="http://schemas.microsoft.com/office/powerpoint/2010/main" xmlns:p15="http://schemas.microsoft.com/office/powerpoint/2012/main" xmlns:mc="http://schemas.openxmlformats.org/markup-compatibility/2006">
   <p:cSld>
+    <p:bg>
+      <p:bgPr>
+        <a:solidFill>
+          <a:srgbClr val="ffffff"/>
+        </a:solidFill>
+      </p:bgPr>
+    </p:bg>
     <p:spTree>
       <p:nvGrpSpPr>
         <p:cNvPr id="1" name=""/>
@@ -4698,13 +6344,13 @@
       </p:grpSpPr>
       <p:sp>
         <p:nvSpPr>
-          <p:cNvPr id="88" name="TextShape 1"/>
-          <p:cNvSpPr txBox="1"/>
+          <p:cNvPr id="88" name="CustomShape 1"/>
+          <p:cNvSpPr/>
           <p:nvPr/>
         </p:nvSpPr>
         <p:spPr>
           <a:xfrm>
-            <a:off x="360000" y="360000"/>
+            <a:off x="360360" y="360360"/>
             <a:ext cx="9360000" cy="900000"/>
           </a:xfrm>
           <a:prstGeom prst="rect">
@@ -4715,9 +6361,20 @@
             <a:noFill/>
           </a:ln>
         </p:spPr>
+        <p:style>
+          <a:lnRef idx="0"/>
+          <a:fillRef idx="0"/>
+          <a:effectRef idx="0"/>
+          <a:fontRef idx="minor"/>
+        </p:style>
         <p:txBody>
           <a:bodyPr lIns="0" rIns="0" tIns="0" bIns="0" anchor="b"/>
           <a:p>
+            <a:pPr>
+              <a:lnSpc>
+                <a:spcPct val="100000"/>
+              </a:lnSpc>
+            </a:pPr>
             <a:r>
               <a:rPr b="1" lang="en-US" sz="3200" spc="-1" strike="noStrike">
                 <a:solidFill>
@@ -4732,30 +6389,30 @@
               </a:rPr>
               <a:t>How do knitting machines work?</a:t>
             </a:r>
-            <a:endParaRPr b="1" lang="en-US" sz="3200" spc="-1" strike="noStrike">
-              <a:solidFill>
-                <a:srgbClr val="ffffff"/>
-              </a:solidFill>
-              <a:uFill>
-                <a:solidFill>
-                  <a:srgbClr val="ffffff"/>
-                </a:solidFill>
-              </a:uFill>
-              <a:latin typeface="Source Sans Pro Black"/>
-            </a:endParaRPr>
-          </a:p>
-        </p:txBody>
-      </p:sp>
-      <p:sp>
-        <p:nvSpPr>
-          <p:cNvPr id="89" name="TextShape 2"/>
-          <p:cNvSpPr txBox="1"/>
+            <a:endParaRPr b="0" lang="en-US" sz="1800" spc="-1" strike="noStrike">
+              <a:solidFill>
+                <a:srgbClr val="000000"/>
+              </a:solidFill>
+              <a:uFill>
+                <a:solidFill>
+                  <a:srgbClr val="ffffff"/>
+                </a:solidFill>
+              </a:uFill>
+              <a:latin typeface="Arial"/>
+            </a:endParaRPr>
+          </a:p>
+        </p:txBody>
+      </p:sp>
+      <p:sp>
+        <p:nvSpPr>
+          <p:cNvPr id="89" name="CustomShape 2"/>
+          <p:cNvSpPr/>
           <p:nvPr/>
         </p:nvSpPr>
         <p:spPr>
           <a:xfrm>
-            <a:off x="365760" y="5303520"/>
-            <a:ext cx="9180000" cy="1447920"/>
+            <a:off x="365040" y="5303880"/>
+            <a:ext cx="9178920" cy="1447920"/>
           </a:xfrm>
           <a:prstGeom prst="rect">
             <a:avLst/>
@@ -4765,10 +6422,20 @@
             <a:noFill/>
           </a:ln>
         </p:spPr>
+        <p:style>
+          <a:lnRef idx="0"/>
+          <a:fillRef idx="0"/>
+          <a:effectRef idx="0"/>
+          <a:fontRef idx="minor"/>
+        </p:style>
         <p:txBody>
           <a:bodyPr lIns="0" rIns="0" tIns="0" bIns="0"/>
           <a:p>
-            <a:pPr/>
+            <a:pPr>
+              <a:lnSpc>
+                <a:spcPct val="100000"/>
+              </a:lnSpc>
+            </a:pPr>
             <a:r>
               <a:rPr b="1" lang="en-US" sz="2200" spc="-1" strike="noStrike">
                 <a:solidFill>
@@ -4783,16 +6450,16 @@
               </a:rPr>
               <a:t>Images from: McCann, Albaugh, Narayanan, Grow, Matusik, Mankoff, and Hodgins. A Compiler for 3D Machine Knitting. ACM Trans. Graph. 35, 4, Article 49 (July 2016), 49:1–49:11 pages.</a:t>
             </a:r>
-            <a:endParaRPr b="1" lang="en-US" sz="2600" spc="-1" strike="noStrike">
-              <a:solidFill>
-                <a:srgbClr val="1c1c1c"/>
-              </a:solidFill>
-              <a:uFill>
-                <a:solidFill>
-                  <a:srgbClr val="ffffff"/>
-                </a:solidFill>
-              </a:uFill>
-              <a:latin typeface="Source Sans Pro Semibold"/>
+            <a:endParaRPr b="0" lang="en-US" sz="1800" spc="-1" strike="noStrike">
+              <a:solidFill>
+                <a:srgbClr val="000000"/>
+              </a:solidFill>
+              <a:uFill>
+                <a:solidFill>
+                  <a:srgbClr val="ffffff"/>
+                </a:solidFill>
+              </a:uFill>
+              <a:latin typeface="Arial"/>
             </a:endParaRPr>
           </a:p>
         </p:txBody>
@@ -4809,8 +6476,8 @@
         </p:blipFill>
         <p:spPr>
           <a:xfrm>
-            <a:off x="2926080" y="2194560"/>
-            <a:ext cx="6276600" cy="2333160"/>
+            <a:off x="2925720" y="2193840"/>
+            <a:ext cx="6276960" cy="2332080"/>
           </a:xfrm>
           <a:prstGeom prst="rect">
             <a:avLst/>
@@ -4833,7 +6500,7 @@
         <p:spPr>
           <a:xfrm>
             <a:off x="457200" y="1828800"/>
-            <a:ext cx="2148480" cy="1645920"/>
+            <a:ext cx="2147760" cy="1646280"/>
           </a:xfrm>
           <a:prstGeom prst="rect">
             <a:avLst/>
@@ -4855,7 +6522,7 @@
         </p:blipFill>
         <p:spPr>
           <a:xfrm>
-            <a:off x="577440" y="3557160"/>
+            <a:off x="577800" y="3557520"/>
             <a:ext cx="1982880" cy="1614600"/>
           </a:xfrm>
           <a:prstGeom prst="rect">
@@ -4874,7 +6541,7 @@
         <p:cTn id="5" dur="indefinite" restart="never" nodeType="tmRoot">
           <p:childTnLst>
             <p:seq>
-              <p:cTn id="6" nodeType="mainSeq"/>
+              <p:cTn id="6" dur="indefinite" nodeType="mainSeq"/>
               <p:prevCondLst>
                 <p:cond delay="0" evt="onPrev">
                   <p:tgtEl>
@@ -4901,6 +6568,13 @@
 <file path=ppt/slides/slide4.xml><?xml version="1.0" encoding="utf-8"?>
 <p:sld xmlns:a="http://schemas.openxmlformats.org/drawingml/2006/main" xmlns:p="http://schemas.openxmlformats.org/presentationml/2006/main" xmlns:r="http://schemas.openxmlformats.org/officeDocument/2006/relationships" xmlns:p14="http://schemas.microsoft.com/office/powerpoint/2010/main" xmlns:p15="http://schemas.microsoft.com/office/powerpoint/2012/main" xmlns:mc="http://schemas.openxmlformats.org/markup-compatibility/2006">
   <p:cSld>
+    <p:bg>
+      <p:bgPr>
+        <a:solidFill>
+          <a:srgbClr val="ffffff"/>
+        </a:solidFill>
+      </p:bgPr>
+    </p:bg>
     <p:spTree>
       <p:nvGrpSpPr>
         <p:cNvPr id="1" name=""/>
@@ -4917,13 +6591,13 @@
       </p:grpSpPr>
       <p:sp>
         <p:nvSpPr>
-          <p:cNvPr id="93" name="TextShape 1"/>
-          <p:cNvSpPr txBox="1"/>
+          <p:cNvPr id="93" name="CustomShape 1"/>
+          <p:cNvSpPr/>
           <p:nvPr/>
         </p:nvSpPr>
         <p:spPr>
           <a:xfrm>
-            <a:off x="360000" y="360000"/>
+            <a:off x="360360" y="360360"/>
             <a:ext cx="9360000" cy="900000"/>
           </a:xfrm>
           <a:prstGeom prst="rect">
@@ -4934,9 +6608,20 @@
             <a:noFill/>
           </a:ln>
         </p:spPr>
+        <p:style>
+          <a:lnRef idx="0"/>
+          <a:fillRef idx="0"/>
+          <a:effectRef idx="0"/>
+          <a:fontRef idx="minor"/>
+        </p:style>
         <p:txBody>
           <a:bodyPr lIns="0" rIns="0" tIns="0" bIns="0" anchor="b"/>
           <a:p>
+            <a:pPr>
+              <a:lnSpc>
+                <a:spcPct val="100000"/>
+              </a:lnSpc>
+            </a:pPr>
             <a:r>
               <a:rPr b="1" lang="en-US" sz="3200" spc="-1" strike="noStrike">
                 <a:solidFill>
@@ -4951,30 +6636,30 @@
               </a:rPr>
               <a:t>Details of Method – Step 1 - Define Start/End Vertices</a:t>
             </a:r>
-            <a:endParaRPr b="1" lang="en-US" sz="3200" spc="-1" strike="noStrike">
-              <a:solidFill>
-                <a:srgbClr val="ffffff"/>
-              </a:solidFill>
-              <a:uFill>
-                <a:solidFill>
-                  <a:srgbClr val="ffffff"/>
-                </a:solidFill>
-              </a:uFill>
-              <a:latin typeface="Source Sans Pro Black"/>
-            </a:endParaRPr>
-          </a:p>
-        </p:txBody>
-      </p:sp>
-      <p:sp>
-        <p:nvSpPr>
-          <p:cNvPr id="94" name="TextShape 2"/>
-          <p:cNvSpPr txBox="1"/>
+            <a:endParaRPr b="0" lang="en-US" sz="1800" spc="-1" strike="noStrike">
+              <a:solidFill>
+                <a:srgbClr val="000000"/>
+              </a:solidFill>
+              <a:uFill>
+                <a:solidFill>
+                  <a:srgbClr val="ffffff"/>
+                </a:solidFill>
+              </a:uFill>
+              <a:latin typeface="Arial"/>
+            </a:endParaRPr>
+          </a:p>
+        </p:txBody>
+      </p:sp>
+      <p:sp>
+        <p:nvSpPr>
+          <p:cNvPr id="94" name="CustomShape 2"/>
+          <p:cNvSpPr/>
           <p:nvPr/>
         </p:nvSpPr>
         <p:spPr>
           <a:xfrm>
-            <a:off x="360000" y="1980000"/>
-            <a:ext cx="9180000" cy="4680000"/>
+            <a:off x="360360" y="1979640"/>
+            <a:ext cx="9178920" cy="4680000"/>
           </a:xfrm>
           <a:prstGeom prst="rect">
             <a:avLst/>
@@ -4984,10 +6669,20 @@
             <a:noFill/>
           </a:ln>
         </p:spPr>
+        <p:style>
+          <a:lnRef idx="0"/>
+          <a:fillRef idx="0"/>
+          <a:effectRef idx="0"/>
+          <a:fontRef idx="minor"/>
+        </p:style>
         <p:txBody>
           <a:bodyPr lIns="0" rIns="0" tIns="0" bIns="0"/>
           <a:p>
-            <a:pPr/>
+            <a:pPr>
+              <a:lnSpc>
+                <a:spcPct val="100000"/>
+              </a:lnSpc>
+            </a:pPr>
             <a:r>
               <a:rPr b="1" lang="en-US" sz="2600" spc="-1" strike="noStrike">
                 <a:solidFill>
@@ -5002,20 +6697,24 @@
               </a:rPr>
               <a:t>First step:</a:t>
             </a:r>
-            <a:endParaRPr b="1" lang="en-US" sz="2600" spc="-1" strike="noStrike">
-              <a:solidFill>
-                <a:srgbClr val="1c1c1c"/>
-              </a:solidFill>
-              <a:uFill>
-                <a:solidFill>
-                  <a:srgbClr val="ffffff"/>
-                </a:solidFill>
-              </a:uFill>
-              <a:latin typeface="Source Sans Pro Semibold"/>
-            </a:endParaRPr>
-          </a:p>
-          <a:p>
-            <a:pPr/>
+            <a:endParaRPr b="0" lang="en-US" sz="1800" spc="-1" strike="noStrike">
+              <a:solidFill>
+                <a:srgbClr val="000000"/>
+              </a:solidFill>
+              <a:uFill>
+                <a:solidFill>
+                  <a:srgbClr val="ffffff"/>
+                </a:solidFill>
+              </a:uFill>
+              <a:latin typeface="Arial"/>
+            </a:endParaRPr>
+          </a:p>
+          <a:p>
+            <a:pPr>
+              <a:lnSpc>
+                <a:spcPct val="100000"/>
+              </a:lnSpc>
+            </a:pPr>
             <a:r>
               <a:rPr b="1" lang="en-US" sz="2600" spc="-1" strike="noStrike">
                 <a:solidFill>
@@ -5030,20 +6729,24 @@
               </a:rPr>
               <a:t>Users select beginning and ending vertices; Laplacian interpolation used to contruct time score from early (blue) to late (red) for each vertex:</a:t>
             </a:r>
-            <a:endParaRPr b="1" lang="en-US" sz="2600" spc="-1" strike="noStrike">
-              <a:solidFill>
-                <a:srgbClr val="1c1c1c"/>
-              </a:solidFill>
-              <a:uFill>
-                <a:solidFill>
-                  <a:srgbClr val="ffffff"/>
-                </a:solidFill>
-              </a:uFill>
-              <a:latin typeface="Source Sans Pro Semibold"/>
-            </a:endParaRPr>
-          </a:p>
-          <a:p>
-            <a:pPr/>
+            <a:endParaRPr b="0" lang="en-US" sz="1800" spc="-1" strike="noStrike">
+              <a:solidFill>
+                <a:srgbClr val="000000"/>
+              </a:solidFill>
+              <a:uFill>
+                <a:solidFill>
+                  <a:srgbClr val="ffffff"/>
+                </a:solidFill>
+              </a:uFill>
+              <a:latin typeface="Arial"/>
+            </a:endParaRPr>
+          </a:p>
+          <a:p>
+            <a:pPr>
+              <a:lnSpc>
+                <a:spcPct val="100000"/>
+              </a:lnSpc>
+            </a:pPr>
             <a:r>
               <a:rPr b="1" lang="en-US" sz="2600" spc="-1" strike="noStrike">
                 <a:solidFill>
@@ -5058,16 +6761,16 @@
               </a:rPr>
               <a:t> </a:t>
             </a:r>
-            <a:endParaRPr b="1" lang="en-US" sz="2600" spc="-1" strike="noStrike">
-              <a:solidFill>
-                <a:srgbClr val="1c1c1c"/>
-              </a:solidFill>
-              <a:uFill>
-                <a:solidFill>
-                  <a:srgbClr val="ffffff"/>
-                </a:solidFill>
-              </a:uFill>
-              <a:latin typeface="Source Sans Pro Semibold"/>
+            <a:endParaRPr b="0" lang="en-US" sz="1800" spc="-1" strike="noStrike">
+              <a:solidFill>
+                <a:srgbClr val="000000"/>
+              </a:solidFill>
+              <a:uFill>
+                <a:solidFill>
+                  <a:srgbClr val="ffffff"/>
+                </a:solidFill>
+              </a:uFill>
+              <a:latin typeface="Arial"/>
             </a:endParaRPr>
           </a:p>
         </p:txBody>
@@ -5084,8 +6787,8 @@
         </p:blipFill>
         <p:spPr>
           <a:xfrm>
-            <a:off x="3200400" y="4297680"/>
-            <a:ext cx="3544560" cy="2167560"/>
+            <a:off x="3200400" y="4297320"/>
+            <a:ext cx="3544920" cy="2166840"/>
           </a:xfrm>
           <a:prstGeom prst="rect">
             <a:avLst/>
@@ -5103,7 +6806,7 @@
         <p:cTn id="7" dur="indefinite" restart="never" nodeType="tmRoot">
           <p:childTnLst>
             <p:seq>
-              <p:cTn id="8" nodeType="mainSeq"/>
+              <p:cTn id="8" dur="indefinite" nodeType="mainSeq"/>
               <p:prevCondLst>
                 <p:cond delay="0" evt="onPrev">
                   <p:tgtEl>
@@ -5130,6 +6833,13 @@
 <file path=ppt/slides/slide5.xml><?xml version="1.0" encoding="utf-8"?>
 <p:sld xmlns:a="http://schemas.openxmlformats.org/drawingml/2006/main" xmlns:p="http://schemas.openxmlformats.org/presentationml/2006/main" xmlns:r="http://schemas.openxmlformats.org/officeDocument/2006/relationships" xmlns:p14="http://schemas.microsoft.com/office/powerpoint/2010/main" xmlns:p15="http://schemas.microsoft.com/office/powerpoint/2012/main" xmlns:mc="http://schemas.openxmlformats.org/markup-compatibility/2006">
   <p:cSld>
+    <p:bg>
+      <p:bgPr>
+        <a:solidFill>
+          <a:srgbClr val="ffffff"/>
+        </a:solidFill>
+      </p:bgPr>
+    </p:bg>
     <p:spTree>
       <p:nvGrpSpPr>
         <p:cNvPr id="1" name=""/>
@@ -5146,14 +6856,14 @@
       </p:grpSpPr>
       <p:sp>
         <p:nvSpPr>
-          <p:cNvPr id="96" name="TextShape 1"/>
-          <p:cNvSpPr txBox="1"/>
+          <p:cNvPr id="96" name="CustomShape 1"/>
+          <p:cNvSpPr/>
           <p:nvPr/>
         </p:nvSpPr>
         <p:spPr>
           <a:xfrm>
-            <a:off x="332640" y="-91440"/>
-            <a:ext cx="9360000" cy="365760"/>
+            <a:off x="274320" y="822960"/>
+            <a:ext cx="9360000" cy="365040"/>
           </a:xfrm>
           <a:prstGeom prst="rect">
             <a:avLst/>
@@ -5163,9 +6873,20 @@
             <a:noFill/>
           </a:ln>
         </p:spPr>
+        <p:style>
+          <a:lnRef idx="0"/>
+          <a:fillRef idx="0"/>
+          <a:effectRef idx="0"/>
+          <a:fontRef idx="minor"/>
+        </p:style>
         <p:txBody>
           <a:bodyPr lIns="0" rIns="0" tIns="0" bIns="0" anchor="b"/>
           <a:p>
+            <a:pPr>
+              <a:lnSpc>
+                <a:spcPct val="100000"/>
+              </a:lnSpc>
+            </a:pPr>
             <a:r>
               <a:rPr b="1" lang="en-US" sz="3200" spc="-1" strike="noStrike">
                 <a:solidFill>
@@ -5178,9 +6899,90 @@
                 </a:uFill>
                 <a:latin typeface="Source Sans Pro Black"/>
               </a:rPr>
-              <a:t>
-</a:t>
+              <a:t> </a:t>
             </a:r>
+            <a:endParaRPr b="0" lang="en-US" sz="1800" spc="-1" strike="noStrike">
+              <a:solidFill>
+                <a:srgbClr val="000000"/>
+              </a:solidFill>
+              <a:uFill>
+                <a:solidFill>
+                  <a:srgbClr val="ffffff"/>
+                </a:solidFill>
+              </a:uFill>
+              <a:latin typeface="Arial"/>
+            </a:endParaRPr>
+          </a:p>
+          <a:p>
+            <a:pPr>
+              <a:lnSpc>
+                <a:spcPct val="100000"/>
+              </a:lnSpc>
+            </a:pPr>
+            <a:r>
+              <a:rPr b="1" lang="en-US" sz="3200" spc="-1" strike="noStrike">
+                <a:solidFill>
+                  <a:srgbClr val="ffffff"/>
+                </a:solidFill>
+                <a:uFill>
+                  <a:solidFill>
+                    <a:srgbClr val="ffffff"/>
+                  </a:solidFill>
+                </a:uFill>
+                <a:latin typeface="Source Sans Pro Black"/>
+              </a:rPr>
+              <a:t> </a:t>
+            </a:r>
+            <a:endParaRPr b="0" lang="en-US" sz="1800" spc="-1" strike="noStrike">
+              <a:solidFill>
+                <a:srgbClr val="000000"/>
+              </a:solidFill>
+              <a:uFill>
+                <a:solidFill>
+                  <a:srgbClr val="ffffff"/>
+                </a:solidFill>
+              </a:uFill>
+              <a:latin typeface="Arial"/>
+            </a:endParaRPr>
+          </a:p>
+          <a:p>
+            <a:pPr>
+              <a:lnSpc>
+                <a:spcPct val="100000"/>
+              </a:lnSpc>
+            </a:pPr>
+            <a:r>
+              <a:rPr b="1" lang="en-US" sz="3200" spc="-1" strike="noStrike">
+                <a:solidFill>
+                  <a:srgbClr val="ffffff"/>
+                </a:solidFill>
+                <a:uFill>
+                  <a:solidFill>
+                    <a:srgbClr val="ffffff"/>
+                  </a:solidFill>
+                </a:uFill>
+                <a:latin typeface="Source Sans Pro Black"/>
+              </a:rPr>
+              <a:t> </a:t>
+            </a:r>
+            <a:endParaRPr b="0" lang="en-US" sz="1800" spc="-1" strike="noStrike">
+              <a:solidFill>
+                <a:srgbClr val="000000"/>
+              </a:solidFill>
+              <a:uFill>
+                <a:solidFill>
+                  <a:srgbClr val="ffffff"/>
+                </a:solidFill>
+              </a:uFill>
+              <a:latin typeface="Arial"/>
+            </a:endParaRPr>
+          </a:p>
+          <a:p>
+            <a:pPr>
+              <a:lnSpc>
+                <a:spcPct val="100000"/>
+              </a:lnSpc>
+            </a:pPr>
             <a:r>
               <a:rPr b="1" lang="en-US" sz="3200" spc="-1" strike="noStrike">
                 <a:solidFill>
@@ -5195,30 +6997,30 @@
               </a:rPr>
               <a:t>Details of Method – Step 2 – Construct Knit Graph</a:t>
             </a:r>
-            <a:endParaRPr b="1" lang="en-US" sz="3200" spc="-1" strike="noStrike">
-              <a:solidFill>
-                <a:srgbClr val="ffffff"/>
-              </a:solidFill>
-              <a:uFill>
-                <a:solidFill>
-                  <a:srgbClr val="ffffff"/>
-                </a:solidFill>
-              </a:uFill>
-              <a:latin typeface="Source Sans Pro Black"/>
-            </a:endParaRPr>
-          </a:p>
-        </p:txBody>
-      </p:sp>
-      <p:sp>
-        <p:nvSpPr>
-          <p:cNvPr id="97" name="TextShape 2"/>
-          <p:cNvSpPr txBox="1"/>
+            <a:endParaRPr b="0" lang="en-US" sz="1800" spc="-1" strike="noStrike">
+              <a:solidFill>
+                <a:srgbClr val="000000"/>
+              </a:solidFill>
+              <a:uFill>
+                <a:solidFill>
+                  <a:srgbClr val="ffffff"/>
+                </a:solidFill>
+              </a:uFill>
+              <a:latin typeface="Arial"/>
+            </a:endParaRPr>
+          </a:p>
+        </p:txBody>
+      </p:sp>
+      <p:sp>
+        <p:nvSpPr>
+          <p:cNvPr id="97" name="CustomShape 2"/>
+          <p:cNvSpPr/>
           <p:nvPr/>
         </p:nvSpPr>
         <p:spPr>
           <a:xfrm>
-            <a:off x="360000" y="1980000"/>
-            <a:ext cx="9180000" cy="1769040"/>
+            <a:off x="360360" y="1979640"/>
+            <a:ext cx="9178920" cy="1768320"/>
           </a:xfrm>
           <a:prstGeom prst="rect">
             <a:avLst/>
@@ -5228,10 +7030,20 @@
             <a:noFill/>
           </a:ln>
         </p:spPr>
+        <p:style>
+          <a:lnRef idx="0"/>
+          <a:fillRef idx="0"/>
+          <a:effectRef idx="0"/>
+          <a:fontRef idx="minor"/>
+        </p:style>
         <p:txBody>
           <a:bodyPr lIns="0" rIns="0" tIns="0" bIns="0"/>
           <a:p>
-            <a:pPr/>
+            <a:pPr>
+              <a:lnSpc>
+                <a:spcPct val="100000"/>
+              </a:lnSpc>
+            </a:pPr>
             <a:r>
               <a:rPr b="1" lang="en-US" sz="2600" spc="-1" strike="noStrike">
                 <a:solidFill>
@@ -5246,20 +7058,24 @@
               </a:rPr>
               <a:t>Second step:</a:t>
             </a:r>
-            <a:endParaRPr b="1" lang="en-US" sz="2600" spc="-1" strike="noStrike">
-              <a:solidFill>
-                <a:srgbClr val="1c1c1c"/>
-              </a:solidFill>
-              <a:uFill>
-                <a:solidFill>
-                  <a:srgbClr val="ffffff"/>
-                </a:solidFill>
-              </a:uFill>
-              <a:latin typeface="Source Sans Pro Semibold"/>
-            </a:endParaRPr>
-          </a:p>
-          <a:p>
-            <a:pPr/>
+            <a:endParaRPr b="0" lang="en-US" sz="1800" spc="-1" strike="noStrike">
+              <a:solidFill>
+                <a:srgbClr val="000000"/>
+              </a:solidFill>
+              <a:uFill>
+                <a:solidFill>
+                  <a:srgbClr val="ffffff"/>
+                </a:solidFill>
+              </a:uFill>
+              <a:latin typeface="Arial"/>
+            </a:endParaRPr>
+          </a:p>
+          <a:p>
+            <a:pPr>
+              <a:lnSpc>
+                <a:spcPct val="100000"/>
+              </a:lnSpc>
+            </a:pPr>
             <a:r>
               <a:rPr b="1" lang="en-US" sz="2600" spc="-1" strike="noStrike">
                 <a:solidFill>
@@ -5272,50 +7088,26 @@
                 </a:uFill>
                 <a:latin typeface="Source Sans Pro Semibold"/>
               </a:rPr>
-              <a:t>A knit graph is constructed, here showing nodes </a:t>
+              <a:t>A knit graph is constructed, here showing nodes with circles, and taking the edge width and heights from pattern specifications:</a:t>
             </a:r>
-            <a:r>
-              <a:rPr b="1" lang="en-US" sz="2600" spc="-1" strike="noStrike">
-                <a:solidFill>
-                  <a:srgbClr val="1c1c1c"/>
-                </a:solidFill>
-                <a:uFill>
-                  <a:solidFill>
-                    <a:srgbClr val="ffffff"/>
-                  </a:solidFill>
-                </a:uFill>
-                <a:latin typeface="Source Sans Pro Semibold"/>
-              </a:rPr>
-              <a:t>with circles, and taking the edge width and </a:t>
-            </a:r>
-            <a:r>
-              <a:rPr b="1" lang="en-US" sz="2600" spc="-1" strike="noStrike">
-                <a:solidFill>
-                  <a:srgbClr val="1c1c1c"/>
-                </a:solidFill>
-                <a:uFill>
-                  <a:solidFill>
-                    <a:srgbClr val="ffffff"/>
-                  </a:solidFill>
-                </a:uFill>
-                <a:latin typeface="Source Sans Pro Semibold"/>
-              </a:rPr>
-              <a:t>heights from pattern specifications:</a:t>
-            </a:r>
-            <a:endParaRPr b="1" lang="en-US" sz="2600" spc="-1" strike="noStrike">
-              <a:solidFill>
-                <a:srgbClr val="1c1c1c"/>
-              </a:solidFill>
-              <a:uFill>
-                <a:solidFill>
-                  <a:srgbClr val="ffffff"/>
-                </a:solidFill>
-              </a:uFill>
-              <a:latin typeface="Source Sans Pro Semibold"/>
-            </a:endParaRPr>
-          </a:p>
-          <a:p>
-            <a:pPr/>
+            <a:endParaRPr b="0" lang="en-US" sz="1800" spc="-1" strike="noStrike">
+              <a:solidFill>
+                <a:srgbClr val="000000"/>
+              </a:solidFill>
+              <a:uFill>
+                <a:solidFill>
+                  <a:srgbClr val="ffffff"/>
+                </a:solidFill>
+              </a:uFill>
+              <a:latin typeface="Arial"/>
+            </a:endParaRPr>
+          </a:p>
+          <a:p>
+            <a:pPr>
+              <a:lnSpc>
+                <a:spcPct val="100000"/>
+              </a:lnSpc>
+            </a:pPr>
             <a:r>
               <a:rPr b="1" lang="en-US" sz="2600" spc="-1" strike="noStrike">
                 <a:solidFill>
@@ -5330,16 +7122,16 @@
               </a:rPr>
               <a:t> </a:t>
             </a:r>
-            <a:endParaRPr b="1" lang="en-US" sz="2600" spc="-1" strike="noStrike">
-              <a:solidFill>
-                <a:srgbClr val="1c1c1c"/>
-              </a:solidFill>
-              <a:uFill>
-                <a:solidFill>
-                  <a:srgbClr val="ffffff"/>
-                </a:solidFill>
-              </a:uFill>
-              <a:latin typeface="Source Sans Pro Semibold"/>
+            <a:endParaRPr b="0" lang="en-US" sz="1800" spc="-1" strike="noStrike">
+              <a:solidFill>
+                <a:srgbClr val="000000"/>
+              </a:solidFill>
+              <a:uFill>
+                <a:solidFill>
+                  <a:srgbClr val="ffffff"/>
+                </a:solidFill>
+              </a:uFill>
+              <a:latin typeface="Arial"/>
             </a:endParaRPr>
           </a:p>
         </p:txBody>
@@ -5356,8 +7148,8 @@
         </p:blipFill>
         <p:spPr>
           <a:xfrm>
-            <a:off x="2560320" y="3749040"/>
-            <a:ext cx="5171760" cy="1914120"/>
+            <a:off x="2560680" y="3749760"/>
+            <a:ext cx="5172120" cy="1914480"/>
           </a:xfrm>
           <a:prstGeom prst="rect">
             <a:avLst/>
@@ -5369,14 +7161,14 @@
       </p:pic>
       <p:sp>
         <p:nvSpPr>
-          <p:cNvPr id="99" name="TextShape 3"/>
-          <p:cNvSpPr txBox="1"/>
+          <p:cNvPr id="99" name="CustomShape 3"/>
+          <p:cNvSpPr/>
           <p:nvPr/>
         </p:nvSpPr>
         <p:spPr>
           <a:xfrm>
-            <a:off x="365760" y="5486400"/>
-            <a:ext cx="9180000" cy="1280160"/>
+            <a:off x="365040" y="5486400"/>
+            <a:ext cx="9178920" cy="1279440"/>
           </a:xfrm>
           <a:prstGeom prst="rect">
             <a:avLst/>
@@ -5386,10 +7178,20 @@
             <a:noFill/>
           </a:ln>
         </p:spPr>
+        <p:style>
+          <a:lnRef idx="0"/>
+          <a:fillRef idx="0"/>
+          <a:effectRef idx="0"/>
+          <a:fontRef idx="minor"/>
+        </p:style>
         <p:txBody>
           <a:bodyPr lIns="0" rIns="0" tIns="0" bIns="0"/>
           <a:p>
-            <a:pPr/>
+            <a:pPr>
+              <a:lnSpc>
+                <a:spcPct val="100000"/>
+              </a:lnSpc>
+            </a:pPr>
             <a:r>
               <a:rPr b="1" lang="en-US" sz="2600" spc="-1" strike="noStrike">
                 <a:solidFill>
@@ -5402,46 +7204,18 @@
                 </a:uFill>
                 <a:latin typeface="Source Sans Pro Semibold"/>
               </a:rPr>
-              <a:t>Algorithm ensures limited degree for nodes, and </a:t>
+              <a:t>Algorithm ensures limited degree for nodes, and no helices in graph, to ensure it can be machine-knit</a:t>
             </a:r>
-            <a:r>
-              <a:rPr b="1" lang="en-US" sz="2600" spc="-1" strike="noStrike">
-                <a:solidFill>
-                  <a:srgbClr val="1c1c1c"/>
-                </a:solidFill>
-                <a:uFill>
-                  <a:solidFill>
-                    <a:srgbClr val="ffffff"/>
-                  </a:solidFill>
-                </a:uFill>
-                <a:latin typeface="Source Sans Pro Semibold"/>
-              </a:rPr>
-              <a:t>no helices in graph, to ensure it can be </a:t>
-            </a:r>
-            <a:r>
-              <a:rPr b="1" lang="en-US" sz="2600" spc="-1" strike="noStrike">
-                <a:solidFill>
-                  <a:srgbClr val="1c1c1c"/>
-                </a:solidFill>
-                <a:uFill>
-                  <a:solidFill>
-                    <a:srgbClr val="ffffff"/>
-                  </a:solidFill>
-                </a:uFill>
-                <a:latin typeface="Source Sans Pro Semibold"/>
-              </a:rPr>
-              <a:t>machine-knit</a:t>
-            </a:r>
-            <a:endParaRPr b="1" lang="en-US" sz="2600" spc="-1" strike="noStrike">
-              <a:solidFill>
-                <a:srgbClr val="1c1c1c"/>
-              </a:solidFill>
-              <a:uFill>
-                <a:solidFill>
-                  <a:srgbClr val="ffffff"/>
-                </a:solidFill>
-              </a:uFill>
-              <a:latin typeface="Source Sans Pro Semibold"/>
+            <a:endParaRPr b="0" lang="en-US" sz="1800" spc="-1" strike="noStrike">
+              <a:solidFill>
+                <a:srgbClr val="000000"/>
+              </a:solidFill>
+              <a:uFill>
+                <a:solidFill>
+                  <a:srgbClr val="ffffff"/>
+                </a:solidFill>
+              </a:uFill>
+              <a:latin typeface="Arial"/>
             </a:endParaRPr>
           </a:p>
         </p:txBody>
@@ -5454,7 +7228,7 @@
         <p:cTn id="9" dur="indefinite" restart="never" nodeType="tmRoot">
           <p:childTnLst>
             <p:seq>
-              <p:cTn id="10" nodeType="mainSeq"/>
+              <p:cTn id="10" dur="indefinite" nodeType="mainSeq"/>
               <p:prevCondLst>
                 <p:cond delay="0" evt="onPrev">
                   <p:tgtEl>
@@ -5481,6 +7255,13 @@
 <file path=ppt/slides/slide6.xml><?xml version="1.0" encoding="utf-8"?>
 <p:sld xmlns:a="http://schemas.openxmlformats.org/drawingml/2006/main" xmlns:p="http://schemas.openxmlformats.org/presentationml/2006/main" xmlns:r="http://schemas.openxmlformats.org/officeDocument/2006/relationships" xmlns:p14="http://schemas.microsoft.com/office/powerpoint/2010/main" xmlns:p15="http://schemas.microsoft.com/office/powerpoint/2012/main" xmlns:mc="http://schemas.openxmlformats.org/markup-compatibility/2006">
   <p:cSld>
+    <p:bg>
+      <p:bgPr>
+        <a:solidFill>
+          <a:srgbClr val="ffffff"/>
+        </a:solidFill>
+      </p:bgPr>
+    </p:bg>
     <p:spTree>
       <p:nvGrpSpPr>
         <p:cNvPr id="1" name=""/>
@@ -5497,13 +7278,13 @@
       </p:grpSpPr>
       <p:sp>
         <p:nvSpPr>
-          <p:cNvPr id="100" name="TextShape 1"/>
-          <p:cNvSpPr txBox="1"/>
+          <p:cNvPr id="100" name="CustomShape 1"/>
+          <p:cNvSpPr/>
           <p:nvPr/>
         </p:nvSpPr>
         <p:spPr>
           <a:xfrm>
-            <a:off x="360000" y="360000"/>
+            <a:off x="360360" y="360360"/>
             <a:ext cx="9360000" cy="900000"/>
           </a:xfrm>
           <a:prstGeom prst="rect">
@@ -5514,9 +7295,20 @@
             <a:noFill/>
           </a:ln>
         </p:spPr>
+        <p:style>
+          <a:lnRef idx="0"/>
+          <a:fillRef idx="0"/>
+          <a:effectRef idx="0"/>
+          <a:fontRef idx="minor"/>
+        </p:style>
         <p:txBody>
           <a:bodyPr lIns="0" rIns="0" tIns="0" bIns="0" anchor="b"/>
           <a:p>
+            <a:pPr>
+              <a:lnSpc>
+                <a:spcPct val="100000"/>
+              </a:lnSpc>
+            </a:pPr>
             <a:r>
               <a:rPr b="1" lang="en-US" sz="3200" spc="-1" strike="noStrike">
                 <a:solidFill>
@@ -5531,30 +7323,30 @@
               </a:rPr>
               <a:t>Details of Method – Step 3 – Apply Trace Rules</a:t>
             </a:r>
-            <a:endParaRPr b="1" lang="en-US" sz="3200" spc="-1" strike="noStrike">
-              <a:solidFill>
-                <a:srgbClr val="ffffff"/>
-              </a:solidFill>
-              <a:uFill>
-                <a:solidFill>
-                  <a:srgbClr val="ffffff"/>
-                </a:solidFill>
-              </a:uFill>
-              <a:latin typeface="Source Sans Pro Black"/>
-            </a:endParaRPr>
-          </a:p>
-        </p:txBody>
-      </p:sp>
-      <p:sp>
-        <p:nvSpPr>
-          <p:cNvPr id="101" name="TextShape 2"/>
-          <p:cNvSpPr txBox="1"/>
+            <a:endParaRPr b="0" lang="en-US" sz="1800" spc="-1" strike="noStrike">
+              <a:solidFill>
+                <a:srgbClr val="000000"/>
+              </a:solidFill>
+              <a:uFill>
+                <a:solidFill>
+                  <a:srgbClr val="ffffff"/>
+                </a:solidFill>
+              </a:uFill>
+              <a:latin typeface="Arial"/>
+            </a:endParaRPr>
+          </a:p>
+        </p:txBody>
+      </p:sp>
+      <p:sp>
+        <p:nvSpPr>
+          <p:cNvPr id="101" name="CustomShape 2"/>
+          <p:cNvSpPr/>
           <p:nvPr/>
         </p:nvSpPr>
         <p:spPr>
           <a:xfrm>
-            <a:off x="360000" y="1980000"/>
-            <a:ext cx="9180000" cy="4680000"/>
+            <a:off x="360360" y="1979640"/>
+            <a:ext cx="9178920" cy="4680000"/>
           </a:xfrm>
           <a:prstGeom prst="rect">
             <a:avLst/>
@@ -5564,10 +7356,20 @@
             <a:noFill/>
           </a:ln>
         </p:spPr>
+        <p:style>
+          <a:lnRef idx="0"/>
+          <a:fillRef idx="0"/>
+          <a:effectRef idx="0"/>
+          <a:fontRef idx="minor"/>
+        </p:style>
         <p:txBody>
           <a:bodyPr lIns="0" rIns="0" tIns="0" bIns="0"/>
           <a:p>
-            <a:pPr/>
+            <a:pPr>
+              <a:lnSpc>
+                <a:spcPct val="100000"/>
+              </a:lnSpc>
+            </a:pPr>
             <a:r>
               <a:rPr b="1" lang="en-US" sz="2600" spc="-1" strike="noStrike">
                 <a:solidFill>
@@ -5582,20 +7384,24 @@
               </a:rPr>
               <a:t>Tracing associates nodes with timings – later column edges should be knit at a later time, and adjacent rows should be knit at similar times</a:t>
             </a:r>
-            <a:endParaRPr b="1" lang="en-US" sz="2600" spc="-1" strike="noStrike">
-              <a:solidFill>
-                <a:srgbClr val="1c1c1c"/>
-              </a:solidFill>
-              <a:uFill>
-                <a:solidFill>
-                  <a:srgbClr val="ffffff"/>
-                </a:solidFill>
-              </a:uFill>
-              <a:latin typeface="Source Sans Pro Semibold"/>
-            </a:endParaRPr>
-          </a:p>
-          <a:p>
-            <a:pPr/>
+            <a:endParaRPr b="0" lang="en-US" sz="1800" spc="-1" strike="noStrike">
+              <a:solidFill>
+                <a:srgbClr val="000000"/>
+              </a:solidFill>
+              <a:uFill>
+                <a:solidFill>
+                  <a:srgbClr val="ffffff"/>
+                </a:solidFill>
+              </a:uFill>
+              <a:latin typeface="Arial"/>
+            </a:endParaRPr>
+          </a:p>
+          <a:p>
+            <a:pPr>
+              <a:lnSpc>
+                <a:spcPct val="100000"/>
+              </a:lnSpc>
+            </a:pPr>
             <a:r>
               <a:rPr b="1" lang="en-US" sz="2600" spc="-1" strike="noStrike">
                 <a:solidFill>
@@ -5610,20 +7416,24 @@
               </a:rPr>
               <a:t>Rules handle movement between rows and columns, e.g.:</a:t>
             </a:r>
-            <a:endParaRPr b="1" lang="en-US" sz="2600" spc="-1" strike="noStrike">
-              <a:solidFill>
-                <a:srgbClr val="1c1c1c"/>
-              </a:solidFill>
-              <a:uFill>
-                <a:solidFill>
-                  <a:srgbClr val="ffffff"/>
-                </a:solidFill>
-              </a:uFill>
-              <a:latin typeface="Source Sans Pro Semibold"/>
-            </a:endParaRPr>
-          </a:p>
-          <a:p>
-            <a:pPr/>
+            <a:endParaRPr b="0" lang="en-US" sz="1800" spc="-1" strike="noStrike">
+              <a:solidFill>
+                <a:srgbClr val="000000"/>
+              </a:solidFill>
+              <a:uFill>
+                <a:solidFill>
+                  <a:srgbClr val="ffffff"/>
+                </a:solidFill>
+              </a:uFill>
+              <a:latin typeface="Arial"/>
+            </a:endParaRPr>
+          </a:p>
+          <a:p>
+            <a:pPr>
+              <a:lnSpc>
+                <a:spcPct val="100000"/>
+              </a:lnSpc>
+            </a:pPr>
             <a:r>
               <a:rPr b="1" lang="en-US" sz="2600" spc="-1" strike="noStrike">
                 <a:solidFill>
@@ -5638,16 +7448,16 @@
               </a:rPr>
               <a:t> </a:t>
             </a:r>
-            <a:endParaRPr b="1" lang="en-US" sz="2600" spc="-1" strike="noStrike">
-              <a:solidFill>
-                <a:srgbClr val="1c1c1c"/>
-              </a:solidFill>
-              <a:uFill>
-                <a:solidFill>
-                  <a:srgbClr val="ffffff"/>
-                </a:solidFill>
-              </a:uFill>
-              <a:latin typeface="Source Sans Pro Semibold"/>
+            <a:endParaRPr b="0" lang="en-US" sz="1800" spc="-1" strike="noStrike">
+              <a:solidFill>
+                <a:srgbClr val="000000"/>
+              </a:solidFill>
+              <a:uFill>
+                <a:solidFill>
+                  <a:srgbClr val="ffffff"/>
+                </a:solidFill>
+              </a:uFill>
+              <a:latin typeface="Arial"/>
             </a:endParaRPr>
           </a:p>
         </p:txBody>
@@ -5664,8 +7474,8 @@
         </p:blipFill>
         <p:spPr>
           <a:xfrm>
-            <a:off x="2834640" y="4754880"/>
-            <a:ext cx="4620960" cy="1732680"/>
+            <a:off x="2835360" y="4754520"/>
+            <a:ext cx="4620960" cy="1731960"/>
           </a:xfrm>
           <a:prstGeom prst="rect">
             <a:avLst/>
@@ -5683,7 +7493,7 @@
         <p:cTn id="11" dur="indefinite" restart="never" nodeType="tmRoot">
           <p:childTnLst>
             <p:seq>
-              <p:cTn id="12" nodeType="mainSeq"/>
+              <p:cTn id="12" dur="indefinite" nodeType="mainSeq"/>
               <p:prevCondLst>
                 <p:cond delay="0" evt="onPrev">
                   <p:tgtEl>
@@ -5710,6 +7520,13 @@
 <file path=ppt/slides/slide7.xml><?xml version="1.0" encoding="utf-8"?>
 <p:sld xmlns:a="http://schemas.openxmlformats.org/drawingml/2006/main" xmlns:p="http://schemas.openxmlformats.org/presentationml/2006/main" xmlns:r="http://schemas.openxmlformats.org/officeDocument/2006/relationships" xmlns:p14="http://schemas.microsoft.com/office/powerpoint/2010/main" xmlns:p15="http://schemas.microsoft.com/office/powerpoint/2012/main" xmlns:mc="http://schemas.openxmlformats.org/markup-compatibility/2006">
   <p:cSld>
+    <p:bg>
+      <p:bgPr>
+        <a:solidFill>
+          <a:srgbClr val="ffffff"/>
+        </a:solidFill>
+      </p:bgPr>
+    </p:bg>
     <p:spTree>
       <p:nvGrpSpPr>
         <p:cNvPr id="1" name=""/>
@@ -5726,13 +7543,13 @@
       </p:grpSpPr>
       <p:sp>
         <p:nvSpPr>
-          <p:cNvPr id="103" name="TextShape 1"/>
-          <p:cNvSpPr txBox="1"/>
+          <p:cNvPr id="103" name="CustomShape 1"/>
+          <p:cNvSpPr/>
           <p:nvPr/>
         </p:nvSpPr>
         <p:spPr>
           <a:xfrm>
-            <a:off x="360000" y="360000"/>
+            <a:off x="360360" y="360360"/>
             <a:ext cx="9360000" cy="900000"/>
           </a:xfrm>
           <a:prstGeom prst="rect">
@@ -5743,9 +7560,20 @@
             <a:noFill/>
           </a:ln>
         </p:spPr>
+        <p:style>
+          <a:lnRef idx="0"/>
+          <a:fillRef idx="0"/>
+          <a:effectRef idx="0"/>
+          <a:fontRef idx="minor"/>
+        </p:style>
         <p:txBody>
           <a:bodyPr lIns="0" rIns="0" tIns="0" bIns="0" anchor="b"/>
           <a:p>
+            <a:pPr>
+              <a:lnSpc>
+                <a:spcPct val="100000"/>
+              </a:lnSpc>
+            </a:pPr>
             <a:r>
               <a:rPr b="1" lang="en-US" sz="3200" spc="-1" strike="noStrike">
                 <a:solidFill>
@@ -5760,30 +7588,30 @@
               </a:rPr>
               <a:t>Details of Method – Step 4 - Scheduling</a:t>
             </a:r>
-            <a:endParaRPr b="1" lang="en-US" sz="3200" spc="-1" strike="noStrike">
-              <a:solidFill>
-                <a:srgbClr val="ffffff"/>
-              </a:solidFill>
-              <a:uFill>
-                <a:solidFill>
-                  <a:srgbClr val="ffffff"/>
-                </a:solidFill>
-              </a:uFill>
-              <a:latin typeface="Source Sans Pro Black"/>
-            </a:endParaRPr>
-          </a:p>
-        </p:txBody>
-      </p:sp>
-      <p:sp>
-        <p:nvSpPr>
-          <p:cNvPr id="104" name="TextShape 2"/>
-          <p:cNvSpPr txBox="1"/>
+            <a:endParaRPr b="0" lang="en-US" sz="1800" spc="-1" strike="noStrike">
+              <a:solidFill>
+                <a:srgbClr val="000000"/>
+              </a:solidFill>
+              <a:uFill>
+                <a:solidFill>
+                  <a:srgbClr val="ffffff"/>
+                </a:solidFill>
+              </a:uFill>
+              <a:latin typeface="Arial"/>
+            </a:endParaRPr>
+          </a:p>
+        </p:txBody>
+      </p:sp>
+      <p:sp>
+        <p:nvSpPr>
+          <p:cNvPr id="104" name="CustomShape 2"/>
+          <p:cNvSpPr/>
           <p:nvPr/>
         </p:nvSpPr>
         <p:spPr>
           <a:xfrm>
-            <a:off x="360000" y="1980000"/>
-            <a:ext cx="9180000" cy="4680000"/>
+            <a:off x="360360" y="1979640"/>
+            <a:ext cx="9178920" cy="4680000"/>
           </a:xfrm>
           <a:prstGeom prst="rect">
             <a:avLst/>
@@ -5793,10 +7621,20 @@
             <a:noFill/>
           </a:ln>
         </p:spPr>
+        <p:style>
+          <a:lnRef idx="0"/>
+          <a:fillRef idx="0"/>
+          <a:effectRef idx="0"/>
+          <a:fontRef idx="minor"/>
+        </p:style>
         <p:txBody>
           <a:bodyPr lIns="0" rIns="0" tIns="0" bIns="0"/>
           <a:p>
-            <a:pPr/>
+            <a:pPr>
+              <a:lnSpc>
+                <a:spcPct val="100000"/>
+              </a:lnSpc>
+            </a:pPr>
             <a:r>
               <a:rPr b="1" lang="en-US" sz="2600" spc="-1" strike="noStrike">
                 <a:solidFill>
@@ -5811,16 +7649,16 @@
               </a:rPr>
               <a:t>Having computed a desired series of tucks, loops, etc, the algorithm takes information about the capacity of the current machine (e.g., how many needles are present) to assign each operating to a different needle. At this point, the garment can be fabricated on the machine</a:t>
             </a:r>
-            <a:endParaRPr b="1" lang="en-US" sz="2600" spc="-1" strike="noStrike">
-              <a:solidFill>
-                <a:srgbClr val="1c1c1c"/>
-              </a:solidFill>
-              <a:uFill>
-                <a:solidFill>
-                  <a:srgbClr val="ffffff"/>
-                </a:solidFill>
-              </a:uFill>
-              <a:latin typeface="Source Sans Pro Semibold"/>
+            <a:endParaRPr b="0" lang="en-US" sz="1800" spc="-1" strike="noStrike">
+              <a:solidFill>
+                <a:srgbClr val="000000"/>
+              </a:solidFill>
+              <a:uFill>
+                <a:solidFill>
+                  <a:srgbClr val="ffffff"/>
+                </a:solidFill>
+              </a:uFill>
+              <a:latin typeface="Arial"/>
             </a:endParaRPr>
           </a:p>
         </p:txBody>
@@ -5833,7 +7671,7 @@
         <p:cTn id="13" dur="indefinite" restart="never" nodeType="tmRoot">
           <p:childTnLst>
             <p:seq>
-              <p:cTn id="14" nodeType="mainSeq"/>
+              <p:cTn id="14" dur="indefinite" nodeType="mainSeq"/>
               <p:prevCondLst>
                 <p:cond delay="0" evt="onPrev">
                   <p:tgtEl>
@@ -5860,6 +7698,13 @@
 <file path=ppt/slides/slide8.xml><?xml version="1.0" encoding="utf-8"?>
 <p:sld xmlns:a="http://schemas.openxmlformats.org/drawingml/2006/main" xmlns:p="http://schemas.openxmlformats.org/presentationml/2006/main" xmlns:r="http://schemas.openxmlformats.org/officeDocument/2006/relationships" xmlns:p14="http://schemas.microsoft.com/office/powerpoint/2010/main" xmlns:p15="http://schemas.microsoft.com/office/powerpoint/2012/main" xmlns:mc="http://schemas.openxmlformats.org/markup-compatibility/2006">
   <p:cSld>
+    <p:bg>
+      <p:bgPr>
+        <a:solidFill>
+          <a:srgbClr val="ffffff"/>
+        </a:solidFill>
+      </p:bgPr>
+    </p:bg>
     <p:spTree>
       <p:nvGrpSpPr>
         <p:cNvPr id="1" name=""/>
@@ -5876,13 +7721,13 @@
       </p:grpSpPr>
       <p:sp>
         <p:nvSpPr>
-          <p:cNvPr id="105" name="TextShape 1"/>
-          <p:cNvSpPr txBox="1"/>
+          <p:cNvPr id="105" name="CustomShape 1"/>
+          <p:cNvSpPr/>
           <p:nvPr/>
         </p:nvSpPr>
         <p:spPr>
           <a:xfrm>
-            <a:off x="360000" y="360000"/>
+            <a:off x="360360" y="360360"/>
             <a:ext cx="9360000" cy="900000"/>
           </a:xfrm>
           <a:prstGeom prst="rect">
@@ -5893,9 +7738,20 @@
             <a:noFill/>
           </a:ln>
         </p:spPr>
+        <p:style>
+          <a:lnRef idx="0"/>
+          <a:fillRef idx="0"/>
+          <a:effectRef idx="0"/>
+          <a:fontRef idx="minor"/>
+        </p:style>
         <p:txBody>
           <a:bodyPr lIns="0" rIns="0" tIns="0" bIns="0" anchor="b"/>
           <a:p>
+            <a:pPr>
+              <a:lnSpc>
+                <a:spcPct val="100000"/>
+              </a:lnSpc>
+            </a:pPr>
             <a:r>
               <a:rPr b="1" lang="en-US" sz="3200" spc="-1" strike="noStrike">
                 <a:solidFill>
@@ -5910,30 +7766,30 @@
               </a:rPr>
               <a:t>Example Garments/Toys Produced</a:t>
             </a:r>
-            <a:endParaRPr b="1" lang="en-US" sz="3200" spc="-1" strike="noStrike">
-              <a:solidFill>
-                <a:srgbClr val="ffffff"/>
-              </a:solidFill>
-              <a:uFill>
-                <a:solidFill>
-                  <a:srgbClr val="ffffff"/>
-                </a:solidFill>
-              </a:uFill>
-              <a:latin typeface="Source Sans Pro Black"/>
-            </a:endParaRPr>
-          </a:p>
-        </p:txBody>
-      </p:sp>
-      <p:sp>
-        <p:nvSpPr>
-          <p:cNvPr id="106" name="TextShape 2"/>
-          <p:cNvSpPr txBox="1"/>
+            <a:endParaRPr b="0" lang="en-US" sz="1800" spc="-1" strike="noStrike">
+              <a:solidFill>
+                <a:srgbClr val="000000"/>
+              </a:solidFill>
+              <a:uFill>
+                <a:solidFill>
+                  <a:srgbClr val="ffffff"/>
+                </a:solidFill>
+              </a:uFill>
+              <a:latin typeface="Arial"/>
+            </a:endParaRPr>
+          </a:p>
+        </p:txBody>
+      </p:sp>
+      <p:sp>
+        <p:nvSpPr>
+          <p:cNvPr id="106" name="CustomShape 2"/>
+          <p:cNvSpPr/>
           <p:nvPr/>
         </p:nvSpPr>
         <p:spPr>
           <a:xfrm>
-            <a:off x="360000" y="1980000"/>
-            <a:ext cx="9180000" cy="4680000"/>
+            <a:off x="360360" y="1979640"/>
+            <a:ext cx="9178920" cy="4680000"/>
           </a:xfrm>
           <a:prstGeom prst="rect">
             <a:avLst/>
@@ -5943,10 +7799,20 @@
             <a:noFill/>
           </a:ln>
         </p:spPr>
+        <p:style>
+          <a:lnRef idx="0"/>
+          <a:fillRef idx="0"/>
+          <a:effectRef idx="0"/>
+          <a:fontRef idx="minor"/>
+        </p:style>
         <p:txBody>
           <a:bodyPr lIns="0" rIns="0" tIns="0" bIns="0"/>
           <a:p>
-            <a:pPr/>
+            <a:pPr>
+              <a:lnSpc>
+                <a:spcPct val="100000"/>
+              </a:lnSpc>
+            </a:pPr>
             <a:r>
               <a:rPr b="1" lang="en-US" sz="2600" spc="-1" strike="noStrike">
                 <a:solidFill>
@@ -5961,16 +7827,16 @@
               </a:rPr>
               <a:t>The paper demonstrates a strong ability to machine-knit complex 3D shapes</a:t>
             </a:r>
-            <a:endParaRPr b="1" lang="en-US" sz="2600" spc="-1" strike="noStrike">
-              <a:solidFill>
-                <a:srgbClr val="1c1c1c"/>
-              </a:solidFill>
-              <a:uFill>
-                <a:solidFill>
-                  <a:srgbClr val="ffffff"/>
-                </a:solidFill>
-              </a:uFill>
-              <a:latin typeface="Source Sans Pro Semibold"/>
+            <a:endParaRPr b="0" lang="en-US" sz="1800" spc="-1" strike="noStrike">
+              <a:solidFill>
+                <a:srgbClr val="000000"/>
+              </a:solidFill>
+              <a:uFill>
+                <a:solidFill>
+                  <a:srgbClr val="ffffff"/>
+                </a:solidFill>
+              </a:uFill>
+              <a:latin typeface="Arial"/>
             </a:endParaRPr>
           </a:p>
         </p:txBody>
@@ -5987,8 +7853,8 @@
         </p:blipFill>
         <p:spPr>
           <a:xfrm>
-            <a:off x="2851560" y="2926080"/>
-            <a:ext cx="3823560" cy="3790440"/>
+            <a:off x="2851200" y="2925720"/>
+            <a:ext cx="3822480" cy="3789360"/>
           </a:xfrm>
           <a:prstGeom prst="rect">
             <a:avLst/>
@@ -6006,7 +7872,7 @@
         <p:cTn id="15" dur="indefinite" restart="never" nodeType="tmRoot">
           <p:childTnLst>
             <p:seq>
-              <p:cTn id="16" nodeType="mainSeq"/>
+              <p:cTn id="16" dur="indefinite" nodeType="mainSeq"/>
               <p:prevCondLst>
                 <p:cond delay="0" evt="onPrev">
                   <p:tgtEl>
@@ -6033,6 +7899,13 @@
 <file path=ppt/slides/slide9.xml><?xml version="1.0" encoding="utf-8"?>
 <p:sld xmlns:a="http://schemas.openxmlformats.org/drawingml/2006/main" xmlns:p="http://schemas.openxmlformats.org/presentationml/2006/main" xmlns:r="http://schemas.openxmlformats.org/officeDocument/2006/relationships" xmlns:p14="http://schemas.microsoft.com/office/powerpoint/2010/main" xmlns:p15="http://schemas.microsoft.com/office/powerpoint/2012/main" xmlns:mc="http://schemas.openxmlformats.org/markup-compatibility/2006">
   <p:cSld>
+    <p:bg>
+      <p:bgPr>
+        <a:solidFill>
+          <a:srgbClr val="ffffff"/>
+        </a:solidFill>
+      </p:bgPr>
+    </p:bg>
     <p:spTree>
       <p:nvGrpSpPr>
         <p:cNvPr id="1" name=""/>
@@ -6049,13 +7922,13 @@
       </p:grpSpPr>
       <p:sp>
         <p:nvSpPr>
-          <p:cNvPr id="108" name="TextShape 1"/>
-          <p:cNvSpPr txBox="1"/>
+          <p:cNvPr id="108" name="CustomShape 1"/>
+          <p:cNvSpPr/>
           <p:nvPr/>
         </p:nvSpPr>
         <p:spPr>
           <a:xfrm>
-            <a:off x="360000" y="360000"/>
+            <a:off x="360360" y="360360"/>
             <a:ext cx="9360000" cy="900000"/>
           </a:xfrm>
           <a:prstGeom prst="rect">
@@ -6066,9 +7939,20 @@
             <a:noFill/>
           </a:ln>
         </p:spPr>
+        <p:style>
+          <a:lnRef idx="0"/>
+          <a:fillRef idx="0"/>
+          <a:effectRef idx="0"/>
+          <a:fontRef idx="minor"/>
+        </p:style>
         <p:txBody>
           <a:bodyPr lIns="0" rIns="0" tIns="0" bIns="0" anchor="b"/>
           <a:p>
+            <a:pPr>
+              <a:lnSpc>
+                <a:spcPct val="100000"/>
+              </a:lnSpc>
+            </a:pPr>
             <a:r>
               <a:rPr b="1" lang="en-US" sz="3200" spc="-1" strike="noStrike">
                 <a:solidFill>
@@ -6083,30 +7967,30 @@
               </a:rPr>
               <a:t>Overview of Implementation</a:t>
             </a:r>
-            <a:endParaRPr b="1" lang="en-US" sz="3200" spc="-1" strike="noStrike">
-              <a:solidFill>
-                <a:srgbClr val="ffffff"/>
-              </a:solidFill>
-              <a:uFill>
-                <a:solidFill>
-                  <a:srgbClr val="ffffff"/>
-                </a:solidFill>
-              </a:uFill>
-              <a:latin typeface="Source Sans Pro Black"/>
-            </a:endParaRPr>
-          </a:p>
-        </p:txBody>
-      </p:sp>
-      <p:sp>
-        <p:nvSpPr>
-          <p:cNvPr id="109" name="TextShape 2"/>
-          <p:cNvSpPr txBox="1"/>
+            <a:endParaRPr b="0" lang="en-US" sz="1800" spc="-1" strike="noStrike">
+              <a:solidFill>
+                <a:srgbClr val="000000"/>
+              </a:solidFill>
+              <a:uFill>
+                <a:solidFill>
+                  <a:srgbClr val="ffffff"/>
+                </a:solidFill>
+              </a:uFill>
+              <a:latin typeface="Arial"/>
+            </a:endParaRPr>
+          </a:p>
+        </p:txBody>
+      </p:sp>
+      <p:sp>
+        <p:nvSpPr>
+          <p:cNvPr id="109" name="CustomShape 2"/>
+          <p:cNvSpPr/>
           <p:nvPr/>
         </p:nvSpPr>
         <p:spPr>
           <a:xfrm>
-            <a:off x="360000" y="1980000"/>
-            <a:ext cx="9180000" cy="4680000"/>
+            <a:off x="360360" y="1979640"/>
+            <a:ext cx="9178920" cy="4680000"/>
           </a:xfrm>
           <a:prstGeom prst="rect">
             <a:avLst/>
@@ -6116,10 +8000,20 @@
             <a:noFill/>
           </a:ln>
         </p:spPr>
+        <p:style>
+          <a:lnRef idx="0"/>
+          <a:fillRef idx="0"/>
+          <a:effectRef idx="0"/>
+          <a:fontRef idx="minor"/>
+        </p:style>
         <p:txBody>
           <a:bodyPr lIns="0" rIns="0" tIns="0" bIns="0"/>
           <a:p>
-            <a:pPr/>
+            <a:pPr>
+              <a:lnSpc>
+                <a:spcPct val="100000"/>
+              </a:lnSpc>
+            </a:pPr>
             <a:r>
               <a:rPr b="1" lang="en-US" sz="2600" spc="-1" strike="noStrike">
                 <a:solidFill>
@@ -6134,20 +8028,24 @@
               </a:rPr>
               <a:t>Source code is provided on GitHub at: https://github.com/textiles-lab/autoknit</a:t>
             </a:r>
-            <a:endParaRPr b="1" lang="en-US" sz="2600" spc="-1" strike="noStrike">
-              <a:solidFill>
-                <a:srgbClr val="1c1c1c"/>
-              </a:solidFill>
-              <a:uFill>
-                <a:solidFill>
-                  <a:srgbClr val="ffffff"/>
-                </a:solidFill>
-              </a:uFill>
-              <a:latin typeface="Source Sans Pro Semibold"/>
-            </a:endParaRPr>
-          </a:p>
-          <a:p>
-            <a:pPr/>
+            <a:endParaRPr b="0" lang="en-US" sz="1800" spc="-1" strike="noStrike">
+              <a:solidFill>
+                <a:srgbClr val="000000"/>
+              </a:solidFill>
+              <a:uFill>
+                <a:solidFill>
+                  <a:srgbClr val="ffffff"/>
+                </a:solidFill>
+              </a:uFill>
+              <a:latin typeface="Arial"/>
+            </a:endParaRPr>
+          </a:p>
+          <a:p>
+            <a:pPr>
+              <a:lnSpc>
+                <a:spcPct val="100000"/>
+              </a:lnSpc>
+            </a:pPr>
             <a:r>
               <a:rPr b="1" lang="en-US" sz="2600" spc="-1" strike="noStrike">
                 <a:solidFill>
@@ -6162,20 +8060,24 @@
               </a:rPr>
               <a:t>OpenGL and GLM are used for visualization of .obj files that are later machine-knitted</a:t>
             </a:r>
-            <a:endParaRPr b="1" lang="en-US" sz="2600" spc="-1" strike="noStrike">
-              <a:solidFill>
-                <a:srgbClr val="1c1c1c"/>
-              </a:solidFill>
-              <a:uFill>
-                <a:solidFill>
-                  <a:srgbClr val="ffffff"/>
-                </a:solidFill>
-              </a:uFill>
-              <a:latin typeface="Source Sans Pro Semibold"/>
-            </a:endParaRPr>
-          </a:p>
-          <a:p>
-            <a:pPr/>
+            <a:endParaRPr b="0" lang="en-US" sz="1800" spc="-1" strike="noStrike">
+              <a:solidFill>
+                <a:srgbClr val="000000"/>
+              </a:solidFill>
+              <a:uFill>
+                <a:solidFill>
+                  <a:srgbClr val="ffffff"/>
+                </a:solidFill>
+              </a:uFill>
+              <a:latin typeface="Arial"/>
+            </a:endParaRPr>
+          </a:p>
+          <a:p>
+            <a:pPr>
+              <a:lnSpc>
+                <a:spcPct val="100000"/>
+              </a:lnSpc>
+            </a:pPr>
             <a:r>
               <a:rPr b="1" lang="en-US" sz="2600" spc="-1" strike="noStrike">
                 <a:solidFill>
@@ -6190,20 +8092,24 @@
               </a:rPr>
               <a:t>Users can specify beginning and ending vertices in software program</a:t>
             </a:r>
-            <a:endParaRPr b="1" lang="en-US" sz="2600" spc="-1" strike="noStrike">
-              <a:solidFill>
-                <a:srgbClr val="1c1c1c"/>
-              </a:solidFill>
-              <a:uFill>
-                <a:solidFill>
-                  <a:srgbClr val="ffffff"/>
-                </a:solidFill>
-              </a:uFill>
-              <a:latin typeface="Source Sans Pro Semibold"/>
-            </a:endParaRPr>
-          </a:p>
-          <a:p>
-            <a:pPr/>
+            <a:endParaRPr b="0" lang="en-US" sz="1800" spc="-1" strike="noStrike">
+              <a:solidFill>
+                <a:srgbClr val="000000"/>
+              </a:solidFill>
+              <a:uFill>
+                <a:solidFill>
+                  <a:srgbClr val="ffffff"/>
+                </a:solidFill>
+              </a:uFill>
+              <a:latin typeface="Arial"/>
+            </a:endParaRPr>
+          </a:p>
+          <a:p>
+            <a:pPr>
+              <a:lnSpc>
+                <a:spcPct val="100000"/>
+              </a:lnSpc>
+            </a:pPr>
             <a:r>
               <a:rPr b="1" lang="en-US" sz="2600" spc="-1" strike="noStrike">
                 <a:solidFill>
@@ -6218,20 +8124,24 @@
               </a:rPr>
               <a:t>RowColGraph struct represents listed of nodes with neighbor information</a:t>
             </a:r>
-            <a:endParaRPr b="1" lang="en-US" sz="2600" spc="-1" strike="noStrike">
-              <a:solidFill>
-                <a:srgbClr val="1c1c1c"/>
-              </a:solidFill>
-              <a:uFill>
-                <a:solidFill>
-                  <a:srgbClr val="ffffff"/>
-                </a:solidFill>
-              </a:uFill>
-              <a:latin typeface="Source Sans Pro Semibold"/>
-            </a:endParaRPr>
-          </a:p>
-          <a:p>
-            <a:pPr/>
+            <a:endParaRPr b="0" lang="en-US" sz="1800" spc="-1" strike="noStrike">
+              <a:solidFill>
+                <a:srgbClr val="000000"/>
+              </a:solidFill>
+              <a:uFill>
+                <a:solidFill>
+                  <a:srgbClr val="ffffff"/>
+                </a:solidFill>
+              </a:uFill>
+              <a:latin typeface="Arial"/>
+            </a:endParaRPr>
+          </a:p>
+          <a:p>
+            <a:pPr>
+              <a:lnSpc>
+                <a:spcPct val="100000"/>
+              </a:lnSpc>
+            </a:pPr>
             <a:r>
               <a:rPr b="1" lang="en-US" sz="2600" spc="-1" strike="noStrike">
                 <a:solidFill>
@@ -6246,16 +8156,16 @@
               </a:rPr>
               <a:t> </a:t>
             </a:r>
-            <a:endParaRPr b="1" lang="en-US" sz="2600" spc="-1" strike="noStrike">
-              <a:solidFill>
-                <a:srgbClr val="1c1c1c"/>
-              </a:solidFill>
-              <a:uFill>
-                <a:solidFill>
-                  <a:srgbClr val="ffffff"/>
-                </a:solidFill>
-              </a:uFill>
-              <a:latin typeface="Source Sans Pro Semibold"/>
+            <a:endParaRPr b="0" lang="en-US" sz="1800" spc="-1" strike="noStrike">
+              <a:solidFill>
+                <a:srgbClr val="000000"/>
+              </a:solidFill>
+              <a:uFill>
+                <a:solidFill>
+                  <a:srgbClr val="ffffff"/>
+                </a:solidFill>
+              </a:uFill>
+              <a:latin typeface="Arial"/>
             </a:endParaRPr>
           </a:p>
         </p:txBody>
@@ -6268,7 +8178,7 @@
         <p:cTn id="17" dur="indefinite" restart="never" nodeType="tmRoot">
           <p:childTnLst>
             <p:seq>
-              <p:cTn id="18" nodeType="mainSeq"/>
+              <p:cTn id="18" dur="indefinite" nodeType="mainSeq"/>
               <p:prevCondLst>
                 <p:cond delay="0" evt="onPrev">
                   <p:tgtEl>
@@ -6736,4 +8646,227 @@
     </a:fmtScheme>
   </a:themeElements>
 </a:theme>
+</file>
+
+<file path=ppt/theme/theme3.xml><?xml version="1.0" encoding="utf-8"?>
+<a:theme xmlns:a="http://schemas.openxmlformats.org/drawingml/2006/main" name="Office Theme">
+  <a:themeElements>
+    <a:clrScheme name="Office">
+      <a:dk1>
+        <a:sysClr val="windowText" lastClr="000000"/>
+      </a:dk1>
+      <a:lt1>
+        <a:sysClr val="window" lastClr="FFFFFF"/>
+      </a:lt1>
+      <a:dk2>
+        <a:srgbClr val="1F497D"/>
+      </a:dk2>
+      <a:lt2>
+        <a:srgbClr val="EEECE1"/>
+      </a:lt2>
+      <a:accent1>
+        <a:srgbClr val="4F81BD"/>
+      </a:accent1>
+      <a:accent2>
+        <a:srgbClr val="C0504D"/>
+      </a:accent2>
+      <a:accent3>
+        <a:srgbClr val="9BBB59"/>
+      </a:accent3>
+      <a:accent4>
+        <a:srgbClr val="8064A2"/>
+      </a:accent4>
+      <a:accent5>
+        <a:srgbClr val="4BACC6"/>
+      </a:accent5>
+      <a:accent6>
+        <a:srgbClr val="F79646"/>
+      </a:accent6>
+      <a:hlink>
+        <a:srgbClr val="0000FF"/>
+      </a:hlink>
+      <a:folHlink>
+        <a:srgbClr val="800080"/>
+      </a:folHlink>
+    </a:clrScheme>
+    <a:fontScheme name="Office">
+      <a:majorFont>
+        <a:latin typeface="Arial"/>
+        <a:ea typeface="DejaVu Sans"/>
+        <a:cs typeface="DejaVu Sans"/>
+      </a:majorFont>
+      <a:minorFont>
+        <a:latin typeface="Arial"/>
+        <a:ea typeface="DejaVu Sans"/>
+        <a:cs typeface="DejaVu Sans"/>
+      </a:minorFont>
+    </a:fontScheme>
+    <a:fmtScheme name="Office">
+      <a:fillStyleLst>
+        <a:solidFill>
+          <a:schemeClr val="phClr"/>
+        </a:solidFill>
+        <a:gradFill rotWithShape="1">
+          <a:gsLst>
+            <a:gs pos="0">
+              <a:schemeClr val="phClr">
+                <a:tint val="50000"/>
+                <a:satMod val="300000"/>
+              </a:schemeClr>
+            </a:gs>
+            <a:gs pos="35000">
+              <a:schemeClr val="phClr">
+                <a:tint val="37000"/>
+                <a:satMod val="300000"/>
+              </a:schemeClr>
+            </a:gs>
+            <a:gs pos="100000">
+              <a:schemeClr val="phClr">
+                <a:tint val="15000"/>
+                <a:satMod val="350000"/>
+              </a:schemeClr>
+            </a:gs>
+          </a:gsLst>
+          <a:lin ang="16200000" scaled="1"/>
+        </a:gradFill>
+        <a:gradFill rotWithShape="1">
+          <a:gsLst>
+            <a:gs pos="0">
+              <a:schemeClr val="phClr">
+                <a:shade val="51000"/>
+                <a:satMod val="130000"/>
+              </a:schemeClr>
+            </a:gs>
+            <a:gs pos="80000">
+              <a:schemeClr val="phClr">
+                <a:shade val="93000"/>
+                <a:satMod val="130000"/>
+              </a:schemeClr>
+            </a:gs>
+            <a:gs pos="100000">
+              <a:schemeClr val="phClr">
+                <a:shade val="94000"/>
+                <a:satMod val="135000"/>
+              </a:schemeClr>
+            </a:gs>
+          </a:gsLst>
+          <a:lin ang="16200000" scaled="0"/>
+        </a:gradFill>
+      </a:fillStyleLst>
+      <a:lnStyleLst>
+        <a:ln w="9525" cap="flat" cmpd="sng" algn="ctr">
+          <a:solidFill>
+            <a:schemeClr val="phClr">
+              <a:shade val="95000"/>
+              <a:satMod val="105000"/>
+            </a:schemeClr>
+          </a:solidFill>
+          <a:prstDash val="solid"/>
+        </a:ln>
+        <a:ln w="25400" cap="flat" cmpd="sng" algn="ctr">
+          <a:solidFill>
+            <a:schemeClr val="phClr"/>
+          </a:solidFill>
+          <a:prstDash val="solid"/>
+        </a:ln>
+        <a:ln w="38100" cap="flat" cmpd="sng" algn="ctr">
+          <a:solidFill>
+            <a:schemeClr val="phClr"/>
+          </a:solidFill>
+          <a:prstDash val="solid"/>
+        </a:ln>
+      </a:lnStyleLst>
+      <a:effectStyleLst>
+        <a:effectStyle>
+          <a:effectLst>
+            <a:outerShdw blurRad="40000" dist="20000" dir="5400000" rotWithShape="0">
+              <a:srgbClr val="000000">
+                <a:alpha val="38000"/>
+              </a:srgbClr>
+            </a:outerShdw>
+          </a:effectLst>
+        </a:effectStyle>
+        <a:effectStyle>
+          <a:effectLst>
+            <a:outerShdw blurRad="40000" dist="23000" dir="5400000" rotWithShape="0">
+              <a:srgbClr val="000000">
+                <a:alpha val="35000"/>
+              </a:srgbClr>
+            </a:outerShdw>
+          </a:effectLst>
+        </a:effectStyle>
+        <a:effectStyle>
+          <a:effectLst>
+            <a:outerShdw blurRad="40000" dist="23000" dir="5400000" rotWithShape="0">
+              <a:srgbClr val="000000">
+                <a:alpha val="35000"/>
+              </a:srgbClr>
+            </a:outerShdw>
+          </a:effectLst>
+          <a:scene3d>
+            <a:camera prst="orthographicFront">
+              <a:rot lat="0" lon="0" rev="0"/>
+            </a:camera>
+            <a:lightRig rig="threePt" dir="t">
+              <a:rot lat="0" lon="0" rev="1200000"/>
+            </a:lightRig>
+          </a:scene3d>
+          <a:sp3d>
+            <a:bevelT w="63500" h="25400"/>
+          </a:sp3d>
+        </a:effectStyle>
+      </a:effectStyleLst>
+      <a:bgFillStyleLst>
+        <a:solidFill>
+          <a:schemeClr val="phClr"/>
+        </a:solidFill>
+        <a:gradFill rotWithShape="1">
+          <a:gsLst>
+            <a:gs pos="0">
+              <a:schemeClr val="phClr">
+                <a:tint val="40000"/>
+                <a:satMod val="350000"/>
+              </a:schemeClr>
+            </a:gs>
+            <a:gs pos="40000">
+              <a:schemeClr val="phClr">
+                <a:tint val="45000"/>
+                <a:shade val="99000"/>
+                <a:satMod val="350000"/>
+              </a:schemeClr>
+            </a:gs>
+            <a:gs pos="100000">
+              <a:schemeClr val="phClr">
+                <a:shade val="20000"/>
+                <a:satMod val="255000"/>
+              </a:schemeClr>
+            </a:gs>
+          </a:gsLst>
+          <a:path path="circle">
+            <a:fillToRect l="50000" t="-80000" r="50000" b="180000"/>
+          </a:path>
+        </a:gradFill>
+        <a:gradFill rotWithShape="1">
+          <a:gsLst>
+            <a:gs pos="0">
+              <a:schemeClr val="phClr">
+                <a:tint val="80000"/>
+                <a:satMod val="300000"/>
+              </a:schemeClr>
+            </a:gs>
+            <a:gs pos="100000">
+              <a:schemeClr val="phClr">
+                <a:shade val="30000"/>
+                <a:satMod val="200000"/>
+              </a:schemeClr>
+            </a:gs>
+          </a:gsLst>
+          <a:path path="circle">
+            <a:fillToRect l="50000" t="50000" r="50000" b="50000"/>
+          </a:path>
+        </a:gradFill>
+      </a:bgFillStyleLst>
+    </a:fmtScheme>
+  </a:themeElements>
+</a:theme>
 </file>